--- a/ptt.pptx
+++ b/ptt.pptx
@@ -9,6 +9,7 @@
     <p:sldId id="257" r:id="rId3"/>
     <p:sldId id="258" r:id="rId4"/>
     <p:sldId id="259" r:id="rId5"/>
+    <p:sldId id="260" r:id="rId6"/>
   </p:sldIdLst>
   <p:sldSz cx="9144000" cy="6858000" type="screen4x3"/>
   <p:notesSz cx="6858000" cy="9144000"/>
@@ -107,6 +108,22 @@
       </a:defRPr>
     </a:lvl9pPr>
   </p:defaultTextStyle>
+  <p:extLst>
+    <p:ext uri="{EFAFB233-063F-42B5-8137-9DF3F51BA10A}">
+      <p15:sldGuideLst xmlns:p15="http://schemas.microsoft.com/office/powerpoint/2012/main">
+        <p15:guide id="1" orient="horz" pos="2160">
+          <p15:clr>
+            <a:srgbClr val="A4A3A4"/>
+          </p15:clr>
+        </p15:guide>
+        <p15:guide id="2" pos="2880">
+          <p15:clr>
+            <a:srgbClr val="A4A3A4"/>
+          </p15:clr>
+        </p15:guide>
+      </p15:sldGuideLst>
+    </p:ext>
+  </p:extLst>
 </p:presentation>
 </file>
 
@@ -3693,15 +3710,7 @@
           <a:p>
             <a:r>
               <a:rPr lang="zh-TW" altLang="en-US" smtClean="0"/>
-              <a:t>陳</a:t>
-            </a:r>
-            <a:r>
-              <a:rPr lang="zh-TW" altLang="en-US" smtClean="0"/>
-              <a:t>科</a:t>
-            </a:r>
-            <a:r>
-              <a:rPr lang="zh-TW" altLang="en-US" smtClean="0"/>
-              <a:t>銘、謝宗廷</a:t>
+              <a:t>陳科銘、謝宗廷</a:t>
             </a:r>
             <a:endParaRPr lang="zh-TW" altLang="en-US"/>
           </a:p>
@@ -3957,10 +3966,10 @@
           <a:lstStyle/>
           <a:p>
             <a:r>
-              <a:rPr lang="en-US" altLang="zh-TW" smtClean="0"/>
+              <a:rPr lang="en-US" altLang="zh-TW" dirty="0" smtClean="0"/>
               <a:t>How it work?</a:t>
             </a:r>
-            <a:endParaRPr lang="zh-TW" altLang="en-US"/>
+            <a:endParaRPr lang="zh-TW" altLang="en-US" dirty="0"/>
           </a:p>
         </p:txBody>
       </p:sp>
@@ -3979,7 +3988,7 @@
           <a:bodyPr/>
           <a:lstStyle/>
           <a:p>
-            <a:endParaRPr lang="zh-TW" altLang="en-US"/>
+            <a:endParaRPr lang="zh-TW" altLang="en-US" dirty="0"/>
           </a:p>
         </p:txBody>
       </p:sp>
@@ -4028,49 +4037,49 @@
           <a:p>
             <a:pPr algn="ctr"/>
             <a:r>
-              <a:rPr lang="en-US" altLang="zh-TW" smtClean="0"/>
+              <a:rPr lang="en-US" altLang="zh-TW" dirty="0" smtClean="0"/>
               <a:t>Client</a:t>
             </a:r>
           </a:p>
           <a:p>
             <a:pPr algn="ctr"/>
-            <a:endParaRPr lang="en-US" altLang="zh-TW" smtClean="0"/>
-          </a:p>
-          <a:p>
-            <a:pPr algn="ctr"/>
-            <a:endParaRPr lang="en-US" altLang="zh-TW" smtClean="0"/>
-          </a:p>
-          <a:p>
-            <a:pPr algn="ctr"/>
-            <a:endParaRPr lang="en-US" altLang="zh-TW" smtClean="0"/>
-          </a:p>
-          <a:p>
-            <a:pPr algn="ctr"/>
-            <a:endParaRPr lang="en-US" altLang="zh-TW" smtClean="0"/>
-          </a:p>
-          <a:p>
-            <a:pPr algn="ctr"/>
-            <a:endParaRPr lang="en-US" altLang="zh-TW" smtClean="0"/>
-          </a:p>
-          <a:p>
-            <a:pPr algn="ctr"/>
-            <a:endParaRPr lang="en-US" altLang="zh-TW" smtClean="0"/>
-          </a:p>
-          <a:p>
-            <a:pPr algn="ctr"/>
-            <a:endParaRPr lang="en-US" altLang="zh-TW" smtClean="0"/>
-          </a:p>
-          <a:p>
-            <a:pPr algn="ctr"/>
-            <a:endParaRPr lang="en-US" altLang="zh-TW" smtClean="0"/>
-          </a:p>
-          <a:p>
-            <a:pPr algn="ctr"/>
-            <a:endParaRPr lang="en-US" altLang="zh-TW" smtClean="0"/>
-          </a:p>
-          <a:p>
-            <a:pPr algn="ctr"/>
-            <a:endParaRPr lang="zh-TW" altLang="en-US"/>
+            <a:endParaRPr lang="en-US" altLang="zh-TW" dirty="0" smtClean="0"/>
+          </a:p>
+          <a:p>
+            <a:pPr algn="ctr"/>
+            <a:endParaRPr lang="en-US" altLang="zh-TW" dirty="0" smtClean="0"/>
+          </a:p>
+          <a:p>
+            <a:pPr algn="ctr"/>
+            <a:endParaRPr lang="en-US" altLang="zh-TW" dirty="0" smtClean="0"/>
+          </a:p>
+          <a:p>
+            <a:pPr algn="ctr"/>
+            <a:endParaRPr lang="en-US" altLang="zh-TW" dirty="0" smtClean="0"/>
+          </a:p>
+          <a:p>
+            <a:pPr algn="ctr"/>
+            <a:endParaRPr lang="en-US" altLang="zh-TW" dirty="0" smtClean="0"/>
+          </a:p>
+          <a:p>
+            <a:pPr algn="ctr"/>
+            <a:endParaRPr lang="en-US" altLang="zh-TW" dirty="0" smtClean="0"/>
+          </a:p>
+          <a:p>
+            <a:pPr algn="ctr"/>
+            <a:endParaRPr lang="en-US" altLang="zh-TW" dirty="0" smtClean="0"/>
+          </a:p>
+          <a:p>
+            <a:pPr algn="ctr"/>
+            <a:endParaRPr lang="en-US" altLang="zh-TW" dirty="0" smtClean="0"/>
+          </a:p>
+          <a:p>
+            <a:pPr algn="ctr"/>
+            <a:endParaRPr lang="en-US" altLang="zh-TW" dirty="0" smtClean="0"/>
+          </a:p>
+          <a:p>
+            <a:pPr algn="ctr"/>
+            <a:endParaRPr lang="zh-TW" altLang="en-US" dirty="0"/>
           </a:p>
         </p:txBody>
       </p:sp>
@@ -4111,49 +4120,50 @@
           <a:p>
             <a:pPr algn="ctr"/>
             <a:r>
-              <a:rPr lang="en-US" altLang="zh-TW" smtClean="0"/>
+              <a:rPr lang="en-US" altLang="zh-TW" dirty="0" err="1" smtClean="0"/>
               <a:t>WowoPost</a:t>
             </a:r>
-          </a:p>
-          <a:p>
-            <a:pPr algn="ctr"/>
-            <a:endParaRPr lang="en-US" altLang="zh-TW" smtClean="0"/>
-          </a:p>
-          <a:p>
-            <a:pPr algn="ctr"/>
-            <a:endParaRPr lang="en-US" altLang="zh-TW" smtClean="0"/>
-          </a:p>
-          <a:p>
-            <a:pPr algn="ctr"/>
-            <a:endParaRPr lang="en-US" altLang="zh-TW" smtClean="0"/>
-          </a:p>
-          <a:p>
-            <a:pPr algn="ctr"/>
-            <a:endParaRPr lang="en-US" altLang="zh-TW" smtClean="0"/>
-          </a:p>
-          <a:p>
-            <a:pPr algn="ctr"/>
-            <a:endParaRPr lang="en-US" altLang="zh-TW" smtClean="0"/>
-          </a:p>
-          <a:p>
-            <a:pPr algn="ctr"/>
-            <a:endParaRPr lang="en-US" altLang="zh-TW" smtClean="0"/>
-          </a:p>
-          <a:p>
-            <a:pPr algn="ctr"/>
-            <a:endParaRPr lang="en-US" altLang="zh-TW" smtClean="0"/>
-          </a:p>
-          <a:p>
-            <a:pPr algn="ctr"/>
-            <a:endParaRPr lang="en-US" altLang="zh-TW" smtClean="0"/>
-          </a:p>
-          <a:p>
-            <a:pPr algn="ctr"/>
-            <a:endParaRPr lang="en-US" altLang="zh-TW" smtClean="0"/>
-          </a:p>
-          <a:p>
-            <a:pPr algn="ctr"/>
-            <a:endParaRPr lang="zh-TW" altLang="en-US"/>
+            <a:endParaRPr lang="en-US" altLang="zh-TW" dirty="0" smtClean="0"/>
+          </a:p>
+          <a:p>
+            <a:pPr algn="ctr"/>
+            <a:endParaRPr lang="en-US" altLang="zh-TW" dirty="0" smtClean="0"/>
+          </a:p>
+          <a:p>
+            <a:pPr algn="ctr"/>
+            <a:endParaRPr lang="en-US" altLang="zh-TW" dirty="0" smtClean="0"/>
+          </a:p>
+          <a:p>
+            <a:pPr algn="ctr"/>
+            <a:endParaRPr lang="en-US" altLang="zh-TW" dirty="0" smtClean="0"/>
+          </a:p>
+          <a:p>
+            <a:pPr algn="ctr"/>
+            <a:endParaRPr lang="en-US" altLang="zh-TW" dirty="0" smtClean="0"/>
+          </a:p>
+          <a:p>
+            <a:pPr algn="ctr"/>
+            <a:endParaRPr lang="en-US" altLang="zh-TW" dirty="0" smtClean="0"/>
+          </a:p>
+          <a:p>
+            <a:pPr algn="ctr"/>
+            <a:endParaRPr lang="en-US" altLang="zh-TW" dirty="0" smtClean="0"/>
+          </a:p>
+          <a:p>
+            <a:pPr algn="ctr"/>
+            <a:endParaRPr lang="en-US" altLang="zh-TW" dirty="0" smtClean="0"/>
+          </a:p>
+          <a:p>
+            <a:pPr algn="ctr"/>
+            <a:endParaRPr lang="en-US" altLang="zh-TW" dirty="0" smtClean="0"/>
+          </a:p>
+          <a:p>
+            <a:pPr algn="ctr"/>
+            <a:endParaRPr lang="en-US" altLang="zh-TW" dirty="0" smtClean="0"/>
+          </a:p>
+          <a:p>
+            <a:pPr algn="ctr"/>
+            <a:endParaRPr lang="zh-TW" altLang="en-US" dirty="0"/>
           </a:p>
         </p:txBody>
       </p:sp>
@@ -4202,53 +4212,914 @@
           <a:p>
             <a:pPr algn="ctr"/>
             <a:r>
-              <a:rPr lang="en-US" altLang="zh-TW" smtClean="0"/>
+              <a:rPr lang="en-US" altLang="zh-TW" dirty="0" smtClean="0"/>
               <a:t>FB</a:t>
             </a:r>
           </a:p>
           <a:p>
             <a:pPr algn="ctr"/>
-            <a:endParaRPr lang="en-US" altLang="zh-TW" smtClean="0"/>
-          </a:p>
-          <a:p>
-            <a:pPr algn="ctr"/>
-            <a:endParaRPr lang="en-US" altLang="zh-TW" smtClean="0"/>
-          </a:p>
-          <a:p>
-            <a:pPr algn="ctr"/>
-            <a:endParaRPr lang="en-US" altLang="zh-TW" smtClean="0"/>
-          </a:p>
-          <a:p>
-            <a:pPr algn="ctr"/>
-            <a:endParaRPr lang="en-US" altLang="zh-TW" smtClean="0"/>
-          </a:p>
-          <a:p>
-            <a:pPr algn="ctr"/>
-            <a:endParaRPr lang="en-US" altLang="zh-TW" smtClean="0"/>
-          </a:p>
-          <a:p>
-            <a:pPr algn="ctr"/>
-            <a:endParaRPr lang="en-US" altLang="zh-TW" smtClean="0"/>
-          </a:p>
-          <a:p>
-            <a:pPr algn="ctr"/>
-            <a:endParaRPr lang="en-US" altLang="zh-TW" smtClean="0"/>
-          </a:p>
-          <a:p>
-            <a:pPr algn="ctr"/>
-            <a:endParaRPr lang="en-US" altLang="zh-TW" smtClean="0"/>
-          </a:p>
-          <a:p>
-            <a:pPr algn="ctr"/>
-            <a:endParaRPr lang="en-US" altLang="zh-TW" smtClean="0"/>
-          </a:p>
-          <a:p>
-            <a:pPr algn="ctr"/>
-            <a:endParaRPr lang="zh-TW" altLang="en-US"/>
+            <a:endParaRPr lang="en-US" altLang="zh-TW" dirty="0" smtClean="0"/>
+          </a:p>
+          <a:p>
+            <a:pPr algn="ctr"/>
+            <a:endParaRPr lang="en-US" altLang="zh-TW" dirty="0" smtClean="0"/>
+          </a:p>
+          <a:p>
+            <a:pPr algn="ctr"/>
+            <a:endParaRPr lang="en-US" altLang="zh-TW" dirty="0" smtClean="0"/>
+          </a:p>
+          <a:p>
+            <a:pPr algn="ctr"/>
+            <a:endParaRPr lang="en-US" altLang="zh-TW" dirty="0" smtClean="0"/>
+          </a:p>
+          <a:p>
+            <a:pPr algn="ctr"/>
+            <a:endParaRPr lang="en-US" altLang="zh-TW" dirty="0" smtClean="0"/>
+          </a:p>
+          <a:p>
+            <a:pPr algn="ctr"/>
+            <a:endParaRPr lang="en-US" altLang="zh-TW" dirty="0" smtClean="0"/>
+          </a:p>
+          <a:p>
+            <a:pPr algn="ctr"/>
+            <a:endParaRPr lang="en-US" altLang="zh-TW" dirty="0" smtClean="0"/>
+          </a:p>
+          <a:p>
+            <a:pPr algn="ctr"/>
+            <a:endParaRPr lang="en-US" altLang="zh-TW" dirty="0" smtClean="0"/>
+          </a:p>
+          <a:p>
+            <a:pPr algn="ctr"/>
+            <a:endParaRPr lang="en-US" altLang="zh-TW" dirty="0" smtClean="0"/>
+          </a:p>
+          <a:p>
+            <a:pPr algn="ctr"/>
+            <a:endParaRPr lang="zh-TW" altLang="en-US" dirty="0"/>
+          </a:p>
+        </p:txBody>
+      </p:sp>
+      <p:sp>
+        <p:nvSpPr>
+          <p:cNvPr id="6" name="向右箭號 5"/>
+          <p:cNvSpPr/>
+          <p:nvPr/>
+        </p:nvSpPr>
+        <p:spPr>
+          <a:xfrm>
+            <a:off x="2771800" y="3185208"/>
+            <a:ext cx="4788987" cy="720080"/>
+          </a:xfrm>
+          <a:prstGeom prst="rightArrow">
+            <a:avLst/>
+          </a:prstGeom>
+          <a:solidFill>
+            <a:schemeClr val="accent2">
+              <a:lumMod val="40000"/>
+              <a:lumOff val="60000"/>
+            </a:schemeClr>
+          </a:solidFill>
+        </p:spPr>
+        <p:style>
+          <a:lnRef idx="2">
+            <a:schemeClr val="accent1">
+              <a:shade val="50000"/>
+            </a:schemeClr>
+          </a:lnRef>
+          <a:fillRef idx="1">
+            <a:schemeClr val="accent1"/>
+          </a:fillRef>
+          <a:effectRef idx="0">
+            <a:schemeClr val="accent1"/>
+          </a:effectRef>
+          <a:fontRef idx="minor">
+            <a:schemeClr val="lt1"/>
+          </a:fontRef>
+        </p:style>
+        <p:txBody>
+          <a:bodyPr rtlCol="0" anchor="ctr"/>
+          <a:lstStyle/>
+          <a:p>
+            <a:pPr algn="ctr"/>
+            <a:r>
+              <a:rPr lang="zh-TW" altLang="en-US" dirty="0" smtClean="0"/>
+              <a:t>傳遞帳</a:t>
+            </a:r>
+            <a:r>
+              <a:rPr lang="zh-TW" altLang="en-US" dirty="0"/>
+              <a:t>密</a:t>
+            </a:r>
+          </a:p>
+        </p:txBody>
+      </p:sp>
+      <p:sp>
+        <p:nvSpPr>
+          <p:cNvPr id="9" name="向右箭號 8"/>
+          <p:cNvSpPr/>
+          <p:nvPr/>
+        </p:nvSpPr>
+        <p:spPr>
+          <a:xfrm flipH="1">
+            <a:off x="1912830" y="2734131"/>
+            <a:ext cx="2083106" cy="720080"/>
+          </a:xfrm>
+          <a:prstGeom prst="rightArrow">
+            <a:avLst/>
+          </a:prstGeom>
+          <a:solidFill>
+            <a:schemeClr val="accent2">
+              <a:lumMod val="40000"/>
+              <a:lumOff val="60000"/>
+            </a:schemeClr>
+          </a:solidFill>
+        </p:spPr>
+        <p:style>
+          <a:lnRef idx="2">
+            <a:schemeClr val="accent1">
+              <a:shade val="50000"/>
+            </a:schemeClr>
+          </a:lnRef>
+          <a:fillRef idx="1">
+            <a:schemeClr val="accent1"/>
+          </a:fillRef>
+          <a:effectRef idx="0">
+            <a:schemeClr val="accent1"/>
+          </a:effectRef>
+          <a:fontRef idx="minor">
+            <a:schemeClr val="lt1"/>
+          </a:fontRef>
+        </p:style>
+        <p:txBody>
+          <a:bodyPr rtlCol="0" anchor="ctr"/>
+          <a:lstStyle/>
+          <a:p>
+            <a:pPr algn="ctr"/>
+            <a:r>
+              <a:rPr lang="zh-TW" altLang="en-US" dirty="0" smtClean="0"/>
+              <a:t>要求登入</a:t>
+            </a:r>
+            <a:endParaRPr lang="zh-TW" altLang="en-US" dirty="0"/>
+          </a:p>
+        </p:txBody>
+      </p:sp>
+      <p:sp>
+        <p:nvSpPr>
+          <p:cNvPr id="10" name="向右箭號 9"/>
+          <p:cNvSpPr/>
+          <p:nvPr/>
+        </p:nvSpPr>
+        <p:spPr>
+          <a:xfrm flipH="1">
+            <a:off x="4619972" y="3760528"/>
+            <a:ext cx="2040260" cy="720080"/>
+          </a:xfrm>
+          <a:prstGeom prst="rightArrow">
+            <a:avLst/>
+          </a:prstGeom>
+          <a:solidFill>
+            <a:schemeClr val="accent2">
+              <a:lumMod val="40000"/>
+              <a:lumOff val="60000"/>
+            </a:schemeClr>
+          </a:solidFill>
+        </p:spPr>
+        <p:style>
+          <a:lnRef idx="2">
+            <a:schemeClr val="accent1">
+              <a:shade val="50000"/>
+            </a:schemeClr>
+          </a:lnRef>
+          <a:fillRef idx="1">
+            <a:schemeClr val="accent1"/>
+          </a:fillRef>
+          <a:effectRef idx="0">
+            <a:schemeClr val="accent1"/>
+          </a:effectRef>
+          <a:fontRef idx="minor">
+            <a:schemeClr val="lt1"/>
+          </a:fontRef>
+        </p:style>
+        <p:txBody>
+          <a:bodyPr rtlCol="0" anchor="ctr"/>
+          <a:lstStyle/>
+          <a:p>
+            <a:pPr algn="ctr"/>
+            <a:r>
+              <a:rPr lang="zh-TW" altLang="en-US" dirty="0" smtClean="0"/>
+              <a:t>得到</a:t>
+            </a:r>
+            <a:r>
+              <a:rPr lang="en-US" altLang="zh-TW" dirty="0" smtClean="0"/>
+              <a:t>Short Token</a:t>
+            </a:r>
+            <a:endParaRPr lang="zh-TW" altLang="en-US" dirty="0"/>
+          </a:p>
+        </p:txBody>
+      </p:sp>
+      <p:sp>
+        <p:nvSpPr>
+          <p:cNvPr id="11" name="向右箭號 10"/>
+          <p:cNvSpPr/>
+          <p:nvPr/>
+        </p:nvSpPr>
+        <p:spPr>
+          <a:xfrm>
+            <a:off x="5436096" y="4355614"/>
+            <a:ext cx="2124691" cy="720080"/>
+          </a:xfrm>
+          <a:prstGeom prst="rightArrow">
+            <a:avLst/>
+          </a:prstGeom>
+          <a:solidFill>
+            <a:schemeClr val="accent2">
+              <a:lumMod val="40000"/>
+              <a:lumOff val="60000"/>
+            </a:schemeClr>
+          </a:solidFill>
+        </p:spPr>
+        <p:style>
+          <a:lnRef idx="2">
+            <a:schemeClr val="accent1">
+              <a:shade val="50000"/>
+            </a:schemeClr>
+          </a:lnRef>
+          <a:fillRef idx="1">
+            <a:schemeClr val="accent1"/>
+          </a:fillRef>
+          <a:effectRef idx="0">
+            <a:schemeClr val="accent1"/>
+          </a:effectRef>
+          <a:fontRef idx="minor">
+            <a:schemeClr val="lt1"/>
+          </a:fontRef>
+        </p:style>
+        <p:txBody>
+          <a:bodyPr rtlCol="0" anchor="ctr"/>
+          <a:lstStyle/>
+          <a:p>
+            <a:pPr algn="ctr"/>
+            <a:r>
+              <a:rPr lang="zh-TW" altLang="en-US" dirty="0" smtClean="0"/>
+              <a:t>換</a:t>
+            </a:r>
+            <a:r>
+              <a:rPr lang="en-US" altLang="zh-TW" dirty="0" smtClean="0"/>
+              <a:t>Long Token</a:t>
+            </a:r>
+            <a:endParaRPr lang="zh-TW" altLang="en-US" dirty="0"/>
+          </a:p>
+        </p:txBody>
+      </p:sp>
+      <p:sp>
+        <p:nvSpPr>
+          <p:cNvPr id="12" name="向右箭號 11"/>
+          <p:cNvSpPr/>
+          <p:nvPr/>
+        </p:nvSpPr>
+        <p:spPr>
+          <a:xfrm flipH="1">
+            <a:off x="4619972" y="4957640"/>
+            <a:ext cx="2040260" cy="720080"/>
+          </a:xfrm>
+          <a:prstGeom prst="rightArrow">
+            <a:avLst/>
+          </a:prstGeom>
+          <a:solidFill>
+            <a:schemeClr val="accent2">
+              <a:lumMod val="40000"/>
+              <a:lumOff val="60000"/>
+            </a:schemeClr>
+          </a:solidFill>
+        </p:spPr>
+        <p:style>
+          <a:lnRef idx="2">
+            <a:schemeClr val="accent1">
+              <a:shade val="50000"/>
+            </a:schemeClr>
+          </a:lnRef>
+          <a:fillRef idx="1">
+            <a:schemeClr val="accent1"/>
+          </a:fillRef>
+          <a:effectRef idx="0">
+            <a:schemeClr val="accent1"/>
+          </a:effectRef>
+          <a:fontRef idx="minor">
+            <a:schemeClr val="lt1"/>
+          </a:fontRef>
+        </p:style>
+        <p:txBody>
+          <a:bodyPr rtlCol="0" anchor="ctr"/>
+          <a:lstStyle/>
+          <a:p>
+            <a:pPr algn="ctr"/>
+            <a:r>
+              <a:rPr lang="zh-TW" altLang="en-US" dirty="0" smtClean="0"/>
+              <a:t>得到</a:t>
+            </a:r>
+            <a:r>
+              <a:rPr lang="en-US" altLang="zh-TW" dirty="0" smtClean="0"/>
+              <a:t>Long Token</a:t>
+            </a:r>
+            <a:endParaRPr lang="zh-TW" altLang="en-US" dirty="0"/>
           </a:p>
         </p:txBody>
       </p:sp>
     </p:spTree>
+  </p:cSld>
+  <p:clrMapOvr>
+    <a:masterClrMapping/>
+  </p:clrMapOvr>
+</p:sld>
+</file>
+
+<file path=ppt/slides/slide5.xml><?xml version="1.0" encoding="utf-8"?>
+<p:sld xmlns:a="http://schemas.openxmlformats.org/drawingml/2006/main" xmlns:r="http://schemas.openxmlformats.org/officeDocument/2006/relationships" xmlns:p="http://schemas.openxmlformats.org/presentationml/2006/main">
+  <p:cSld>
+    <p:spTree>
+      <p:nvGrpSpPr>
+        <p:cNvPr id="1" name=""/>
+        <p:cNvGrpSpPr/>
+        <p:nvPr/>
+      </p:nvGrpSpPr>
+      <p:grpSpPr>
+        <a:xfrm>
+          <a:off x="0" y="0"/>
+          <a:ext cx="0" cy="0"/>
+          <a:chOff x="0" y="0"/>
+          <a:chExt cx="0" cy="0"/>
+        </a:xfrm>
+      </p:grpSpPr>
+      <p:sp>
+        <p:nvSpPr>
+          <p:cNvPr id="2" name="標題 1"/>
+          <p:cNvSpPr>
+            <a:spLocks noGrp="1"/>
+          </p:cNvSpPr>
+          <p:nvPr>
+            <p:ph type="title"/>
+          </p:nvPr>
+        </p:nvSpPr>
+        <p:spPr/>
+        <p:txBody>
+          <a:bodyPr/>
+          <a:lstStyle/>
+          <a:p>
+            <a:r>
+              <a:rPr lang="en-US" altLang="zh-TW" dirty="0" smtClean="0"/>
+              <a:t>How it work?</a:t>
+            </a:r>
+            <a:endParaRPr lang="zh-TW" altLang="en-US" dirty="0"/>
+          </a:p>
+        </p:txBody>
+      </p:sp>
+      <p:sp>
+        <p:nvSpPr>
+          <p:cNvPr id="3" name="內容版面配置區 2"/>
+          <p:cNvSpPr>
+            <a:spLocks noGrp="1"/>
+          </p:cNvSpPr>
+          <p:nvPr>
+            <p:ph sz="quarter" idx="1"/>
+          </p:nvPr>
+        </p:nvSpPr>
+        <p:spPr/>
+        <p:txBody>
+          <a:bodyPr/>
+          <a:lstStyle/>
+          <a:p>
+            <a:endParaRPr lang="zh-TW" altLang="en-US" dirty="0"/>
+          </a:p>
+        </p:txBody>
+      </p:sp>
+      <p:sp>
+        <p:nvSpPr>
+          <p:cNvPr id="4" name="矩形 3"/>
+          <p:cNvSpPr/>
+          <p:nvPr/>
+        </p:nvSpPr>
+        <p:spPr>
+          <a:xfrm>
+            <a:off x="1331640" y="2132856"/>
+            <a:ext cx="1440160" cy="3456384"/>
+          </a:xfrm>
+          <a:prstGeom prst="rect">
+            <a:avLst/>
+          </a:prstGeom>
+          <a:solidFill>
+            <a:srgbClr val="92D050"/>
+          </a:solidFill>
+          <a:ln>
+            <a:solidFill>
+              <a:srgbClr val="92D050"/>
+            </a:solidFill>
+          </a:ln>
+        </p:spPr>
+        <p:style>
+          <a:lnRef idx="2">
+            <a:schemeClr val="accent1">
+              <a:shade val="50000"/>
+            </a:schemeClr>
+          </a:lnRef>
+          <a:fillRef idx="1">
+            <a:schemeClr val="accent1"/>
+          </a:fillRef>
+          <a:effectRef idx="0">
+            <a:schemeClr val="accent1"/>
+          </a:effectRef>
+          <a:fontRef idx="minor">
+            <a:schemeClr val="lt1"/>
+          </a:fontRef>
+        </p:style>
+        <p:txBody>
+          <a:bodyPr rtlCol="0" anchor="ctr"/>
+          <a:lstStyle/>
+          <a:p>
+            <a:pPr algn="ctr"/>
+            <a:r>
+              <a:rPr lang="en-US" altLang="zh-TW" dirty="0" smtClean="0"/>
+              <a:t>Client</a:t>
+            </a:r>
+          </a:p>
+          <a:p>
+            <a:pPr algn="ctr"/>
+            <a:endParaRPr lang="en-US" altLang="zh-TW" dirty="0" smtClean="0"/>
+          </a:p>
+          <a:p>
+            <a:pPr algn="ctr"/>
+            <a:endParaRPr lang="en-US" altLang="zh-TW" dirty="0" smtClean="0"/>
+          </a:p>
+          <a:p>
+            <a:pPr algn="ctr"/>
+            <a:endParaRPr lang="en-US" altLang="zh-TW" dirty="0" smtClean="0"/>
+          </a:p>
+          <a:p>
+            <a:pPr algn="ctr"/>
+            <a:endParaRPr lang="en-US" altLang="zh-TW" dirty="0" smtClean="0"/>
+          </a:p>
+          <a:p>
+            <a:pPr algn="ctr"/>
+            <a:endParaRPr lang="en-US" altLang="zh-TW" dirty="0" smtClean="0"/>
+          </a:p>
+          <a:p>
+            <a:pPr algn="ctr"/>
+            <a:endParaRPr lang="en-US" altLang="zh-TW" dirty="0" smtClean="0"/>
+          </a:p>
+          <a:p>
+            <a:pPr algn="ctr"/>
+            <a:endParaRPr lang="en-US" altLang="zh-TW" dirty="0" smtClean="0"/>
+          </a:p>
+          <a:p>
+            <a:pPr algn="ctr"/>
+            <a:endParaRPr lang="en-US" altLang="zh-TW" dirty="0" smtClean="0"/>
+          </a:p>
+          <a:p>
+            <a:pPr algn="ctr"/>
+            <a:endParaRPr lang="en-US" altLang="zh-TW" dirty="0" smtClean="0"/>
+          </a:p>
+          <a:p>
+            <a:pPr algn="ctr"/>
+            <a:endParaRPr lang="zh-TW" altLang="en-US" dirty="0"/>
+          </a:p>
+        </p:txBody>
+      </p:sp>
+      <p:sp>
+        <p:nvSpPr>
+          <p:cNvPr id="5" name="矩形 4"/>
+          <p:cNvSpPr/>
+          <p:nvPr/>
+        </p:nvSpPr>
+        <p:spPr>
+          <a:xfrm>
+            <a:off x="3995936" y="2132856"/>
+            <a:ext cx="1440160" cy="3456384"/>
+          </a:xfrm>
+          <a:prstGeom prst="rect">
+            <a:avLst/>
+          </a:prstGeom>
+        </p:spPr>
+        <p:style>
+          <a:lnRef idx="2">
+            <a:schemeClr val="accent1">
+              <a:shade val="50000"/>
+            </a:schemeClr>
+          </a:lnRef>
+          <a:fillRef idx="1">
+            <a:schemeClr val="accent1"/>
+          </a:fillRef>
+          <a:effectRef idx="0">
+            <a:schemeClr val="accent1"/>
+          </a:effectRef>
+          <a:fontRef idx="minor">
+            <a:schemeClr val="lt1"/>
+          </a:fontRef>
+        </p:style>
+        <p:txBody>
+          <a:bodyPr rtlCol="0" anchor="ctr"/>
+          <a:lstStyle/>
+          <a:p>
+            <a:pPr algn="ctr"/>
+            <a:r>
+              <a:rPr lang="en-US" altLang="zh-TW" dirty="0" err="1" smtClean="0"/>
+              <a:t>WowoPost</a:t>
+            </a:r>
+            <a:endParaRPr lang="en-US" altLang="zh-TW" dirty="0" smtClean="0"/>
+          </a:p>
+          <a:p>
+            <a:pPr algn="ctr"/>
+            <a:endParaRPr lang="en-US" altLang="zh-TW" dirty="0" smtClean="0"/>
+          </a:p>
+          <a:p>
+            <a:pPr algn="ctr"/>
+            <a:endParaRPr lang="en-US" altLang="zh-TW" dirty="0" smtClean="0"/>
+          </a:p>
+          <a:p>
+            <a:pPr algn="ctr"/>
+            <a:endParaRPr lang="en-US" altLang="zh-TW" dirty="0" smtClean="0"/>
+          </a:p>
+          <a:p>
+            <a:pPr algn="ctr"/>
+            <a:endParaRPr lang="en-US" altLang="zh-TW" dirty="0" smtClean="0"/>
+          </a:p>
+          <a:p>
+            <a:pPr algn="ctr"/>
+            <a:endParaRPr lang="en-US" altLang="zh-TW" dirty="0" smtClean="0"/>
+          </a:p>
+          <a:p>
+            <a:pPr algn="ctr"/>
+            <a:endParaRPr lang="en-US" altLang="zh-TW" dirty="0" smtClean="0"/>
+          </a:p>
+          <a:p>
+            <a:pPr algn="ctr"/>
+            <a:endParaRPr lang="en-US" altLang="zh-TW" dirty="0" smtClean="0"/>
+          </a:p>
+          <a:p>
+            <a:pPr algn="ctr"/>
+            <a:endParaRPr lang="en-US" altLang="zh-TW" dirty="0" smtClean="0"/>
+          </a:p>
+          <a:p>
+            <a:pPr algn="ctr"/>
+            <a:endParaRPr lang="en-US" altLang="zh-TW" dirty="0" smtClean="0"/>
+          </a:p>
+          <a:p>
+            <a:pPr algn="ctr"/>
+            <a:endParaRPr lang="zh-TW" altLang="en-US" dirty="0"/>
+          </a:p>
+        </p:txBody>
+      </p:sp>
+      <p:sp>
+        <p:nvSpPr>
+          <p:cNvPr id="8" name="矩形 7"/>
+          <p:cNvSpPr/>
+          <p:nvPr/>
+        </p:nvSpPr>
+        <p:spPr>
+          <a:xfrm>
+            <a:off x="6660232" y="2132856"/>
+            <a:ext cx="1440160" cy="3456384"/>
+          </a:xfrm>
+          <a:prstGeom prst="rect">
+            <a:avLst/>
+          </a:prstGeom>
+          <a:solidFill>
+            <a:srgbClr val="0070C0"/>
+          </a:solidFill>
+          <a:ln>
+            <a:solidFill>
+              <a:srgbClr val="0070C0"/>
+            </a:solidFill>
+          </a:ln>
+        </p:spPr>
+        <p:style>
+          <a:lnRef idx="2">
+            <a:schemeClr val="accent1">
+              <a:shade val="50000"/>
+            </a:schemeClr>
+          </a:lnRef>
+          <a:fillRef idx="1">
+            <a:schemeClr val="accent1"/>
+          </a:fillRef>
+          <a:effectRef idx="0">
+            <a:schemeClr val="accent1"/>
+          </a:effectRef>
+          <a:fontRef idx="minor">
+            <a:schemeClr val="lt1"/>
+          </a:fontRef>
+        </p:style>
+        <p:txBody>
+          <a:bodyPr rtlCol="0" anchor="ctr"/>
+          <a:lstStyle/>
+          <a:p>
+            <a:pPr algn="ctr"/>
+            <a:r>
+              <a:rPr lang="en-US" altLang="zh-TW" dirty="0" smtClean="0"/>
+              <a:t>FB</a:t>
+            </a:r>
+          </a:p>
+          <a:p>
+            <a:pPr algn="ctr"/>
+            <a:endParaRPr lang="en-US" altLang="zh-TW" dirty="0" smtClean="0"/>
+          </a:p>
+          <a:p>
+            <a:pPr algn="ctr"/>
+            <a:endParaRPr lang="en-US" altLang="zh-TW" dirty="0" smtClean="0"/>
+          </a:p>
+          <a:p>
+            <a:pPr algn="ctr"/>
+            <a:endParaRPr lang="en-US" altLang="zh-TW" dirty="0" smtClean="0"/>
+          </a:p>
+          <a:p>
+            <a:pPr algn="ctr"/>
+            <a:endParaRPr lang="en-US" altLang="zh-TW" dirty="0" smtClean="0"/>
+          </a:p>
+          <a:p>
+            <a:pPr algn="ctr"/>
+            <a:endParaRPr lang="en-US" altLang="zh-TW" dirty="0" smtClean="0"/>
+          </a:p>
+          <a:p>
+            <a:pPr algn="ctr"/>
+            <a:endParaRPr lang="en-US" altLang="zh-TW" dirty="0" smtClean="0"/>
+          </a:p>
+          <a:p>
+            <a:pPr algn="ctr"/>
+            <a:endParaRPr lang="en-US" altLang="zh-TW" dirty="0" smtClean="0"/>
+          </a:p>
+          <a:p>
+            <a:pPr algn="ctr"/>
+            <a:endParaRPr lang="en-US" altLang="zh-TW" dirty="0" smtClean="0"/>
+          </a:p>
+          <a:p>
+            <a:pPr algn="ctr"/>
+            <a:endParaRPr lang="en-US" altLang="zh-TW" dirty="0" smtClean="0"/>
+          </a:p>
+          <a:p>
+            <a:pPr algn="ctr"/>
+            <a:endParaRPr lang="zh-TW" altLang="en-US" dirty="0"/>
+          </a:p>
+        </p:txBody>
+      </p:sp>
+      <p:sp>
+        <p:nvSpPr>
+          <p:cNvPr id="6" name="向右箭號 5"/>
+          <p:cNvSpPr/>
+          <p:nvPr/>
+        </p:nvSpPr>
+        <p:spPr>
+          <a:xfrm>
+            <a:off x="2771801" y="2624425"/>
+            <a:ext cx="2088232" cy="720080"/>
+          </a:xfrm>
+          <a:prstGeom prst="rightArrow">
+            <a:avLst/>
+          </a:prstGeom>
+          <a:solidFill>
+            <a:schemeClr val="accent2">
+              <a:lumMod val="40000"/>
+              <a:lumOff val="60000"/>
+            </a:schemeClr>
+          </a:solidFill>
+        </p:spPr>
+        <p:style>
+          <a:lnRef idx="2">
+            <a:schemeClr val="accent1">
+              <a:shade val="50000"/>
+            </a:schemeClr>
+          </a:lnRef>
+          <a:fillRef idx="1">
+            <a:schemeClr val="accent1"/>
+          </a:fillRef>
+          <a:effectRef idx="0">
+            <a:schemeClr val="accent1"/>
+          </a:effectRef>
+          <a:fontRef idx="minor">
+            <a:schemeClr val="lt1"/>
+          </a:fontRef>
+        </p:style>
+        <p:txBody>
+          <a:bodyPr rtlCol="0" anchor="ctr"/>
+          <a:lstStyle/>
+          <a:p>
+            <a:pPr algn="ctr"/>
+            <a:r>
+              <a:rPr lang="zh-TW" altLang="en-US" dirty="0" smtClean="0"/>
+              <a:t>傳遞欲留言訊息</a:t>
+            </a:r>
+            <a:endParaRPr lang="zh-TW" altLang="en-US" dirty="0"/>
+          </a:p>
+        </p:txBody>
+      </p:sp>
+      <p:sp>
+        <p:nvSpPr>
+          <p:cNvPr id="11" name="向右箭號 10"/>
+          <p:cNvSpPr/>
+          <p:nvPr/>
+        </p:nvSpPr>
+        <p:spPr>
+          <a:xfrm>
+            <a:off x="5436096" y="4123937"/>
+            <a:ext cx="2520280" cy="720080"/>
+          </a:xfrm>
+          <a:prstGeom prst="rightArrow">
+            <a:avLst/>
+          </a:prstGeom>
+          <a:solidFill>
+            <a:schemeClr val="accent2">
+              <a:lumMod val="40000"/>
+              <a:lumOff val="60000"/>
+            </a:schemeClr>
+          </a:solidFill>
+        </p:spPr>
+        <p:style>
+          <a:lnRef idx="2">
+            <a:schemeClr val="accent1">
+              <a:shade val="50000"/>
+            </a:schemeClr>
+          </a:lnRef>
+          <a:fillRef idx="1">
+            <a:schemeClr val="accent1"/>
+          </a:fillRef>
+          <a:effectRef idx="0">
+            <a:schemeClr val="accent1"/>
+          </a:effectRef>
+          <a:fontRef idx="minor">
+            <a:schemeClr val="lt1"/>
+          </a:fontRef>
+        </p:style>
+        <p:txBody>
+          <a:bodyPr rtlCol="0" anchor="ctr"/>
+          <a:lstStyle/>
+          <a:p>
+            <a:pPr algn="ctr"/>
+            <a:r>
+              <a:rPr lang="zh-TW" altLang="en-US" dirty="0"/>
+              <a:t>傳遞</a:t>
+            </a:r>
+            <a:r>
+              <a:rPr lang="en-US" altLang="zh-TW" dirty="0" smtClean="0"/>
+              <a:t>Long Token&amp;</a:t>
+            </a:r>
+            <a:r>
+              <a:rPr lang="zh-TW" altLang="en-US" dirty="0" smtClean="0"/>
+              <a:t>訊息</a:t>
+            </a:r>
+            <a:endParaRPr lang="zh-TW" altLang="en-US" dirty="0"/>
+          </a:p>
+        </p:txBody>
+      </p:sp>
+      <p:sp>
+        <p:nvSpPr>
+          <p:cNvPr id="7" name="矩形 6"/>
+          <p:cNvSpPr/>
+          <p:nvPr/>
+        </p:nvSpPr>
+        <p:spPr>
+          <a:xfrm>
+            <a:off x="3995935" y="3344505"/>
+            <a:ext cx="1440161" cy="416023"/>
+          </a:xfrm>
+          <a:prstGeom prst="rect">
+            <a:avLst/>
+          </a:prstGeom>
+          <a:solidFill>
+            <a:schemeClr val="accent2">
+              <a:lumMod val="40000"/>
+              <a:lumOff val="60000"/>
+            </a:schemeClr>
+          </a:solidFill>
+        </p:spPr>
+        <p:style>
+          <a:lnRef idx="2">
+            <a:schemeClr val="accent1">
+              <a:shade val="50000"/>
+            </a:schemeClr>
+          </a:lnRef>
+          <a:fillRef idx="1">
+            <a:schemeClr val="accent1"/>
+          </a:fillRef>
+          <a:effectRef idx="0">
+            <a:schemeClr val="accent1"/>
+          </a:effectRef>
+          <a:fontRef idx="minor">
+            <a:schemeClr val="lt1"/>
+          </a:fontRef>
+        </p:style>
+        <p:txBody>
+          <a:bodyPr rtlCol="0" anchor="ctr"/>
+          <a:lstStyle/>
+          <a:p>
+            <a:pPr algn="ctr"/>
+            <a:r>
+              <a:rPr lang="zh-TW" altLang="en-US" dirty="0" smtClean="0"/>
+              <a:t>存入排程</a:t>
+            </a:r>
+            <a:endParaRPr lang="zh-TW" altLang="en-US" dirty="0"/>
+          </a:p>
+        </p:txBody>
+      </p:sp>
+      <p:sp>
+        <p:nvSpPr>
+          <p:cNvPr id="13" name="矩形 12"/>
+          <p:cNvSpPr/>
+          <p:nvPr/>
+        </p:nvSpPr>
+        <p:spPr>
+          <a:xfrm>
+            <a:off x="3998793" y="3821549"/>
+            <a:ext cx="1440161" cy="416023"/>
+          </a:xfrm>
+          <a:prstGeom prst="rect">
+            <a:avLst/>
+          </a:prstGeom>
+          <a:solidFill>
+            <a:schemeClr val="accent2">
+              <a:lumMod val="40000"/>
+              <a:lumOff val="60000"/>
+            </a:schemeClr>
+          </a:solidFill>
+        </p:spPr>
+        <p:style>
+          <a:lnRef idx="2">
+            <a:schemeClr val="accent1">
+              <a:shade val="50000"/>
+            </a:schemeClr>
+          </a:lnRef>
+          <a:fillRef idx="1">
+            <a:schemeClr val="accent1"/>
+          </a:fillRef>
+          <a:effectRef idx="0">
+            <a:schemeClr val="accent1"/>
+          </a:effectRef>
+          <a:fontRef idx="minor">
+            <a:schemeClr val="lt1"/>
+          </a:fontRef>
+        </p:style>
+        <p:txBody>
+          <a:bodyPr rtlCol="0" anchor="ctr"/>
+          <a:lstStyle/>
+          <a:p>
+            <a:pPr algn="ctr"/>
+            <a:r>
+              <a:rPr lang="zh-TW" altLang="en-US" dirty="0" smtClean="0"/>
+              <a:t>排程時間到</a:t>
+            </a:r>
+            <a:endParaRPr lang="zh-TW" altLang="en-US" dirty="0"/>
+          </a:p>
+        </p:txBody>
+      </p:sp>
+      <p:sp>
+        <p:nvSpPr>
+          <p:cNvPr id="14" name="矩形 13"/>
+          <p:cNvSpPr/>
+          <p:nvPr/>
+        </p:nvSpPr>
+        <p:spPr>
+          <a:xfrm>
+            <a:off x="6664518" y="4902546"/>
+            <a:ext cx="1440161" cy="416023"/>
+          </a:xfrm>
+          <a:prstGeom prst="rect">
+            <a:avLst/>
+          </a:prstGeom>
+          <a:solidFill>
+            <a:schemeClr val="accent2">
+              <a:lumMod val="40000"/>
+              <a:lumOff val="60000"/>
+            </a:schemeClr>
+          </a:solidFill>
+        </p:spPr>
+        <p:style>
+          <a:lnRef idx="2">
+            <a:schemeClr val="accent1">
+              <a:shade val="50000"/>
+            </a:schemeClr>
+          </a:lnRef>
+          <a:fillRef idx="1">
+            <a:schemeClr val="accent1"/>
+          </a:fillRef>
+          <a:effectRef idx="0">
+            <a:schemeClr val="accent1"/>
+          </a:effectRef>
+          <a:fontRef idx="minor">
+            <a:schemeClr val="lt1"/>
+          </a:fontRef>
+        </p:style>
+        <p:txBody>
+          <a:bodyPr rtlCol="0" anchor="ctr"/>
+          <a:lstStyle/>
+          <a:p>
+            <a:pPr algn="ctr"/>
+            <a:r>
+              <a:rPr lang="zh-TW" altLang="en-US" dirty="0" smtClean="0"/>
+              <a:t>留言成功</a:t>
+            </a:r>
+            <a:endParaRPr lang="zh-TW" altLang="en-US" dirty="0"/>
+          </a:p>
+        </p:txBody>
+      </p:sp>
+    </p:spTree>
+    <p:extLst>
+      <p:ext uri="{BB962C8B-B14F-4D97-AF65-F5344CB8AC3E}">
+        <p14:creationId xmlns:p14="http://schemas.microsoft.com/office/powerpoint/2010/main" val="3922464504"/>
+      </p:ext>
+    </p:extLst>
   </p:cSld>
   <p:clrMapOvr>
     <a:masterClrMapping/>

--- a/ptt.pptx
+++ b/ptt.pptx
@@ -2,14 +2,16 @@
 <file path=ppt/presentation.xml><?xml version="1.0" encoding="utf-8"?>
 <p:presentation xmlns:a="http://schemas.openxmlformats.org/drawingml/2006/main" xmlns:r="http://schemas.openxmlformats.org/officeDocument/2006/relationships" xmlns:p="http://schemas.openxmlformats.org/presentationml/2006/main" saveSubsetFonts="1">
   <p:sldMasterIdLst>
-    <p:sldMasterId id="2147483732" r:id="rId1"/>
+    <p:sldMasterId id="2147483744" r:id="rId1"/>
   </p:sldMasterIdLst>
   <p:sldIdLst>
     <p:sldId id="256" r:id="rId2"/>
     <p:sldId id="257" r:id="rId3"/>
     <p:sldId id="258" r:id="rId4"/>
-    <p:sldId id="259" r:id="rId5"/>
-    <p:sldId id="260" r:id="rId6"/>
+    <p:sldId id="261" r:id="rId5"/>
+    <p:sldId id="259" r:id="rId6"/>
+    <p:sldId id="260" r:id="rId7"/>
+    <p:sldId id="262" r:id="rId8"/>
   </p:sldIdLst>
   <p:sldSz cx="9144000" cy="6858000" type="screen4x3"/>
   <p:notesSz cx="6858000" cy="9144000"/>
@@ -110,7 +112,7 @@
   </p:defaultTextStyle>
   <p:extLst>
     <p:ext uri="{EFAFB233-063F-42B5-8137-9DF3F51BA10A}">
-      <p15:sldGuideLst xmlns:p15="http://schemas.microsoft.com/office/powerpoint/2012/main">
+      <p15:sldGuideLst xmlns="" xmlns:p15="http://schemas.microsoft.com/office/powerpoint/2012/main">
         <p15:guide id="1" orient="horz" pos="2160">
           <p15:clr>
             <a:srgbClr val="A4A3A4"/>
@@ -128,13 +130,8 @@
 </file>
 
 <file path=ppt/slideLayouts/slideLayout1.xml><?xml version="1.0" encoding="utf-8"?>
-<p:sldLayout xmlns:a="http://schemas.openxmlformats.org/drawingml/2006/main" xmlns:r="http://schemas.openxmlformats.org/officeDocument/2006/relationships" xmlns:p="http://schemas.openxmlformats.org/presentationml/2006/main" showMasterSp="0" type="title" preserve="1">
+<p:sldLayout xmlns:a="http://schemas.openxmlformats.org/drawingml/2006/main" xmlns:r="http://schemas.openxmlformats.org/officeDocument/2006/relationships" xmlns:p="http://schemas.openxmlformats.org/presentationml/2006/main" type="title" preserve="1">
   <p:cSld name="標題投影片">
-    <p:bg>
-      <p:bgRef idx="1003">
-        <a:schemeClr val="bg1"/>
-      </p:bgRef>
-    </p:bg>
     <p:spTree>
       <p:nvGrpSpPr>
         <p:cNvPr id="1" name=""/>
@@ -151,162 +148,190 @@
       </p:grpSpPr>
       <p:sp>
         <p:nvSpPr>
-          <p:cNvPr id="12" name="矩形 11"/>
-          <p:cNvSpPr/>
-          <p:nvPr/>
+          <p:cNvPr id="2" name="Title 1"/>
+          <p:cNvSpPr>
+            <a:spLocks noGrp="1"/>
+          </p:cNvSpPr>
+          <p:nvPr>
+            <p:ph type="ctrTitle"/>
+          </p:nvPr>
         </p:nvSpPr>
         <p:spPr>
           <a:xfrm>
-            <a:off x="0" y="0"/>
-            <a:ext cx="9144000" cy="6858000"/>
+            <a:off x="1371600" y="1859280"/>
+            <a:ext cx="6400800" cy="1295400"/>
+          </a:xfrm>
+        </p:spPr>
+        <p:txBody>
+          <a:bodyPr/>
+          <a:lstStyle/>
+          <a:p>
+            <a:r>
+              <a:rPr lang="zh-TW" altLang="en-US" smtClean="0"/>
+              <a:t>按一下以編輯母片標題樣式</a:t>
+            </a:r>
+            <a:endParaRPr lang="en-US" dirty="0"/>
+          </a:p>
+        </p:txBody>
+      </p:sp>
+      <p:pic>
+        <p:nvPicPr>
+          <p:cNvPr id="8" name="Picture 7" descr="flourish2.png"/>
+          <p:cNvPicPr>
+            <a:picLocks noChangeAspect="1"/>
+          </p:cNvPicPr>
+          <p:nvPr/>
+        </p:nvPicPr>
+        <p:blipFill>
+          <a:blip r:embed="rId2">
+            <a:duotone>
+              <a:prstClr val="black"/>
+              <a:schemeClr val="tx2">
+                <a:tint val="45000"/>
+                <a:satMod val="400000"/>
+              </a:schemeClr>
+            </a:duotone>
+            <a:lum bright="-14000"/>
+          </a:blip>
+          <a:stretch>
+            <a:fillRect/>
+          </a:stretch>
+        </p:blipFill>
+        <p:spPr>
+          <a:xfrm>
+            <a:off x="0" y="2801112"/>
+            <a:ext cx="9144000" cy="932688"/>
           </a:xfrm>
           <a:prstGeom prst="rect">
             <a:avLst/>
           </a:prstGeom>
-          <a:solidFill>
-            <a:srgbClr val="FFFFFF"/>
-          </a:solidFill>
-          <a:ln w="12700" cap="flat" cmpd="sng" algn="ctr">
-            <a:noFill/>
-            <a:prstDash val="solid"/>
-          </a:ln>
         </p:spPr>
-        <p:style>
-          <a:lnRef idx="2">
-            <a:schemeClr val="accent1"/>
-          </a:lnRef>
-          <a:fillRef idx="1">
-            <a:schemeClr val="accent1"/>
-          </a:fillRef>
-          <a:effectRef idx="0">
-            <a:schemeClr val="accent1"/>
-          </a:effectRef>
-          <a:fontRef idx="minor">
-            <a:schemeClr val="lt1"/>
-          </a:fontRef>
-        </p:style>
-        <p:txBody>
-          <a:bodyPr rtlCol="0" anchor="ctr"/>
-          <a:lstStyle/>
-          <a:p>
-            <a:pPr algn="ctr" eaLnBrk="1" latinLnBrk="0" hangingPunct="1"/>
-            <a:endParaRPr kumimoji="0" lang="en-US"/>
-          </a:p>
-        </p:txBody>
-      </p:sp>
-      <p:sp useBgFill="1">
-        <p:nvSpPr>
-          <p:cNvPr id="13" name="圓角矩形 12"/>
-          <p:cNvSpPr/>
-          <p:nvPr/>
+      </p:pic>
+      <p:sp>
+        <p:nvSpPr>
+          <p:cNvPr id="3" name="Subtitle 2"/>
+          <p:cNvSpPr>
+            <a:spLocks noGrp="1"/>
+          </p:cNvSpPr>
+          <p:nvPr>
+            <p:ph type="subTitle" idx="1"/>
+          </p:nvPr>
         </p:nvSpPr>
         <p:spPr>
           <a:xfrm>
-            <a:off x="65313" y="69755"/>
-            <a:ext cx="9013372" cy="6692201"/>
-          </a:xfrm>
-          <a:prstGeom prst="roundRect">
-            <a:avLst>
-              <a:gd name="adj" fmla="val 4929"/>
-            </a:avLst>
-          </a:prstGeom>
-          <a:ln w="6350" cap="sq" cmpd="sng" algn="ctr">
-            <a:solidFill>
-              <a:schemeClr val="tx1">
-                <a:alpha val="100000"/>
-              </a:schemeClr>
-            </a:solidFill>
-            <a:prstDash val="solid"/>
-          </a:ln>
-          <a:effectLst/>
-        </p:spPr>
-        <p:style>
-          <a:lnRef idx="3">
-            <a:schemeClr val="lt1"/>
-          </a:lnRef>
-          <a:fillRef idx="1001">
-            <a:schemeClr val="lt1"/>
-          </a:fillRef>
-          <a:effectRef idx="1">
-            <a:schemeClr val="accent1"/>
-          </a:effectRef>
-          <a:fontRef idx="minor">
-            <a:schemeClr val="lt1"/>
-          </a:fontRef>
-        </p:style>
-        <p:txBody>
-          <a:bodyPr anchor="ctr"/>
-          <a:lstStyle/>
-          <a:p>
-            <a:pPr algn="ctr" eaLnBrk="1" latinLnBrk="0" hangingPunct="1"/>
-            <a:endParaRPr kumimoji="0" lang="en-US"/>
-          </a:p>
-        </p:txBody>
-      </p:sp>
-      <p:sp>
-        <p:nvSpPr>
-          <p:cNvPr id="9" name="副標題 8"/>
-          <p:cNvSpPr>
-            <a:spLocks noGrp="1"/>
-          </p:cNvSpPr>
-          <p:nvPr>
-            <p:ph type="subTitle" idx="1"/>
-          </p:nvPr>
-        </p:nvSpPr>
-        <p:spPr>
-          <a:xfrm>
-            <a:off x="1295400" y="3200400"/>
-            <a:ext cx="6400800" cy="1600200"/>
+            <a:off x="1371600" y="3429000"/>
+            <a:ext cx="6400800" cy="762000"/>
           </a:xfrm>
         </p:spPr>
         <p:txBody>
-          <a:bodyPr/>
+          <a:bodyPr>
+            <a:normAutofit/>
+          </a:bodyPr>
           <a:lstStyle>
             <a:lvl1pPr marL="0" indent="0" algn="ctr">
               <a:buNone/>
-              <a:defRPr sz="2600">
+              <a:defRPr sz="2000" i="1" baseline="0">
                 <a:solidFill>
-                  <a:schemeClr val="tx2"/>
+                  <a:schemeClr val="tx1">
+                    <a:lumMod val="65000"/>
+                    <a:lumOff val="35000"/>
+                  </a:schemeClr>
                 </a:solidFill>
               </a:defRPr>
             </a:lvl1pPr>
             <a:lvl2pPr marL="457200" indent="0" algn="ctr">
               <a:buNone/>
+              <a:defRPr>
+                <a:solidFill>
+                  <a:schemeClr val="tx1">
+                    <a:tint val="75000"/>
+                  </a:schemeClr>
+                </a:solidFill>
+              </a:defRPr>
             </a:lvl2pPr>
             <a:lvl3pPr marL="914400" indent="0" algn="ctr">
               <a:buNone/>
+              <a:defRPr>
+                <a:solidFill>
+                  <a:schemeClr val="tx1">
+                    <a:tint val="75000"/>
+                  </a:schemeClr>
+                </a:solidFill>
+              </a:defRPr>
             </a:lvl3pPr>
             <a:lvl4pPr marL="1371600" indent="0" algn="ctr">
               <a:buNone/>
+              <a:defRPr>
+                <a:solidFill>
+                  <a:schemeClr val="tx1">
+                    <a:tint val="75000"/>
+                  </a:schemeClr>
+                </a:solidFill>
+              </a:defRPr>
             </a:lvl4pPr>
             <a:lvl5pPr marL="1828800" indent="0" algn="ctr">
               <a:buNone/>
+              <a:defRPr>
+                <a:solidFill>
+                  <a:schemeClr val="tx1">
+                    <a:tint val="75000"/>
+                  </a:schemeClr>
+                </a:solidFill>
+              </a:defRPr>
             </a:lvl5pPr>
             <a:lvl6pPr marL="2286000" indent="0" algn="ctr">
               <a:buNone/>
+              <a:defRPr>
+                <a:solidFill>
+                  <a:schemeClr val="tx1">
+                    <a:tint val="75000"/>
+                  </a:schemeClr>
+                </a:solidFill>
+              </a:defRPr>
             </a:lvl6pPr>
             <a:lvl7pPr marL="2743200" indent="0" algn="ctr">
               <a:buNone/>
+              <a:defRPr>
+                <a:solidFill>
+                  <a:schemeClr val="tx1">
+                    <a:tint val="75000"/>
+                  </a:schemeClr>
+                </a:solidFill>
+              </a:defRPr>
             </a:lvl7pPr>
             <a:lvl8pPr marL="3200400" indent="0" algn="ctr">
               <a:buNone/>
+              <a:defRPr>
+                <a:solidFill>
+                  <a:schemeClr val="tx1">
+                    <a:tint val="75000"/>
+                  </a:schemeClr>
+                </a:solidFill>
+              </a:defRPr>
             </a:lvl8pPr>
             <a:lvl9pPr marL="3657600" indent="0" algn="ctr">
               <a:buNone/>
+              <a:defRPr>
+                <a:solidFill>
+                  <a:schemeClr val="tx1">
+                    <a:tint val="75000"/>
+                  </a:schemeClr>
+                </a:solidFill>
+              </a:defRPr>
             </a:lvl9pPr>
           </a:lstStyle>
           <a:p>
             <a:r>
-              <a:rPr kumimoji="0" lang="zh-TW" altLang="en-US" smtClean="0"/>
+              <a:rPr lang="zh-TW" altLang="en-US" smtClean="0"/>
               <a:t>按一下以編輯母片副標題樣式</a:t>
             </a:r>
-            <a:endParaRPr kumimoji="0" lang="en-US"/>
-          </a:p>
-        </p:txBody>
-      </p:sp>
-      <p:sp>
-        <p:nvSpPr>
-          <p:cNvPr id="28" name="日期版面配置區 27"/>
+            <a:endParaRPr lang="en-US" dirty="0"/>
+          </a:p>
+        </p:txBody>
+      </p:sp>
+      <p:sp>
+        <p:nvSpPr>
+          <p:cNvPr id="4" name="Date Placeholder 3"/>
           <p:cNvSpPr>
             <a:spLocks noGrp="1"/>
           </p:cNvSpPr>
@@ -314,7 +339,7 @@
             <p:ph type="dt" sz="half" idx="10"/>
           </p:nvPr>
         </p:nvSpPr>
-        <p:spPr/>
+        <p:spPr bwMode="white"/>
         <p:txBody>
           <a:bodyPr/>
           <a:lstStyle/>
@@ -330,7 +355,7 @@
       </p:sp>
       <p:sp>
         <p:nvSpPr>
-          <p:cNvPr id="17" name="頁尾版面配置區 16"/>
+          <p:cNvPr id="5" name="Footer Placeholder 4"/>
           <p:cNvSpPr>
             <a:spLocks noGrp="1"/>
           </p:cNvSpPr>
@@ -338,39 +363,29 @@
             <p:ph type="ftr" sz="quarter" idx="11"/>
           </p:nvPr>
         </p:nvSpPr>
+        <p:spPr bwMode="white"/>
+        <p:txBody>
+          <a:bodyPr/>
+          <a:lstStyle/>
+          <a:p>
+            <a:endParaRPr lang="zh-TW" altLang="en-US"/>
+          </a:p>
+        </p:txBody>
+      </p:sp>
+      <p:sp>
+        <p:nvSpPr>
+          <p:cNvPr id="6" name="Slide Number Placeholder 5"/>
+          <p:cNvSpPr>
+            <a:spLocks noGrp="1"/>
+          </p:cNvSpPr>
+          <p:nvPr>
+            <p:ph type="sldNum" sz="quarter" idx="12"/>
+          </p:nvPr>
+        </p:nvSpPr>
         <p:spPr/>
         <p:txBody>
           <a:bodyPr/>
           <a:lstStyle/>
-          <a:p>
-            <a:endParaRPr lang="zh-TW" altLang="en-US"/>
-          </a:p>
-        </p:txBody>
-      </p:sp>
-      <p:sp>
-        <p:nvSpPr>
-          <p:cNvPr id="29" name="投影片編號版面配置區 28"/>
-          <p:cNvSpPr>
-            <a:spLocks noGrp="1"/>
-          </p:cNvSpPr>
-          <p:nvPr>
-            <p:ph type="sldNum" sz="quarter" idx="12"/>
-          </p:nvPr>
-        </p:nvSpPr>
-        <p:spPr/>
-        <p:txBody>
-          <a:bodyPr lIns="0" tIns="0" rIns="0" bIns="0">
-            <a:noAutofit/>
-          </a:bodyPr>
-          <a:lstStyle>
-            <a:lvl1pPr>
-              <a:defRPr sz="1400">
-                <a:solidFill>
-                  <a:srgbClr val="FFFFFF"/>
-                </a:solidFill>
-              </a:defRPr>
-            </a:lvl1pPr>
-          </a:lstStyle>
           <a:p>
             <a:fld id="{73DA0BB7-265A-403C-9275-D587AB510EDC}" type="slidenum">
               <a:rPr lang="zh-TW" altLang="en-US" smtClean="0"/>
@@ -381,188 +396,10 @@
           </a:p>
         </p:txBody>
       </p:sp>
-      <p:sp>
-        <p:nvSpPr>
-          <p:cNvPr id="7" name="矩形 6"/>
-          <p:cNvSpPr/>
-          <p:nvPr/>
-        </p:nvSpPr>
-        <p:spPr>
-          <a:xfrm>
-            <a:off x="62931" y="1449303"/>
-            <a:ext cx="9021537" cy="1527349"/>
-          </a:xfrm>
-          <a:prstGeom prst="rect">
-            <a:avLst/>
-          </a:prstGeom>
-          <a:solidFill>
-            <a:schemeClr val="accent1">
-              <a:alpha val="100000"/>
-            </a:schemeClr>
-          </a:solidFill>
-          <a:ln w="19050" cap="sq" cmpd="sng" algn="ctr">
-            <a:noFill/>
-            <a:prstDash val="solid"/>
-          </a:ln>
-          <a:effectLst/>
-        </p:spPr>
-        <p:style>
-          <a:lnRef idx="3">
-            <a:schemeClr val="lt1"/>
-          </a:lnRef>
-          <a:fillRef idx="1">
-            <a:schemeClr val="accent1"/>
-          </a:fillRef>
-          <a:effectRef idx="1">
-            <a:schemeClr val="accent1"/>
-          </a:effectRef>
-          <a:fontRef idx="minor">
-            <a:schemeClr val="lt1"/>
-          </a:fontRef>
-        </p:style>
-        <p:txBody>
-          <a:bodyPr anchor="ctr"/>
-          <a:lstStyle/>
-          <a:p>
-            <a:pPr algn="ctr" eaLnBrk="1" latinLnBrk="0" hangingPunct="1"/>
-            <a:endParaRPr kumimoji="0" lang="en-US"/>
-          </a:p>
-        </p:txBody>
-      </p:sp>
-      <p:sp>
-        <p:nvSpPr>
-          <p:cNvPr id="10" name="矩形 9"/>
-          <p:cNvSpPr/>
-          <p:nvPr/>
-        </p:nvSpPr>
-        <p:spPr>
-          <a:xfrm>
-            <a:off x="62931" y="1396720"/>
-            <a:ext cx="9021537" cy="120580"/>
-          </a:xfrm>
-          <a:prstGeom prst="rect">
-            <a:avLst/>
-          </a:prstGeom>
-          <a:solidFill>
-            <a:schemeClr val="accent1">
-              <a:tint val="60000"/>
-            </a:schemeClr>
-          </a:solidFill>
-          <a:ln w="19050" cap="sq" cmpd="sng" algn="ctr">
-            <a:noFill/>
-            <a:prstDash val="solid"/>
-          </a:ln>
-          <a:effectLst/>
-        </p:spPr>
-        <p:style>
-          <a:lnRef idx="3">
-            <a:schemeClr val="lt1"/>
-          </a:lnRef>
-          <a:fillRef idx="1">
-            <a:schemeClr val="accent1"/>
-          </a:fillRef>
-          <a:effectRef idx="1">
-            <a:schemeClr val="accent1"/>
-          </a:effectRef>
-          <a:fontRef idx="minor">
-            <a:schemeClr val="lt1"/>
-          </a:fontRef>
-        </p:style>
-        <p:txBody>
-          <a:bodyPr anchor="ctr"/>
-          <a:lstStyle/>
-          <a:p>
-            <a:pPr algn="ctr" eaLnBrk="1" latinLnBrk="0" hangingPunct="1"/>
-            <a:endParaRPr kumimoji="0" lang="en-US"/>
-          </a:p>
-        </p:txBody>
-      </p:sp>
-      <p:sp>
-        <p:nvSpPr>
-          <p:cNvPr id="11" name="矩形 10"/>
-          <p:cNvSpPr/>
-          <p:nvPr/>
-        </p:nvSpPr>
-        <p:spPr>
-          <a:xfrm>
-            <a:off x="62931" y="2976649"/>
-            <a:ext cx="9021537" cy="110532"/>
-          </a:xfrm>
-          <a:prstGeom prst="rect">
-            <a:avLst/>
-          </a:prstGeom>
-          <a:solidFill>
-            <a:schemeClr val="accent5"/>
-          </a:solidFill>
-          <a:ln w="19050" cap="sq" cmpd="sng" algn="ctr">
-            <a:noFill/>
-            <a:prstDash val="solid"/>
-          </a:ln>
-          <a:effectLst/>
-        </p:spPr>
-        <p:style>
-          <a:lnRef idx="3">
-            <a:schemeClr val="lt1"/>
-          </a:lnRef>
-          <a:fillRef idx="1">
-            <a:schemeClr val="accent1"/>
-          </a:fillRef>
-          <a:effectRef idx="1">
-            <a:schemeClr val="accent1"/>
-          </a:effectRef>
-          <a:fontRef idx="minor">
-            <a:schemeClr val="lt1"/>
-          </a:fontRef>
-        </p:style>
-        <p:txBody>
-          <a:bodyPr anchor="ctr"/>
-          <a:lstStyle/>
-          <a:p>
-            <a:pPr algn="ctr" eaLnBrk="1" latinLnBrk="0" hangingPunct="1"/>
-            <a:endParaRPr kumimoji="0" lang="en-US"/>
-          </a:p>
-        </p:txBody>
-      </p:sp>
-      <p:sp>
-        <p:nvSpPr>
-          <p:cNvPr id="8" name="標題 7"/>
-          <p:cNvSpPr>
-            <a:spLocks noGrp="1"/>
-          </p:cNvSpPr>
-          <p:nvPr>
-            <p:ph type="ctrTitle"/>
-          </p:nvPr>
-        </p:nvSpPr>
-        <p:spPr>
-          <a:xfrm>
-            <a:off x="457200" y="1505930"/>
-            <a:ext cx="8229600" cy="1470025"/>
-          </a:xfrm>
-        </p:spPr>
-        <p:txBody>
-          <a:bodyPr anchor="ctr"/>
-          <a:lstStyle>
-            <a:lvl1pPr algn="ctr">
-              <a:defRPr lang="en-US" dirty="0">
-                <a:solidFill>
-                  <a:srgbClr val="FFFFFF"/>
-                </a:solidFill>
-              </a:defRPr>
-            </a:lvl1pPr>
-          </a:lstStyle>
-          <a:p>
-            <a:r>
-              <a:rPr kumimoji="0" lang="zh-TW" altLang="en-US" smtClean="0"/>
-              <a:t>按一下以編輯母片標題樣式</a:t>
-            </a:r>
-            <a:endParaRPr kumimoji="0" lang="en-US"/>
-          </a:p>
-        </p:txBody>
-      </p:sp>
     </p:spTree>
   </p:cSld>
   <p:clrMapOvr>
-    <a:overrideClrMapping bg1="lt1" tx1="dk1" bg2="lt2" tx2="dk2" accent1="accent1" accent2="accent2" accent3="accent3" accent4="accent4" accent5="accent5" accent6="accent6" hlink="hlink" folHlink="folHlink"/>
+    <a:masterClrMapping/>
   </p:clrMapOvr>
 </p:sldLayout>
 </file>
@@ -586,7 +423,7 @@
       </p:grpSpPr>
       <p:sp>
         <p:nvSpPr>
-          <p:cNvPr id="2" name="標題 1"/>
+          <p:cNvPr id="2" name="Title 1"/>
           <p:cNvSpPr>
             <a:spLocks noGrp="1"/>
           </p:cNvSpPr>
@@ -600,16 +437,16 @@
           <a:lstStyle/>
           <a:p>
             <a:r>
-              <a:rPr kumimoji="0" lang="zh-TW" altLang="en-US" smtClean="0"/>
+              <a:rPr lang="zh-TW" altLang="en-US" smtClean="0"/>
               <a:t>按一下以編輯母片標題樣式</a:t>
             </a:r>
-            <a:endParaRPr kumimoji="0" lang="en-US"/>
-          </a:p>
-        </p:txBody>
-      </p:sp>
-      <p:sp>
-        <p:nvSpPr>
-          <p:cNvPr id="3" name="直排文字版面配置區 2"/>
+            <a:endParaRPr lang="en-US"/>
+          </a:p>
+        </p:txBody>
+      </p:sp>
+      <p:sp>
+        <p:nvSpPr>
+          <p:cNvPr id="3" name="Vertical Text Placeholder 2"/>
           <p:cNvSpPr>
             <a:spLocks noGrp="1"/>
           </p:cNvSpPr>
@@ -622,46 +459,46 @@
           <a:bodyPr vert="eaVert"/>
           <a:lstStyle/>
           <a:p>
-            <a:pPr lvl="0" eaLnBrk="1" latinLnBrk="0" hangingPunct="1"/>
+            <a:pPr lvl="0"/>
             <a:r>
               <a:rPr lang="zh-TW" altLang="en-US" smtClean="0"/>
               <a:t>按一下以編輯母片文字樣式</a:t>
             </a:r>
           </a:p>
           <a:p>
-            <a:pPr lvl="1" eaLnBrk="1" latinLnBrk="0" hangingPunct="1"/>
+            <a:pPr lvl="1"/>
             <a:r>
               <a:rPr lang="zh-TW" altLang="en-US" smtClean="0"/>
               <a:t>第二層</a:t>
             </a:r>
           </a:p>
           <a:p>
-            <a:pPr lvl="2" eaLnBrk="1" latinLnBrk="0" hangingPunct="1"/>
+            <a:pPr lvl="2"/>
             <a:r>
               <a:rPr lang="zh-TW" altLang="en-US" smtClean="0"/>
               <a:t>第三層</a:t>
             </a:r>
           </a:p>
           <a:p>
-            <a:pPr lvl="3" eaLnBrk="1" latinLnBrk="0" hangingPunct="1"/>
+            <a:pPr lvl="3"/>
             <a:r>
               <a:rPr lang="zh-TW" altLang="en-US" smtClean="0"/>
               <a:t>第四層</a:t>
             </a:r>
           </a:p>
           <a:p>
-            <a:pPr lvl="4" eaLnBrk="1" latinLnBrk="0" hangingPunct="1"/>
+            <a:pPr lvl="4"/>
             <a:r>
               <a:rPr lang="zh-TW" altLang="en-US" smtClean="0"/>
               <a:t>第五層</a:t>
             </a:r>
-            <a:endParaRPr kumimoji="0" lang="en-US"/>
-          </a:p>
-        </p:txBody>
-      </p:sp>
-      <p:sp>
-        <p:nvSpPr>
-          <p:cNvPr id="4" name="日期版面配置區 3"/>
+            <a:endParaRPr lang="en-US"/>
+          </a:p>
+        </p:txBody>
+      </p:sp>
+      <p:sp>
+        <p:nvSpPr>
+          <p:cNvPr id="4" name="Date Placeholder 3"/>
           <p:cNvSpPr>
             <a:spLocks noGrp="1"/>
           </p:cNvSpPr>
@@ -685,7 +522,7 @@
       </p:sp>
       <p:sp>
         <p:nvSpPr>
-          <p:cNvPr id="5" name="頁尾版面配置區 4"/>
+          <p:cNvPr id="5" name="Footer Placeholder 4"/>
           <p:cNvSpPr>
             <a:spLocks noGrp="1"/>
           </p:cNvSpPr>
@@ -704,7 +541,7 @@
       </p:sp>
       <p:sp>
         <p:nvSpPr>
-          <p:cNvPr id="6" name="投影片編號版面配置區 5"/>
+          <p:cNvPr id="6" name="Slide Number Placeholder 5"/>
           <p:cNvSpPr>
             <a:spLocks noGrp="1"/>
           </p:cNvSpPr>
@@ -753,7 +590,7 @@
       </p:grpSpPr>
       <p:sp>
         <p:nvSpPr>
-          <p:cNvPr id="2" name="直排標題 1"/>
+          <p:cNvPr id="2" name="Vertical Title 1"/>
           <p:cNvSpPr>
             <a:spLocks noGrp="1"/>
           </p:cNvSpPr>
@@ -763,8 +600,8 @@
         </p:nvSpPr>
         <p:spPr>
           <a:xfrm>
-            <a:off x="6629400" y="274641"/>
-            <a:ext cx="2011680" cy="5851525"/>
+            <a:off x="6629400" y="1209041"/>
+            <a:ext cx="1295400" cy="4318000"/>
           </a:xfrm>
         </p:spPr>
         <p:txBody>
@@ -772,16 +609,16 @@
           <a:lstStyle/>
           <a:p>
             <a:r>
-              <a:rPr kumimoji="0" lang="zh-TW" altLang="en-US" smtClean="0"/>
+              <a:rPr lang="zh-TW" altLang="en-US" smtClean="0"/>
               <a:t>按一下以編輯母片標題樣式</a:t>
             </a:r>
-            <a:endParaRPr kumimoji="0" lang="en-US"/>
-          </a:p>
-        </p:txBody>
-      </p:sp>
-      <p:sp>
-        <p:nvSpPr>
-          <p:cNvPr id="3" name="直排文字版面配置區 2"/>
+            <a:endParaRPr lang="en-US" dirty="0"/>
+          </a:p>
+        </p:txBody>
+      </p:sp>
+      <p:sp>
+        <p:nvSpPr>
+          <p:cNvPr id="3" name="Vertical Text Placeholder 2"/>
           <p:cNvSpPr>
             <a:spLocks noGrp="1"/>
           </p:cNvSpPr>
@@ -791,54 +628,54 @@
         </p:nvSpPr>
         <p:spPr>
           <a:xfrm>
-            <a:off x="914400" y="274640"/>
-            <a:ext cx="5562600" cy="5851525"/>
+            <a:off x="1295400" y="1219199"/>
+            <a:ext cx="5181600" cy="4267201"/>
           </a:xfrm>
         </p:spPr>
         <p:txBody>
           <a:bodyPr vert="eaVert"/>
           <a:lstStyle/>
           <a:p>
-            <a:pPr lvl="0" eaLnBrk="1" latinLnBrk="0" hangingPunct="1"/>
+            <a:pPr lvl="0"/>
             <a:r>
               <a:rPr lang="zh-TW" altLang="en-US" smtClean="0"/>
               <a:t>按一下以編輯母片文字樣式</a:t>
             </a:r>
           </a:p>
           <a:p>
-            <a:pPr lvl="1" eaLnBrk="1" latinLnBrk="0" hangingPunct="1"/>
+            <a:pPr lvl="1"/>
             <a:r>
               <a:rPr lang="zh-TW" altLang="en-US" smtClean="0"/>
               <a:t>第二層</a:t>
             </a:r>
           </a:p>
           <a:p>
-            <a:pPr lvl="2" eaLnBrk="1" latinLnBrk="0" hangingPunct="1"/>
+            <a:pPr lvl="2"/>
             <a:r>
               <a:rPr lang="zh-TW" altLang="en-US" smtClean="0"/>
               <a:t>第三層</a:t>
             </a:r>
           </a:p>
           <a:p>
-            <a:pPr lvl="3" eaLnBrk="1" latinLnBrk="0" hangingPunct="1"/>
+            <a:pPr lvl="3"/>
             <a:r>
               <a:rPr lang="zh-TW" altLang="en-US" smtClean="0"/>
               <a:t>第四層</a:t>
             </a:r>
           </a:p>
           <a:p>
-            <a:pPr lvl="4" eaLnBrk="1" latinLnBrk="0" hangingPunct="1"/>
+            <a:pPr lvl="4"/>
             <a:r>
               <a:rPr lang="zh-TW" altLang="en-US" smtClean="0"/>
               <a:t>第五層</a:t>
             </a:r>
-            <a:endParaRPr kumimoji="0" lang="en-US"/>
-          </a:p>
-        </p:txBody>
-      </p:sp>
-      <p:sp>
-        <p:nvSpPr>
-          <p:cNvPr id="4" name="日期版面配置區 3"/>
+            <a:endParaRPr lang="en-US" dirty="0"/>
+          </a:p>
+        </p:txBody>
+      </p:sp>
+      <p:sp>
+        <p:nvSpPr>
+          <p:cNvPr id="4" name="Date Placeholder 3"/>
           <p:cNvSpPr>
             <a:spLocks noGrp="1"/>
           </p:cNvSpPr>
@@ -862,7 +699,7 @@
       </p:sp>
       <p:sp>
         <p:nvSpPr>
-          <p:cNvPr id="5" name="頁尾版面配置區 4"/>
+          <p:cNvPr id="5" name="Footer Placeholder 4"/>
           <p:cNvSpPr>
             <a:spLocks noGrp="1"/>
           </p:cNvSpPr>
@@ -881,7 +718,7 @@
       </p:sp>
       <p:sp>
         <p:nvSpPr>
-          <p:cNvPr id="6" name="投影片編號版面配置區 5"/>
+          <p:cNvPr id="6" name="Slide Number Placeholder 5"/>
           <p:cNvSpPr>
             <a:spLocks noGrp="1"/>
           </p:cNvSpPr>
@@ -930,7 +767,7 @@
       </p:grpSpPr>
       <p:sp>
         <p:nvSpPr>
-          <p:cNvPr id="2" name="標題 1"/>
+          <p:cNvPr id="2" name="Title 1"/>
           <p:cNvSpPr>
             <a:spLocks noGrp="1"/>
           </p:cNvSpPr>
@@ -944,16 +781,73 @@
           <a:lstStyle/>
           <a:p>
             <a:r>
-              <a:rPr kumimoji="0" lang="zh-TW" altLang="en-US" smtClean="0"/>
+              <a:rPr lang="zh-TW" altLang="en-US" smtClean="0"/>
               <a:t>按一下以編輯母片標題樣式</a:t>
             </a:r>
-            <a:endParaRPr kumimoji="0" lang="en-US"/>
-          </a:p>
-        </p:txBody>
-      </p:sp>
-      <p:sp>
-        <p:nvSpPr>
-          <p:cNvPr id="4" name="日期版面配置區 3"/>
+            <a:endParaRPr lang="en-US" dirty="0"/>
+          </a:p>
+        </p:txBody>
+      </p:sp>
+      <p:sp>
+        <p:nvSpPr>
+          <p:cNvPr id="3" name="Content Placeholder 2"/>
+          <p:cNvSpPr>
+            <a:spLocks noGrp="1"/>
+          </p:cNvSpPr>
+          <p:nvPr>
+            <p:ph idx="1"/>
+          </p:nvPr>
+        </p:nvSpPr>
+        <p:spPr>
+          <a:xfrm>
+            <a:off x="1371600" y="2438400"/>
+            <a:ext cx="6400800" cy="3048001"/>
+          </a:xfrm>
+        </p:spPr>
+        <p:txBody>
+          <a:bodyPr/>
+          <a:lstStyle/>
+          <a:p>
+            <a:pPr lvl="0"/>
+            <a:r>
+              <a:rPr lang="zh-TW" altLang="en-US" smtClean="0"/>
+              <a:t>按一下以編輯母片文字樣式</a:t>
+            </a:r>
+          </a:p>
+          <a:p>
+            <a:pPr lvl="1"/>
+            <a:r>
+              <a:rPr lang="zh-TW" altLang="en-US" smtClean="0"/>
+              <a:t>第二層</a:t>
+            </a:r>
+          </a:p>
+          <a:p>
+            <a:pPr lvl="2"/>
+            <a:r>
+              <a:rPr lang="zh-TW" altLang="en-US" smtClean="0"/>
+              <a:t>第三層</a:t>
+            </a:r>
+          </a:p>
+          <a:p>
+            <a:pPr lvl="3"/>
+            <a:r>
+              <a:rPr lang="zh-TW" altLang="en-US" smtClean="0"/>
+              <a:t>第四層</a:t>
+            </a:r>
+          </a:p>
+          <a:p>
+            <a:pPr lvl="4"/>
+            <a:r>
+              <a:rPr lang="zh-TW" altLang="en-US" smtClean="0"/>
+              <a:t>第五層</a:t>
+            </a:r>
+            <a:endParaRPr lang="en-US" dirty="0"/>
+          </a:p>
+        </p:txBody>
+      </p:sp>
+      <p:sp>
+        <p:nvSpPr>
+          <p:cNvPr id="4" name="Date Placeholder 3"/>
           <p:cNvSpPr>
             <a:spLocks noGrp="1"/>
           </p:cNvSpPr>
@@ -977,7 +871,7 @@
       </p:sp>
       <p:sp>
         <p:nvSpPr>
-          <p:cNvPr id="5" name="頁尾版面配置區 4"/>
+          <p:cNvPr id="5" name="Footer Placeholder 4"/>
           <p:cNvSpPr>
             <a:spLocks noGrp="1"/>
           </p:cNvSpPr>
@@ -996,7 +890,7 @@
       </p:sp>
       <p:sp>
         <p:nvSpPr>
-          <p:cNvPr id="6" name="投影片編號版面配置區 5"/>
+          <p:cNvPr id="6" name="Slide Number Placeholder 5"/>
           <p:cNvSpPr>
             <a:spLocks noGrp="1"/>
           </p:cNvSpPr>
@@ -1018,63 +912,39 @@
           </a:p>
         </p:txBody>
       </p:sp>
-      <p:sp>
-        <p:nvSpPr>
-          <p:cNvPr id="8" name="內容版面配置區 7"/>
-          <p:cNvSpPr>
-            <a:spLocks noGrp="1"/>
-          </p:cNvSpPr>
-          <p:nvPr>
-            <p:ph sz="quarter" idx="1"/>
-          </p:nvPr>
-        </p:nvSpPr>
+      <p:pic>
+        <p:nvPicPr>
+          <p:cNvPr id="9" name="Picture 8" descr="flourish2.png"/>
+          <p:cNvPicPr>
+            <a:picLocks noChangeAspect="1"/>
+          </p:cNvPicPr>
+          <p:nvPr/>
+        </p:nvPicPr>
+        <p:blipFill>
+          <a:blip r:embed="rId2">
+            <a:duotone>
+              <a:prstClr val="black"/>
+              <a:schemeClr val="tx2">
+                <a:tint val="45000"/>
+                <a:satMod val="400000"/>
+              </a:schemeClr>
+            </a:duotone>
+            <a:lum bright="-14000"/>
+          </a:blip>
+          <a:stretch>
+            <a:fillRect/>
+          </a:stretch>
+        </p:blipFill>
         <p:spPr>
           <a:xfrm>
-            <a:off x="914400" y="1447800"/>
-            <a:ext cx="7772400" cy="4572000"/>
+            <a:off x="0" y="1618488"/>
+            <a:ext cx="9144000" cy="932688"/>
           </a:xfrm>
+          <a:prstGeom prst="rect">
+            <a:avLst/>
+          </a:prstGeom>
         </p:spPr>
-        <p:txBody>
-          <a:bodyPr vert="horz"/>
-          <a:lstStyle/>
-          <a:p>
-            <a:pPr lvl="0" eaLnBrk="1" latinLnBrk="0" hangingPunct="1"/>
-            <a:r>
-              <a:rPr lang="zh-TW" altLang="en-US" smtClean="0"/>
-              <a:t>按一下以編輯母片文字樣式</a:t>
-            </a:r>
-          </a:p>
-          <a:p>
-            <a:pPr lvl="1" eaLnBrk="1" latinLnBrk="0" hangingPunct="1"/>
-            <a:r>
-              <a:rPr lang="zh-TW" altLang="en-US" smtClean="0"/>
-              <a:t>第二層</a:t>
-            </a:r>
-          </a:p>
-          <a:p>
-            <a:pPr lvl="2" eaLnBrk="1" latinLnBrk="0" hangingPunct="1"/>
-            <a:r>
-              <a:rPr lang="zh-TW" altLang="en-US" smtClean="0"/>
-              <a:t>第三層</a:t>
-            </a:r>
-          </a:p>
-          <a:p>
-            <a:pPr lvl="3" eaLnBrk="1" latinLnBrk="0" hangingPunct="1"/>
-            <a:r>
-              <a:rPr lang="zh-TW" altLang="en-US" smtClean="0"/>
-              <a:t>第四層</a:t>
-            </a:r>
-          </a:p>
-          <a:p>
-            <a:pPr lvl="4" eaLnBrk="1" latinLnBrk="0" hangingPunct="1"/>
-            <a:r>
-              <a:rPr lang="zh-TW" altLang="en-US" smtClean="0"/>
-              <a:t>第五層</a:t>
-            </a:r>
-            <a:endParaRPr kumimoji="0" lang="en-US"/>
-          </a:p>
-        </p:txBody>
-      </p:sp>
+      </p:pic>
     </p:spTree>
   </p:cSld>
   <p:clrMapOvr>
@@ -1084,13 +954,8 @@
 </file>
 
 <file path=ppt/slideLayouts/slideLayout3.xml><?xml version="1.0" encoding="utf-8"?>
-<p:sldLayout xmlns:a="http://schemas.openxmlformats.org/drawingml/2006/main" xmlns:r="http://schemas.openxmlformats.org/officeDocument/2006/relationships" xmlns:p="http://schemas.openxmlformats.org/presentationml/2006/main" showMasterSp="0" type="secHead" preserve="1">
-  <p:cSld name="區段標題">
-    <p:bg>
-      <p:bgRef idx="1003">
-        <a:schemeClr val="bg1"/>
-      </p:bgRef>
-    </p:bg>
+<p:sldLayout xmlns:a="http://schemas.openxmlformats.org/drawingml/2006/main" xmlns:r="http://schemas.openxmlformats.org/officeDocument/2006/relationships" xmlns:p="http://schemas.openxmlformats.org/presentationml/2006/main" type="secHead" preserve="1">
+  <p:cSld name="章節標題">
     <p:spTree>
       <p:nvGrpSpPr>
         <p:cNvPr id="1" name=""/>
@@ -1107,161 +972,169 @@
       </p:grpSpPr>
       <p:sp>
         <p:nvSpPr>
-          <p:cNvPr id="11" name="矩形 10"/>
-          <p:cNvSpPr/>
+          <p:cNvPr id="4" name="Date Placeholder 3"/>
+          <p:cNvSpPr>
+            <a:spLocks noGrp="1"/>
+          </p:cNvSpPr>
+          <p:nvPr>
+            <p:ph type="dt" sz="half" idx="10"/>
+          </p:nvPr>
+        </p:nvSpPr>
+        <p:spPr/>
+        <p:txBody>
+          <a:bodyPr/>
+          <a:lstStyle/>
+          <a:p>
+            <a:fld id="{5BBEAD13-0566-4C6C-97E7-55F17F24B09F}" type="datetimeFigureOut">
+              <a:rPr lang="zh-TW" altLang="en-US" smtClean="0"/>
+              <a:pPr/>
+              <a:t>2013/11/23</a:t>
+            </a:fld>
+            <a:endParaRPr lang="zh-TW" altLang="en-US"/>
+          </a:p>
+        </p:txBody>
+      </p:sp>
+      <p:sp>
+        <p:nvSpPr>
+          <p:cNvPr id="5" name="Footer Placeholder 4"/>
+          <p:cNvSpPr>
+            <a:spLocks noGrp="1"/>
+          </p:cNvSpPr>
+          <p:nvPr>
+            <p:ph type="ftr" sz="quarter" idx="11"/>
+          </p:nvPr>
+        </p:nvSpPr>
+        <p:spPr/>
+        <p:txBody>
+          <a:bodyPr/>
+          <a:lstStyle/>
+          <a:p>
+            <a:endParaRPr lang="zh-TW" altLang="en-US"/>
+          </a:p>
+        </p:txBody>
+      </p:sp>
+      <p:sp>
+        <p:nvSpPr>
+          <p:cNvPr id="6" name="Slide Number Placeholder 5"/>
+          <p:cNvSpPr>
+            <a:spLocks noGrp="1"/>
+          </p:cNvSpPr>
+          <p:nvPr>
+            <p:ph type="sldNum" sz="quarter" idx="12"/>
+          </p:nvPr>
+        </p:nvSpPr>
+        <p:spPr/>
+        <p:txBody>
+          <a:bodyPr/>
+          <a:lstStyle/>
+          <a:p>
+            <a:fld id="{73DA0BB7-265A-403C-9275-D587AB510EDC}" type="slidenum">
+              <a:rPr lang="zh-TW" altLang="en-US" smtClean="0"/>
+              <a:pPr/>
+              <a:t>‹#›</a:t>
+            </a:fld>
+            <a:endParaRPr lang="zh-TW" altLang="en-US"/>
+          </a:p>
+        </p:txBody>
+      </p:sp>
+      <p:pic>
+        <p:nvPicPr>
+          <p:cNvPr id="7" name="Picture 6" descr="flourish2.png"/>
+          <p:cNvPicPr>
+            <a:picLocks noChangeAspect="1"/>
+          </p:cNvPicPr>
           <p:nvPr/>
-        </p:nvSpPr>
+        </p:nvPicPr>
+        <p:blipFill>
+          <a:blip r:embed="rId2">
+            <a:duotone>
+              <a:prstClr val="black"/>
+              <a:schemeClr val="tx2">
+                <a:tint val="45000"/>
+                <a:satMod val="400000"/>
+              </a:schemeClr>
+            </a:duotone>
+            <a:lum bright="-14000"/>
+          </a:blip>
+          <a:stretch>
+            <a:fillRect/>
+          </a:stretch>
+        </p:blipFill>
         <p:spPr>
           <a:xfrm>
-            <a:off x="0" y="0"/>
-            <a:ext cx="9144000" cy="6858000"/>
+            <a:off x="0" y="2684462"/>
+            <a:ext cx="9144000" cy="932688"/>
           </a:xfrm>
           <a:prstGeom prst="rect">
             <a:avLst/>
           </a:prstGeom>
-          <a:solidFill>
-            <a:srgbClr val="FFFFFF"/>
-          </a:solidFill>
-          <a:ln w="12700" cap="flat" cmpd="sng" algn="ctr">
-            <a:noFill/>
-            <a:prstDash val="solid"/>
-          </a:ln>
         </p:spPr>
-        <p:style>
-          <a:lnRef idx="2">
-            <a:schemeClr val="accent1"/>
-          </a:lnRef>
-          <a:fillRef idx="1">
-            <a:schemeClr val="accent1"/>
-          </a:fillRef>
-          <a:effectRef idx="0">
-            <a:schemeClr val="accent1"/>
-          </a:effectRef>
-          <a:fontRef idx="minor">
-            <a:schemeClr val="lt1"/>
-          </a:fontRef>
-        </p:style>
-        <p:txBody>
-          <a:bodyPr rtlCol="0" anchor="ctr"/>
-          <a:lstStyle/>
-          <a:p>
-            <a:pPr algn="ctr" eaLnBrk="1" latinLnBrk="0" hangingPunct="1"/>
-            <a:endParaRPr kumimoji="0" lang="en-US"/>
-          </a:p>
-        </p:txBody>
-      </p:sp>
-      <p:sp useBgFill="1">
-        <p:nvSpPr>
-          <p:cNvPr id="10" name="圓角矩形 9"/>
-          <p:cNvSpPr/>
-          <p:nvPr/>
+      </p:pic>
+      <p:sp>
+        <p:nvSpPr>
+          <p:cNvPr id="2" name="Title 1"/>
+          <p:cNvSpPr>
+            <a:spLocks noGrp="1"/>
+          </p:cNvSpPr>
+          <p:nvPr>
+            <p:ph type="title"/>
+          </p:nvPr>
         </p:nvSpPr>
         <p:spPr>
           <a:xfrm>
-            <a:off x="65313" y="69755"/>
-            <a:ext cx="9013372" cy="6692201"/>
+            <a:off x="1447800" y="3410267"/>
+            <a:ext cx="6248400" cy="1456373"/>
           </a:xfrm>
-          <a:prstGeom prst="roundRect">
-            <a:avLst>
-              <a:gd name="adj" fmla="val 4929"/>
-            </a:avLst>
-          </a:prstGeom>
-          <a:ln w="6350" cap="sq" cmpd="sng" algn="ctr">
-            <a:solidFill>
-              <a:schemeClr val="tx1">
-                <a:alpha val="100000"/>
-              </a:schemeClr>
-            </a:solidFill>
-            <a:prstDash val="solid"/>
-          </a:ln>
-          <a:effectLst/>
         </p:spPr>
-        <p:style>
-          <a:lnRef idx="3">
-            <a:schemeClr val="lt1"/>
-          </a:lnRef>
-          <a:fillRef idx="1003">
-            <a:schemeClr val="lt1"/>
-          </a:fillRef>
-          <a:effectRef idx="1">
-            <a:schemeClr val="accent1"/>
-          </a:effectRef>
-          <a:fontRef idx="minor">
-            <a:schemeClr val="lt1"/>
-          </a:fontRef>
-        </p:style>
-        <p:txBody>
-          <a:bodyPr anchor="ctr"/>
-          <a:lstStyle/>
-          <a:p>
-            <a:pPr algn="ctr" eaLnBrk="1" latinLnBrk="0" hangingPunct="1"/>
-            <a:endParaRPr kumimoji="0" lang="en-US"/>
-          </a:p>
-        </p:txBody>
-      </p:sp>
-      <p:sp>
-        <p:nvSpPr>
-          <p:cNvPr id="2" name="標題 1"/>
-          <p:cNvSpPr>
-            <a:spLocks noGrp="1"/>
-          </p:cNvSpPr>
-          <p:nvPr>
-            <p:ph type="title"/>
+        <p:txBody>
+          <a:bodyPr anchor="t">
+            <a:normAutofit/>
+          </a:bodyPr>
+          <a:lstStyle>
+            <a:lvl1pPr algn="ctr">
+              <a:defRPr sz="3600" b="0" i="0" cap="all" baseline="0"/>
+            </a:lvl1pPr>
+          </a:lstStyle>
+          <a:p>
+            <a:r>
+              <a:rPr lang="zh-TW" altLang="en-US" smtClean="0"/>
+              <a:t>按一下以編輯母片標題樣式</a:t>
+            </a:r>
+            <a:endParaRPr lang="en-US" dirty="0"/>
+          </a:p>
+        </p:txBody>
+      </p:sp>
+      <p:sp>
+        <p:nvSpPr>
+          <p:cNvPr id="3" name="Text Placeholder 2"/>
+          <p:cNvSpPr>
+            <a:spLocks noGrp="1"/>
+          </p:cNvSpPr>
+          <p:nvPr>
+            <p:ph type="body" idx="1"/>
           </p:nvPr>
         </p:nvSpPr>
         <p:spPr>
           <a:xfrm>
-            <a:off x="722313" y="952500"/>
-            <a:ext cx="7772400" cy="1362075"/>
+            <a:off x="1447800" y="1503680"/>
+            <a:ext cx="6248400" cy="1566862"/>
           </a:xfrm>
         </p:spPr>
         <p:txBody>
-          <a:bodyPr anchor="b" anchorCtr="0"/>
+          <a:bodyPr anchor="b"/>
           <a:lstStyle>
-            <a:lvl1pPr algn="l">
-              <a:buNone/>
-              <a:defRPr sz="4000" b="0" cap="none"/>
-            </a:lvl1pPr>
-          </a:lstStyle>
-          <a:p>
-            <a:r>
-              <a:rPr kumimoji="0" lang="zh-TW" altLang="en-US" smtClean="0"/>
-              <a:t>按一下以編輯母片標題樣式</a:t>
-            </a:r>
-            <a:endParaRPr kumimoji="0" lang="en-US"/>
-          </a:p>
-        </p:txBody>
-      </p:sp>
-      <p:sp>
-        <p:nvSpPr>
-          <p:cNvPr id="3" name="文字版面配置區 2"/>
-          <p:cNvSpPr>
-            <a:spLocks noGrp="1"/>
-          </p:cNvSpPr>
-          <p:nvPr>
-            <p:ph type="body" idx="1"/>
-          </p:nvPr>
-        </p:nvSpPr>
-        <p:spPr>
-          <a:xfrm>
-            <a:off x="722313" y="2547938"/>
-            <a:ext cx="7772400" cy="1338262"/>
-          </a:xfrm>
-        </p:spPr>
-        <p:txBody>
-          <a:bodyPr anchor="t" anchorCtr="0"/>
-          <a:lstStyle>
-            <a:lvl1pPr marL="0" indent="0">
-              <a:buNone/>
-              <a:defRPr sz="2400">
+            <a:lvl1pPr marL="0" indent="0" algn="ctr">
+              <a:buNone/>
+              <a:defRPr sz="2000" b="0" i="1" baseline="0">
                 <a:solidFill>
                   <a:schemeClr val="tx1">
-                    <a:tint val="75000"/>
+                    <a:lumMod val="65000"/>
+                    <a:lumOff val="35000"/>
                   </a:schemeClr>
                 </a:solidFill>
               </a:defRPr>
             </a:lvl1pPr>
-            <a:lvl2pPr>
+            <a:lvl2pPr marL="457200" indent="0">
               <a:buNone/>
               <a:defRPr sz="1800">
                 <a:solidFill>
@@ -1271,7 +1144,7 @@
                 </a:solidFill>
               </a:defRPr>
             </a:lvl2pPr>
-            <a:lvl3pPr>
+            <a:lvl3pPr marL="914400" indent="0">
               <a:buNone/>
               <a:defRPr sz="1600">
                 <a:solidFill>
@@ -1281,7 +1154,7 @@
                 </a:solidFill>
               </a:defRPr>
             </a:lvl3pPr>
-            <a:lvl4pPr>
+            <a:lvl4pPr marL="1371600" indent="0">
               <a:buNone/>
               <a:defRPr sz="1400">
                 <a:solidFill>
@@ -1291,7 +1164,7 @@
                 </a:solidFill>
               </a:defRPr>
             </a:lvl4pPr>
-            <a:lvl5pPr>
+            <a:lvl5pPr marL="1828800" indent="0">
               <a:buNone/>
               <a:defRPr sz="1400">
                 <a:solidFill>
@@ -1301,239 +1174,93 @@
                 </a:solidFill>
               </a:defRPr>
             </a:lvl5pPr>
+            <a:lvl6pPr marL="2286000" indent="0">
+              <a:buNone/>
+              <a:defRPr sz="1400">
+                <a:solidFill>
+                  <a:schemeClr val="tx1">
+                    <a:tint val="75000"/>
+                  </a:schemeClr>
+                </a:solidFill>
+              </a:defRPr>
+            </a:lvl6pPr>
+            <a:lvl7pPr marL="2743200" indent="0">
+              <a:buNone/>
+              <a:defRPr sz="1400">
+                <a:solidFill>
+                  <a:schemeClr val="tx1">
+                    <a:tint val="75000"/>
+                  </a:schemeClr>
+                </a:solidFill>
+              </a:defRPr>
+            </a:lvl7pPr>
+            <a:lvl8pPr marL="3200400" indent="0">
+              <a:buNone/>
+              <a:defRPr sz="1400">
+                <a:solidFill>
+                  <a:schemeClr val="tx1">
+                    <a:tint val="75000"/>
+                  </a:schemeClr>
+                </a:solidFill>
+              </a:defRPr>
+            </a:lvl8pPr>
+            <a:lvl9pPr marL="3657600" indent="0">
+              <a:buNone/>
+              <a:defRPr sz="1400">
+                <a:solidFill>
+                  <a:schemeClr val="tx1">
+                    <a:tint val="75000"/>
+                  </a:schemeClr>
+                </a:solidFill>
+              </a:defRPr>
+            </a:lvl9pPr>
           </a:lstStyle>
           <a:p>
-            <a:pPr lvl="0" eaLnBrk="1" latinLnBrk="0" hangingPunct="1"/>
-            <a:r>
-              <a:rPr kumimoji="0" lang="zh-TW" altLang="en-US" smtClean="0"/>
+            <a:pPr lvl="0"/>
+            <a:r>
+              <a:rPr lang="zh-TW" altLang="en-US" smtClean="0"/>
               <a:t>按一下以編輯母片文字樣式</a:t>
             </a:r>
           </a:p>
         </p:txBody>
       </p:sp>
-      <p:sp>
-        <p:nvSpPr>
-          <p:cNvPr id="4" name="日期版面配置區 3"/>
-          <p:cNvSpPr>
-            <a:spLocks noGrp="1"/>
-          </p:cNvSpPr>
-          <p:nvPr>
-            <p:ph type="dt" sz="half" idx="10"/>
-          </p:nvPr>
-        </p:nvSpPr>
-        <p:spPr/>
-        <p:txBody>
-          <a:bodyPr/>
-          <a:lstStyle/>
-          <a:p>
-            <a:fld id="{5BBEAD13-0566-4C6C-97E7-55F17F24B09F}" type="datetimeFigureOut">
-              <a:rPr lang="zh-TW" altLang="en-US" smtClean="0"/>
-              <a:pPr/>
-              <a:t>2013/11/23</a:t>
-            </a:fld>
-            <a:endParaRPr lang="zh-TW" altLang="en-US"/>
-          </a:p>
-        </p:txBody>
-      </p:sp>
-      <p:sp>
-        <p:nvSpPr>
-          <p:cNvPr id="5" name="頁尾版面配置區 4"/>
-          <p:cNvSpPr>
-            <a:spLocks noGrp="1"/>
-          </p:cNvSpPr>
-          <p:nvPr>
-            <p:ph type="ftr" sz="quarter" idx="11"/>
-          </p:nvPr>
-        </p:nvSpPr>
+      <p:pic>
+        <p:nvPicPr>
+          <p:cNvPr id="8" name="Picture 7" descr="flourish2.png"/>
+          <p:cNvPicPr>
+            <a:picLocks noChangeAspect="1"/>
+          </p:cNvPicPr>
+          <p:nvPr/>
+        </p:nvPicPr>
+        <p:blipFill>
+          <a:blip r:embed="rId2">
+            <a:duotone>
+              <a:prstClr val="black"/>
+              <a:schemeClr val="tx2">
+                <a:tint val="45000"/>
+                <a:satMod val="400000"/>
+              </a:schemeClr>
+            </a:duotone>
+            <a:lum bright="-14000"/>
+          </a:blip>
+          <a:stretch>
+            <a:fillRect/>
+          </a:stretch>
+        </p:blipFill>
         <p:spPr>
           <a:xfrm>
-            <a:off x="800100" y="6172200"/>
-            <a:ext cx="4000500" cy="457200"/>
-          </a:xfrm>
-        </p:spPr>
-        <p:txBody>
-          <a:bodyPr/>
-          <a:lstStyle/>
-          <a:p>
-            <a:endParaRPr lang="zh-TW" altLang="en-US"/>
-          </a:p>
-        </p:txBody>
-      </p:sp>
-      <p:sp>
-        <p:nvSpPr>
-          <p:cNvPr id="7" name="矩形 6"/>
-          <p:cNvSpPr/>
-          <p:nvPr/>
-        </p:nvSpPr>
-        <p:spPr>
-          <a:xfrm flipV="1">
-            <a:off x="69412" y="2376830"/>
-            <a:ext cx="9013515" cy="91440"/>
+            <a:off x="0" y="2684462"/>
+            <a:ext cx="9144000" cy="932688"/>
           </a:xfrm>
           <a:prstGeom prst="rect">
             <a:avLst/>
           </a:prstGeom>
-          <a:solidFill>
-            <a:schemeClr val="accent1">
-              <a:alpha val="100000"/>
-            </a:schemeClr>
-          </a:solidFill>
-          <a:ln w="19050" cap="sq" cmpd="sng" algn="ctr">
-            <a:noFill/>
-            <a:prstDash val="solid"/>
-          </a:ln>
-          <a:effectLst/>
         </p:spPr>
-        <p:style>
-          <a:lnRef idx="3">
-            <a:schemeClr val="lt1"/>
-          </a:lnRef>
-          <a:fillRef idx="1">
-            <a:schemeClr val="accent1"/>
-          </a:fillRef>
-          <a:effectRef idx="1">
-            <a:schemeClr val="accent1"/>
-          </a:effectRef>
-          <a:fontRef idx="minor">
-            <a:schemeClr val="lt1"/>
-          </a:fontRef>
-        </p:style>
-        <p:txBody>
-          <a:bodyPr anchor="ctr"/>
-          <a:lstStyle/>
-          <a:p>
-            <a:pPr algn="ctr" eaLnBrk="1" latinLnBrk="0" hangingPunct="1"/>
-            <a:endParaRPr kumimoji="0" lang="en-US"/>
-          </a:p>
-        </p:txBody>
-      </p:sp>
-      <p:sp>
-        <p:nvSpPr>
-          <p:cNvPr id="8" name="矩形 7"/>
-          <p:cNvSpPr/>
-          <p:nvPr/>
-        </p:nvSpPr>
-        <p:spPr>
-          <a:xfrm>
-            <a:off x="69146" y="2341475"/>
-            <a:ext cx="9013781" cy="45719"/>
-          </a:xfrm>
-          <a:prstGeom prst="rect">
-            <a:avLst/>
-          </a:prstGeom>
-          <a:solidFill>
-            <a:schemeClr val="accent1">
-              <a:tint val="60000"/>
-            </a:schemeClr>
-          </a:solidFill>
-          <a:ln w="19050" cap="sq" cmpd="sng" algn="ctr">
-            <a:noFill/>
-            <a:prstDash val="solid"/>
-          </a:ln>
-          <a:effectLst/>
-        </p:spPr>
-        <p:style>
-          <a:lnRef idx="3">
-            <a:schemeClr val="lt1"/>
-          </a:lnRef>
-          <a:fillRef idx="1">
-            <a:schemeClr val="accent1"/>
-          </a:fillRef>
-          <a:effectRef idx="1">
-            <a:schemeClr val="accent1"/>
-          </a:effectRef>
-          <a:fontRef idx="minor">
-            <a:schemeClr val="lt1"/>
-          </a:fontRef>
-        </p:style>
-        <p:txBody>
-          <a:bodyPr anchor="ctr"/>
-          <a:lstStyle/>
-          <a:p>
-            <a:pPr algn="ctr" eaLnBrk="1" latinLnBrk="0" hangingPunct="1"/>
-            <a:endParaRPr kumimoji="0" lang="en-US"/>
-          </a:p>
-        </p:txBody>
-      </p:sp>
-      <p:sp>
-        <p:nvSpPr>
-          <p:cNvPr id="9" name="矩形 8"/>
-          <p:cNvSpPr/>
-          <p:nvPr/>
-        </p:nvSpPr>
-        <p:spPr>
-          <a:xfrm>
-            <a:off x="68306" y="2468880"/>
-            <a:ext cx="9014621" cy="45720"/>
-          </a:xfrm>
-          <a:prstGeom prst="rect">
-            <a:avLst/>
-          </a:prstGeom>
-          <a:solidFill>
-            <a:schemeClr val="accent5"/>
-          </a:solidFill>
-          <a:ln w="19050" cap="sq" cmpd="sng" algn="ctr">
-            <a:noFill/>
-            <a:prstDash val="solid"/>
-          </a:ln>
-          <a:effectLst/>
-        </p:spPr>
-        <p:style>
-          <a:lnRef idx="3">
-            <a:schemeClr val="lt1"/>
-          </a:lnRef>
-          <a:fillRef idx="1">
-            <a:schemeClr val="accent1"/>
-          </a:fillRef>
-          <a:effectRef idx="1">
-            <a:schemeClr val="accent1"/>
-          </a:effectRef>
-          <a:fontRef idx="minor">
-            <a:schemeClr val="lt1"/>
-          </a:fontRef>
-        </p:style>
-        <p:txBody>
-          <a:bodyPr anchor="ctr"/>
-          <a:lstStyle/>
-          <a:p>
-            <a:pPr algn="ctr" eaLnBrk="1" latinLnBrk="0" hangingPunct="1"/>
-            <a:endParaRPr kumimoji="0" lang="en-US"/>
-          </a:p>
-        </p:txBody>
-      </p:sp>
-      <p:sp>
-        <p:nvSpPr>
-          <p:cNvPr id="6" name="投影片編號版面配置區 5"/>
-          <p:cNvSpPr>
-            <a:spLocks noGrp="1"/>
-          </p:cNvSpPr>
-          <p:nvPr>
-            <p:ph type="sldNum" sz="quarter" idx="12"/>
-          </p:nvPr>
-        </p:nvSpPr>
-        <p:spPr>
-          <a:xfrm>
-            <a:off x="146304" y="6208776"/>
-            <a:ext cx="457200" cy="457200"/>
-          </a:xfrm>
-        </p:spPr>
-        <p:txBody>
-          <a:bodyPr/>
-          <a:lstStyle/>
-          <a:p>
-            <a:fld id="{73DA0BB7-265A-403C-9275-D587AB510EDC}" type="slidenum">
-              <a:rPr lang="zh-TW" altLang="en-US" smtClean="0"/>
-              <a:pPr/>
-              <a:t>‹#›</a:t>
-            </a:fld>
-            <a:endParaRPr lang="zh-TW" altLang="en-US"/>
-          </a:p>
-        </p:txBody>
-      </p:sp>
+      </p:pic>
     </p:spTree>
   </p:cSld>
   <p:clrMapOvr>
-    <a:overrideClrMapping bg1="lt1" tx1="dk1" bg2="lt2" tx2="dk2" accent1="accent1" accent2="accent2" accent3="accent3" accent4="accent4" accent5="accent5" accent6="accent6" hlink="hlink" folHlink="folHlink"/>
+    <a:masterClrMapping/>
   </p:clrMapOvr>
 </p:sldLayout>
 </file>
@@ -1557,7 +1284,64 @@
       </p:grpSpPr>
       <p:sp>
         <p:nvSpPr>
-          <p:cNvPr id="2" name="標題 1"/>
+          <p:cNvPr id="10" name="Content Placeholder 9"/>
+          <p:cNvSpPr>
+            <a:spLocks noGrp="1"/>
+          </p:cNvSpPr>
+          <p:nvPr>
+            <p:ph sz="quarter" idx="13"/>
+          </p:nvPr>
+        </p:nvSpPr>
+        <p:spPr>
+          <a:xfrm>
+            <a:off x="1371600" y="2438400"/>
+            <a:ext cx="3124200" cy="3124200"/>
+          </a:xfrm>
+        </p:spPr>
+        <p:txBody>
+          <a:bodyPr/>
+          <a:lstStyle/>
+          <a:p>
+            <a:pPr lvl="0"/>
+            <a:r>
+              <a:rPr lang="zh-TW" altLang="en-US" smtClean="0"/>
+              <a:t>按一下以編輯母片文字樣式</a:t>
+            </a:r>
+          </a:p>
+          <a:p>
+            <a:pPr lvl="1"/>
+            <a:r>
+              <a:rPr lang="zh-TW" altLang="en-US" smtClean="0"/>
+              <a:t>第二層</a:t>
+            </a:r>
+          </a:p>
+          <a:p>
+            <a:pPr lvl="2"/>
+            <a:r>
+              <a:rPr lang="zh-TW" altLang="en-US" smtClean="0"/>
+              <a:t>第三層</a:t>
+            </a:r>
+          </a:p>
+          <a:p>
+            <a:pPr lvl="3"/>
+            <a:r>
+              <a:rPr lang="zh-TW" altLang="en-US" smtClean="0"/>
+              <a:t>第四層</a:t>
+            </a:r>
+          </a:p>
+          <a:p>
+            <a:pPr lvl="4"/>
+            <a:r>
+              <a:rPr lang="zh-TW" altLang="en-US" smtClean="0"/>
+              <a:t>第五層</a:t>
+            </a:r>
+            <a:endParaRPr lang="en-US" dirty="0"/>
+          </a:p>
+        </p:txBody>
+      </p:sp>
+      <p:sp>
+        <p:nvSpPr>
+          <p:cNvPr id="2" name="Title 1"/>
           <p:cNvSpPr>
             <a:spLocks noGrp="1"/>
           </p:cNvSpPr>
@@ -1571,16 +1355,16 @@
           <a:lstStyle/>
           <a:p>
             <a:r>
-              <a:rPr kumimoji="0" lang="zh-TW" altLang="en-US" smtClean="0"/>
+              <a:rPr lang="zh-TW" altLang="en-US" smtClean="0"/>
               <a:t>按一下以編輯母片標題樣式</a:t>
             </a:r>
-            <a:endParaRPr kumimoji="0" lang="en-US"/>
-          </a:p>
-        </p:txBody>
-      </p:sp>
-      <p:sp>
-        <p:nvSpPr>
-          <p:cNvPr id="5" name="日期版面配置區 4"/>
+            <a:endParaRPr lang="en-US"/>
+          </a:p>
+        </p:txBody>
+      </p:sp>
+      <p:sp>
+        <p:nvSpPr>
+          <p:cNvPr id="5" name="Date Placeholder 4"/>
           <p:cNvSpPr>
             <a:spLocks noGrp="1"/>
           </p:cNvSpPr>
@@ -1604,7 +1388,7 @@
       </p:sp>
       <p:sp>
         <p:nvSpPr>
-          <p:cNvPr id="6" name="頁尾版面配置區 5"/>
+          <p:cNvPr id="6" name="Footer Placeholder 5"/>
           <p:cNvSpPr>
             <a:spLocks noGrp="1"/>
           </p:cNvSpPr>
@@ -1623,7 +1407,7 @@
       </p:sp>
       <p:sp>
         <p:nvSpPr>
-          <p:cNvPr id="7" name="投影片編號版面配置區 6"/>
+          <p:cNvPr id="7" name="Slide Number Placeholder 6"/>
           <p:cNvSpPr>
             <a:spLocks noGrp="1"/>
           </p:cNvSpPr>
@@ -1647,118 +1431,94 @@
       </p:sp>
       <p:sp>
         <p:nvSpPr>
-          <p:cNvPr id="9" name="內容版面配置區 8"/>
-          <p:cNvSpPr>
-            <a:spLocks noGrp="1"/>
-          </p:cNvSpPr>
-          <p:nvPr>
-            <p:ph sz="quarter" idx="1"/>
+          <p:cNvPr id="12" name="Content Placeholder 11"/>
+          <p:cNvSpPr>
+            <a:spLocks noGrp="1"/>
+          </p:cNvSpPr>
+          <p:nvPr>
+            <p:ph sz="quarter" idx="14"/>
           </p:nvPr>
         </p:nvSpPr>
         <p:spPr>
           <a:xfrm>
-            <a:off x="914400" y="1447800"/>
-            <a:ext cx="3749040" cy="4572000"/>
+            <a:off x="4648200" y="2438400"/>
+            <a:ext cx="3124200" cy="3124200"/>
           </a:xfrm>
         </p:spPr>
         <p:txBody>
-          <a:bodyPr vert="horz"/>
-          <a:lstStyle/>
-          <a:p>
-            <a:pPr lvl="0" eaLnBrk="1" latinLnBrk="0" hangingPunct="1"/>
+          <a:bodyPr/>
+          <a:lstStyle/>
+          <a:p>
+            <a:pPr lvl="0"/>
             <a:r>
               <a:rPr lang="zh-TW" altLang="en-US" smtClean="0"/>
               <a:t>按一下以編輯母片文字樣式</a:t>
             </a:r>
           </a:p>
           <a:p>
-            <a:pPr lvl="1" eaLnBrk="1" latinLnBrk="0" hangingPunct="1"/>
+            <a:pPr lvl="1"/>
             <a:r>
               <a:rPr lang="zh-TW" altLang="en-US" smtClean="0"/>
               <a:t>第二層</a:t>
             </a:r>
           </a:p>
           <a:p>
-            <a:pPr lvl="2" eaLnBrk="1" latinLnBrk="0" hangingPunct="1"/>
+            <a:pPr lvl="2"/>
             <a:r>
               <a:rPr lang="zh-TW" altLang="en-US" smtClean="0"/>
               <a:t>第三層</a:t>
             </a:r>
           </a:p>
           <a:p>
-            <a:pPr lvl="3" eaLnBrk="1" latinLnBrk="0" hangingPunct="1"/>
+            <a:pPr lvl="3"/>
             <a:r>
               <a:rPr lang="zh-TW" altLang="en-US" smtClean="0"/>
               <a:t>第四層</a:t>
             </a:r>
           </a:p>
           <a:p>
-            <a:pPr lvl="4" eaLnBrk="1" latinLnBrk="0" hangingPunct="1"/>
+            <a:pPr lvl="4"/>
             <a:r>
               <a:rPr lang="zh-TW" altLang="en-US" smtClean="0"/>
               <a:t>第五層</a:t>
             </a:r>
-            <a:endParaRPr kumimoji="0" lang="en-US"/>
-          </a:p>
-        </p:txBody>
-      </p:sp>
-      <p:sp>
-        <p:nvSpPr>
-          <p:cNvPr id="11" name="內容版面配置區 10"/>
-          <p:cNvSpPr>
-            <a:spLocks noGrp="1"/>
-          </p:cNvSpPr>
-          <p:nvPr>
-            <p:ph sz="quarter" idx="2"/>
-          </p:nvPr>
-        </p:nvSpPr>
+            <a:endParaRPr lang="en-US" dirty="0"/>
+          </a:p>
+        </p:txBody>
+      </p:sp>
+      <p:pic>
+        <p:nvPicPr>
+          <p:cNvPr id="9" name="Picture 8" descr="flourish2.png"/>
+          <p:cNvPicPr>
+            <a:picLocks noChangeAspect="1"/>
+          </p:cNvPicPr>
+          <p:nvPr/>
+        </p:nvPicPr>
+        <p:blipFill>
+          <a:blip r:embed="rId2">
+            <a:duotone>
+              <a:prstClr val="black"/>
+              <a:schemeClr val="tx2">
+                <a:tint val="45000"/>
+                <a:satMod val="400000"/>
+              </a:schemeClr>
+            </a:duotone>
+            <a:lum bright="-14000"/>
+          </a:blip>
+          <a:stretch>
+            <a:fillRect/>
+          </a:stretch>
+        </p:blipFill>
         <p:spPr>
           <a:xfrm>
-            <a:off x="4933950" y="1447800"/>
-            <a:ext cx="3749040" cy="4572000"/>
+            <a:off x="0" y="1618488"/>
+            <a:ext cx="9144000" cy="932688"/>
           </a:xfrm>
+          <a:prstGeom prst="rect">
+            <a:avLst/>
+          </a:prstGeom>
         </p:spPr>
-        <p:txBody>
-          <a:bodyPr vert="horz"/>
-          <a:lstStyle/>
-          <a:p>
-            <a:pPr lvl="0" eaLnBrk="1" latinLnBrk="0" hangingPunct="1"/>
-            <a:r>
-              <a:rPr lang="zh-TW" altLang="en-US" smtClean="0"/>
-              <a:t>按一下以編輯母片文字樣式</a:t>
-            </a:r>
-          </a:p>
-          <a:p>
-            <a:pPr lvl="1" eaLnBrk="1" latinLnBrk="0" hangingPunct="1"/>
-            <a:r>
-              <a:rPr lang="zh-TW" altLang="en-US" smtClean="0"/>
-              <a:t>第二層</a:t>
-            </a:r>
-          </a:p>
-          <a:p>
-            <a:pPr lvl="2" eaLnBrk="1" latinLnBrk="0" hangingPunct="1"/>
-            <a:r>
-              <a:rPr lang="zh-TW" altLang="en-US" smtClean="0"/>
-              <a:t>第三層</a:t>
-            </a:r>
-          </a:p>
-          <a:p>
-            <a:pPr lvl="3" eaLnBrk="1" latinLnBrk="0" hangingPunct="1"/>
-            <a:r>
-              <a:rPr lang="zh-TW" altLang="en-US" smtClean="0"/>
-              <a:t>第四層</a:t>
-            </a:r>
-          </a:p>
-          <a:p>
-            <a:pPr lvl="4" eaLnBrk="1" latinLnBrk="0" hangingPunct="1"/>
-            <a:r>
-              <a:rPr lang="zh-TW" altLang="en-US" smtClean="0"/>
-              <a:t>第五層</a:t>
-            </a:r>
-            <a:endParaRPr kumimoji="0" lang="en-US"/>
-          </a:p>
-        </p:txBody>
-      </p:sp>
+      </p:pic>
     </p:spTree>
   </p:cSld>
   <p:clrMapOvr>
@@ -1784,24 +1544,171 @@
           <a:chExt cx="0" cy="0"/>
         </a:xfrm>
       </p:grpSpPr>
-      <p:sp>
-        <p:nvSpPr>
-          <p:cNvPr id="2" name="標題 1"/>
-          <p:cNvSpPr>
-            <a:spLocks noGrp="1"/>
-          </p:cNvSpPr>
-          <p:nvPr>
-            <p:ph type="title"/>
-          </p:nvPr>
-        </p:nvSpPr>
+      <p:pic>
+        <p:nvPicPr>
+          <p:cNvPr id="12" name="Picture 11" descr="flourish2.png"/>
+          <p:cNvPicPr>
+            <a:picLocks noChangeAspect="1"/>
+          </p:cNvPicPr>
+          <p:nvPr/>
+        </p:nvPicPr>
+        <p:blipFill>
+          <a:blip r:embed="rId2">
+            <a:clrChange>
+              <a:clrFrom>
+                <a:srgbClr val="000000">
+                  <a:alpha val="0"/>
+                </a:srgbClr>
+              </a:clrFrom>
+              <a:clrTo>
+                <a:srgbClr val="000000">
+                  <a:alpha val="0"/>
+                </a:srgbClr>
+              </a:clrTo>
+            </a:clrChange>
+            <a:lum bright="-14000"/>
+          </a:blip>
+          <a:stretch>
+            <a:fillRect/>
+          </a:stretch>
+        </p:blipFill>
         <p:spPr>
           <a:xfrm>
-            <a:off x="914400" y="273050"/>
-            <a:ext cx="7772400" cy="1143000"/>
+            <a:off x="0" y="1618488"/>
+            <a:ext cx="9144000" cy="932688"/>
+          </a:xfrm>
+          <a:prstGeom prst="rect">
+            <a:avLst/>
+          </a:prstGeom>
+        </p:spPr>
+      </p:pic>
+      <p:sp>
+        <p:nvSpPr>
+          <p:cNvPr id="11" name="Content Placeholder 10"/>
+          <p:cNvSpPr>
+            <a:spLocks noGrp="1"/>
+          </p:cNvSpPr>
+          <p:nvPr>
+            <p:ph sz="quarter" idx="13"/>
+          </p:nvPr>
+        </p:nvSpPr>
+        <p:spPr>
+          <a:xfrm>
+            <a:off x="1371600" y="2819400"/>
+            <a:ext cx="3124200" cy="2743200"/>
           </a:xfrm>
         </p:spPr>
         <p:txBody>
-          <a:bodyPr anchor="b" anchorCtr="0"/>
+          <a:bodyPr/>
+          <a:lstStyle/>
+          <a:p>
+            <a:pPr lvl="0"/>
+            <a:r>
+              <a:rPr lang="zh-TW" altLang="en-US" smtClean="0"/>
+              <a:t>按一下以編輯母片文字樣式</a:t>
+            </a:r>
+          </a:p>
+          <a:p>
+            <a:pPr lvl="1"/>
+            <a:r>
+              <a:rPr lang="zh-TW" altLang="en-US" smtClean="0"/>
+              <a:t>第二層</a:t>
+            </a:r>
+          </a:p>
+          <a:p>
+            <a:pPr lvl="2"/>
+            <a:r>
+              <a:rPr lang="zh-TW" altLang="en-US" smtClean="0"/>
+              <a:t>第三層</a:t>
+            </a:r>
+          </a:p>
+          <a:p>
+            <a:pPr lvl="3"/>
+            <a:r>
+              <a:rPr lang="zh-TW" altLang="en-US" smtClean="0"/>
+              <a:t>第四層</a:t>
+            </a:r>
+          </a:p>
+          <a:p>
+            <a:pPr lvl="4"/>
+            <a:r>
+              <a:rPr lang="zh-TW" altLang="en-US" smtClean="0"/>
+              <a:t>第五層</a:t>
+            </a:r>
+            <a:endParaRPr lang="en-US" dirty="0"/>
+          </a:p>
+        </p:txBody>
+      </p:sp>
+      <p:sp>
+        <p:nvSpPr>
+          <p:cNvPr id="13" name="Content Placeholder 12"/>
+          <p:cNvSpPr>
+            <a:spLocks noGrp="1"/>
+          </p:cNvSpPr>
+          <p:nvPr>
+            <p:ph sz="quarter" idx="14"/>
+          </p:nvPr>
+        </p:nvSpPr>
+        <p:spPr>
+          <a:xfrm>
+            <a:off x="4648200" y="2819400"/>
+            <a:ext cx="3124200" cy="2743200"/>
+          </a:xfrm>
+        </p:spPr>
+        <p:txBody>
+          <a:bodyPr/>
+          <a:lstStyle/>
+          <a:p>
+            <a:pPr lvl="0"/>
+            <a:r>
+              <a:rPr lang="zh-TW" altLang="en-US" smtClean="0"/>
+              <a:t>按一下以編輯母片文字樣式</a:t>
+            </a:r>
+          </a:p>
+          <a:p>
+            <a:pPr lvl="1"/>
+            <a:r>
+              <a:rPr lang="zh-TW" altLang="en-US" smtClean="0"/>
+              <a:t>第二層</a:t>
+            </a:r>
+          </a:p>
+          <a:p>
+            <a:pPr lvl="2"/>
+            <a:r>
+              <a:rPr lang="zh-TW" altLang="en-US" smtClean="0"/>
+              <a:t>第三層</a:t>
+            </a:r>
+          </a:p>
+          <a:p>
+            <a:pPr lvl="3"/>
+            <a:r>
+              <a:rPr lang="zh-TW" altLang="en-US" smtClean="0"/>
+              <a:t>第四層</a:t>
+            </a:r>
+          </a:p>
+          <a:p>
+            <a:pPr lvl="4"/>
+            <a:r>
+              <a:rPr lang="zh-TW" altLang="en-US" smtClean="0"/>
+              <a:t>第五層</a:t>
+            </a:r>
+            <a:endParaRPr lang="en-US" dirty="0"/>
+          </a:p>
+        </p:txBody>
+      </p:sp>
+      <p:sp>
+        <p:nvSpPr>
+          <p:cNvPr id="2" name="Title 1"/>
+          <p:cNvSpPr>
+            <a:spLocks noGrp="1"/>
+          </p:cNvSpPr>
+          <p:nvPr>
+            <p:ph type="title"/>
+          </p:nvPr>
+        </p:nvSpPr>
+        <p:spPr/>
+        <p:txBody>
+          <a:bodyPr/>
           <a:lstStyle>
             <a:lvl1pPr>
               <a:defRPr/>
@@ -1809,16 +1716,16 @@
           </a:lstStyle>
           <a:p>
             <a:r>
-              <a:rPr kumimoji="0" lang="zh-TW" altLang="en-US" smtClean="0"/>
+              <a:rPr lang="zh-TW" altLang="en-US" smtClean="0"/>
               <a:t>按一下以編輯母片標題樣式</a:t>
             </a:r>
-            <a:endParaRPr kumimoji="0" lang="en-US"/>
-          </a:p>
-        </p:txBody>
-      </p:sp>
-      <p:sp>
-        <p:nvSpPr>
-          <p:cNvPr id="3" name="文字版面配置區 2"/>
+            <a:endParaRPr lang="en-US"/>
+          </a:p>
+        </p:txBody>
+      </p:sp>
+      <p:sp>
+        <p:nvSpPr>
+          <p:cNvPr id="3" name="Text Placeholder 2"/>
           <p:cNvSpPr>
             <a:spLocks noGrp="1"/>
           </p:cNvSpPr>
@@ -1828,52 +1735,54 @@
         </p:nvSpPr>
         <p:spPr>
           <a:xfrm>
-            <a:off x="914400" y="1447800"/>
-            <a:ext cx="3733800" cy="762000"/>
+            <a:off x="1371600" y="2362201"/>
+            <a:ext cx="3125788" cy="451338"/>
           </a:xfrm>
-          <a:noFill/>
-          <a:ln w="12700" cap="sq" cmpd="sng" algn="ctr">
-            <a:noFill/>
-            <a:prstDash val="solid"/>
-          </a:ln>
         </p:spPr>
         <p:txBody>
-          <a:bodyPr lIns="91440" anchor="b" anchorCtr="0">
-            <a:noAutofit/>
-          </a:bodyPr>
+          <a:bodyPr anchor="b"/>
           <a:lstStyle>
-            <a:lvl1pPr marL="0" indent="0">
-              <a:buNone/>
-              <a:defRPr sz="2400" b="1">
-                <a:solidFill>
-                  <a:schemeClr val="accent1"/>
-                </a:solidFill>
-                <a:latin typeface="+mj-lt"/>
-                <a:ea typeface="+mj-ea"/>
-                <a:cs typeface="+mj-cs"/>
-              </a:defRPr>
+            <a:lvl1pPr marL="0" indent="0" algn="ctr">
+              <a:buNone/>
+              <a:defRPr sz="1800" b="1" baseline="0"/>
             </a:lvl1pPr>
-            <a:lvl2pPr>
+            <a:lvl2pPr marL="457200" indent="0">
               <a:buNone/>
               <a:defRPr sz="2000" b="1"/>
             </a:lvl2pPr>
-            <a:lvl3pPr>
+            <a:lvl3pPr marL="914400" indent="0">
               <a:buNone/>
               <a:defRPr sz="1800" b="1"/>
             </a:lvl3pPr>
-            <a:lvl4pPr>
+            <a:lvl4pPr marL="1371600" indent="0">
               <a:buNone/>
               <a:defRPr sz="1600" b="1"/>
             </a:lvl4pPr>
-            <a:lvl5pPr>
+            <a:lvl5pPr marL="1828800" indent="0">
               <a:buNone/>
               <a:defRPr sz="1600" b="1"/>
             </a:lvl5pPr>
+            <a:lvl6pPr marL="2286000" indent="0">
+              <a:buNone/>
+              <a:defRPr sz="1600" b="1"/>
+            </a:lvl6pPr>
+            <a:lvl7pPr marL="2743200" indent="0">
+              <a:buNone/>
+              <a:defRPr sz="1600" b="1"/>
+            </a:lvl7pPr>
+            <a:lvl8pPr marL="3200400" indent="0">
+              <a:buNone/>
+              <a:defRPr sz="1600" b="1"/>
+            </a:lvl8pPr>
+            <a:lvl9pPr marL="3657600" indent="0">
+              <a:buNone/>
+              <a:defRPr sz="1600" b="1"/>
+            </a:lvl9pPr>
           </a:lstStyle>
           <a:p>
-            <a:pPr lvl="0" eaLnBrk="1" latinLnBrk="0" hangingPunct="1"/>
-            <a:r>
-              <a:rPr kumimoji="0" lang="zh-TW" altLang="en-US" smtClean="0"/>
+            <a:pPr lvl="0"/>
+            <a:r>
+              <a:rPr lang="zh-TW" altLang="en-US" smtClean="0"/>
               <a:t>按一下以編輯母片文字樣式</a:t>
             </a:r>
           </a:p>
@@ -1881,62 +1790,64 @@
       </p:sp>
       <p:sp>
         <p:nvSpPr>
-          <p:cNvPr id="4" name="文字版面配置區 3"/>
-          <p:cNvSpPr>
-            <a:spLocks noGrp="1"/>
-          </p:cNvSpPr>
-          <p:nvPr>
-            <p:ph type="body" sz="half" idx="3"/>
+          <p:cNvPr id="5" name="Text Placeholder 4"/>
+          <p:cNvSpPr>
+            <a:spLocks noGrp="1"/>
+          </p:cNvSpPr>
+          <p:nvPr>
+            <p:ph type="body" sz="quarter" idx="3"/>
           </p:nvPr>
         </p:nvSpPr>
         <p:spPr>
           <a:xfrm>
-            <a:off x="4953000" y="1447800"/>
-            <a:ext cx="3733800" cy="762000"/>
+            <a:off x="4645025" y="2359152"/>
+            <a:ext cx="3127375" cy="448056"/>
           </a:xfrm>
-          <a:noFill/>
-          <a:ln w="12700" cap="sq" cmpd="sng" algn="ctr">
-            <a:noFill/>
-            <a:prstDash val="solid"/>
-          </a:ln>
         </p:spPr>
         <p:txBody>
-          <a:bodyPr lIns="91440" anchor="b" anchorCtr="0">
-            <a:noAutofit/>
-          </a:bodyPr>
+          <a:bodyPr anchor="b"/>
           <a:lstStyle>
-            <a:lvl1pPr marL="0" indent="0">
-              <a:buNone/>
-              <a:defRPr sz="2400" b="1">
-                <a:solidFill>
-                  <a:schemeClr val="accent1"/>
-                </a:solidFill>
-                <a:latin typeface="+mj-lt"/>
-                <a:ea typeface="+mj-ea"/>
-                <a:cs typeface="+mj-cs"/>
-              </a:defRPr>
+            <a:lvl1pPr marL="0" indent="0" algn="ctr">
+              <a:buNone/>
+              <a:defRPr sz="1800" b="1" baseline="0"/>
             </a:lvl1pPr>
-            <a:lvl2pPr>
+            <a:lvl2pPr marL="457200" indent="0">
               <a:buNone/>
               <a:defRPr sz="2000" b="1"/>
             </a:lvl2pPr>
-            <a:lvl3pPr>
+            <a:lvl3pPr marL="914400" indent="0">
               <a:buNone/>
               <a:defRPr sz="1800" b="1"/>
             </a:lvl3pPr>
-            <a:lvl4pPr>
+            <a:lvl4pPr marL="1371600" indent="0">
               <a:buNone/>
               <a:defRPr sz="1600" b="1"/>
             </a:lvl4pPr>
-            <a:lvl5pPr>
+            <a:lvl5pPr marL="1828800" indent="0">
               <a:buNone/>
               <a:defRPr sz="1600" b="1"/>
             </a:lvl5pPr>
+            <a:lvl6pPr marL="2286000" indent="0">
+              <a:buNone/>
+              <a:defRPr sz="1600" b="1"/>
+            </a:lvl6pPr>
+            <a:lvl7pPr marL="2743200" indent="0">
+              <a:buNone/>
+              <a:defRPr sz="1600" b="1"/>
+            </a:lvl7pPr>
+            <a:lvl8pPr marL="3200400" indent="0">
+              <a:buNone/>
+              <a:defRPr sz="1600" b="1"/>
+            </a:lvl8pPr>
+            <a:lvl9pPr marL="3657600" indent="0">
+              <a:buNone/>
+              <a:defRPr sz="1600" b="1"/>
+            </a:lvl9pPr>
           </a:lstStyle>
           <a:p>
-            <a:pPr lvl="0" eaLnBrk="1" latinLnBrk="0" hangingPunct="1"/>
-            <a:r>
-              <a:rPr kumimoji="0" lang="zh-TW" altLang="en-US" smtClean="0"/>
+            <a:pPr lvl="0"/>
+            <a:r>
+              <a:rPr lang="zh-TW" altLang="en-US" smtClean="0"/>
               <a:t>按一下以編輯母片文字樣式</a:t>
             </a:r>
           </a:p>
@@ -1944,7 +1855,7 @@
       </p:sp>
       <p:sp>
         <p:nvSpPr>
-          <p:cNvPr id="7" name="日期版面配置區 6"/>
+          <p:cNvPr id="7" name="Date Placeholder 6"/>
           <p:cNvSpPr>
             <a:spLocks noGrp="1"/>
           </p:cNvSpPr>
@@ -1968,7 +1879,7 @@
       </p:sp>
       <p:sp>
         <p:nvSpPr>
-          <p:cNvPr id="8" name="頁尾版面配置區 7"/>
+          <p:cNvPr id="8" name="Footer Placeholder 7"/>
           <p:cNvSpPr>
             <a:spLocks noGrp="1"/>
           </p:cNvSpPr>
@@ -1987,7 +1898,7 @@
       </p:sp>
       <p:sp>
         <p:nvSpPr>
-          <p:cNvPr id="9" name="投影片編號版面配置區 8"/>
+          <p:cNvPr id="9" name="Slide Number Placeholder 8"/>
           <p:cNvSpPr>
             <a:spLocks noGrp="1"/>
           </p:cNvSpPr>
@@ -2006,120 +1917,6 @@
               <a:t>‹#›</a:t>
             </a:fld>
             <a:endParaRPr lang="zh-TW" altLang="en-US"/>
-          </a:p>
-        </p:txBody>
-      </p:sp>
-      <p:sp>
-        <p:nvSpPr>
-          <p:cNvPr id="11" name="內容版面配置區 10"/>
-          <p:cNvSpPr>
-            <a:spLocks noGrp="1"/>
-          </p:cNvSpPr>
-          <p:nvPr>
-            <p:ph sz="half" idx="2"/>
-          </p:nvPr>
-        </p:nvSpPr>
-        <p:spPr>
-          <a:xfrm>
-            <a:off x="914400" y="2247900"/>
-            <a:ext cx="3733800" cy="3886200"/>
-          </a:xfrm>
-        </p:spPr>
-        <p:txBody>
-          <a:bodyPr vert="horz"/>
-          <a:lstStyle/>
-          <a:p>
-            <a:pPr lvl="0" eaLnBrk="1" latinLnBrk="0" hangingPunct="1"/>
-            <a:r>
-              <a:rPr lang="zh-TW" altLang="en-US" smtClean="0"/>
-              <a:t>按一下以編輯母片文字樣式</a:t>
-            </a:r>
-          </a:p>
-          <a:p>
-            <a:pPr lvl="1" eaLnBrk="1" latinLnBrk="0" hangingPunct="1"/>
-            <a:r>
-              <a:rPr lang="zh-TW" altLang="en-US" smtClean="0"/>
-              <a:t>第二層</a:t>
-            </a:r>
-          </a:p>
-          <a:p>
-            <a:pPr lvl="2" eaLnBrk="1" latinLnBrk="0" hangingPunct="1"/>
-            <a:r>
-              <a:rPr lang="zh-TW" altLang="en-US" smtClean="0"/>
-              <a:t>第三層</a:t>
-            </a:r>
-          </a:p>
-          <a:p>
-            <a:pPr lvl="3" eaLnBrk="1" latinLnBrk="0" hangingPunct="1"/>
-            <a:r>
-              <a:rPr lang="zh-TW" altLang="en-US" smtClean="0"/>
-              <a:t>第四層</a:t>
-            </a:r>
-          </a:p>
-          <a:p>
-            <a:pPr lvl="4" eaLnBrk="1" latinLnBrk="0" hangingPunct="1"/>
-            <a:r>
-              <a:rPr lang="zh-TW" altLang="en-US" smtClean="0"/>
-              <a:t>第五層</a:t>
-            </a:r>
-            <a:endParaRPr kumimoji="0" lang="en-US"/>
-          </a:p>
-        </p:txBody>
-      </p:sp>
-      <p:sp>
-        <p:nvSpPr>
-          <p:cNvPr id="13" name="內容版面配置區 12"/>
-          <p:cNvSpPr>
-            <a:spLocks noGrp="1"/>
-          </p:cNvSpPr>
-          <p:nvPr>
-            <p:ph sz="half" idx="4"/>
-          </p:nvPr>
-        </p:nvSpPr>
-        <p:spPr>
-          <a:xfrm>
-            <a:off x="4953000" y="2247900"/>
-            <a:ext cx="3733800" cy="3886200"/>
-          </a:xfrm>
-        </p:spPr>
-        <p:txBody>
-          <a:bodyPr vert="horz"/>
-          <a:lstStyle/>
-          <a:p>
-            <a:pPr lvl="0" eaLnBrk="1" latinLnBrk="0" hangingPunct="1"/>
-            <a:r>
-              <a:rPr lang="zh-TW" altLang="en-US" smtClean="0"/>
-              <a:t>按一下以編輯母片文字樣式</a:t>
-            </a:r>
-          </a:p>
-          <a:p>
-            <a:pPr lvl="1" eaLnBrk="1" latinLnBrk="0" hangingPunct="1"/>
-            <a:r>
-              <a:rPr lang="zh-TW" altLang="en-US" smtClean="0"/>
-              <a:t>第二層</a:t>
-            </a:r>
-          </a:p>
-          <a:p>
-            <a:pPr lvl="2" eaLnBrk="1" latinLnBrk="0" hangingPunct="1"/>
-            <a:r>
-              <a:rPr lang="zh-TW" altLang="en-US" smtClean="0"/>
-              <a:t>第三層</a:t>
-            </a:r>
-          </a:p>
-          <a:p>
-            <a:pPr lvl="3" eaLnBrk="1" latinLnBrk="0" hangingPunct="1"/>
-            <a:r>
-              <a:rPr lang="zh-TW" altLang="en-US" smtClean="0"/>
-              <a:t>第四層</a:t>
-            </a:r>
-          </a:p>
-          <a:p>
-            <a:pPr lvl="4" eaLnBrk="1" latinLnBrk="0" hangingPunct="1"/>
-            <a:r>
-              <a:rPr lang="zh-TW" altLang="en-US" smtClean="0"/>
-              <a:t>第五層</a:t>
-            </a:r>
-            <a:endParaRPr kumimoji="0" lang="en-US"/>
           </a:p>
         </p:txBody>
       </p:sp>
@@ -2150,7 +1947,7 @@
       </p:grpSpPr>
       <p:sp>
         <p:nvSpPr>
-          <p:cNvPr id="2" name="標題 1"/>
+          <p:cNvPr id="2" name="Title 1"/>
           <p:cNvSpPr>
             <a:spLocks noGrp="1"/>
           </p:cNvSpPr>
@@ -2164,16 +1961,16 @@
           <a:lstStyle/>
           <a:p>
             <a:r>
-              <a:rPr kumimoji="0" lang="zh-TW" altLang="en-US" smtClean="0"/>
+              <a:rPr lang="zh-TW" altLang="en-US" smtClean="0"/>
               <a:t>按一下以編輯母片標題樣式</a:t>
             </a:r>
-            <a:endParaRPr kumimoji="0" lang="en-US"/>
-          </a:p>
-        </p:txBody>
-      </p:sp>
-      <p:sp>
-        <p:nvSpPr>
-          <p:cNvPr id="3" name="日期版面配置區 2"/>
+            <a:endParaRPr lang="en-US"/>
+          </a:p>
+        </p:txBody>
+      </p:sp>
+      <p:sp>
+        <p:nvSpPr>
+          <p:cNvPr id="3" name="Date Placeholder 2"/>
           <p:cNvSpPr>
             <a:spLocks noGrp="1"/>
           </p:cNvSpPr>
@@ -2197,7 +1994,7 @@
       </p:sp>
       <p:sp>
         <p:nvSpPr>
-          <p:cNvPr id="4" name="頁尾版面配置區 3"/>
+          <p:cNvPr id="4" name="Footer Placeholder 3"/>
           <p:cNvSpPr>
             <a:spLocks noGrp="1"/>
           </p:cNvSpPr>
@@ -2216,7 +2013,7 @@
       </p:sp>
       <p:sp>
         <p:nvSpPr>
-          <p:cNvPr id="5" name="投影片編號版面配置區 4"/>
+          <p:cNvPr id="5" name="Slide Number Placeholder 4"/>
           <p:cNvSpPr>
             <a:spLocks noGrp="1"/>
           </p:cNvSpPr>
@@ -2238,6 +2035,39 @@
           </a:p>
         </p:txBody>
       </p:sp>
+      <p:pic>
+        <p:nvPicPr>
+          <p:cNvPr id="7" name="Picture 6" descr="flourish2.png"/>
+          <p:cNvPicPr>
+            <a:picLocks noChangeAspect="1"/>
+          </p:cNvPicPr>
+          <p:nvPr/>
+        </p:nvPicPr>
+        <p:blipFill>
+          <a:blip r:embed="rId2">
+            <a:duotone>
+              <a:prstClr val="black"/>
+              <a:schemeClr val="tx2">
+                <a:tint val="45000"/>
+                <a:satMod val="400000"/>
+              </a:schemeClr>
+            </a:duotone>
+            <a:lum bright="-14000"/>
+          </a:blip>
+          <a:stretch>
+            <a:fillRect/>
+          </a:stretch>
+        </p:blipFill>
+        <p:spPr>
+          <a:xfrm>
+            <a:off x="0" y="1618488"/>
+            <a:ext cx="9144000" cy="932688"/>
+          </a:xfrm>
+          <a:prstGeom prst="rect">
+            <a:avLst/>
+          </a:prstGeom>
+        </p:spPr>
+      </p:pic>
     </p:spTree>
   </p:cSld>
   <p:clrMapOvr>
@@ -2265,7 +2095,7 @@
       </p:grpSpPr>
       <p:sp>
         <p:nvSpPr>
-          <p:cNvPr id="2" name="日期版面配置區 1"/>
+          <p:cNvPr id="5" name="Date Placeholder 4"/>
           <p:cNvSpPr>
             <a:spLocks noGrp="1"/>
           </p:cNvSpPr>
@@ -2289,7 +2119,7 @@
       </p:sp>
       <p:sp>
         <p:nvSpPr>
-          <p:cNvPr id="3" name="頁尾版面配置區 2"/>
+          <p:cNvPr id="6" name="Footer Placeholder 5"/>
           <p:cNvSpPr>
             <a:spLocks noGrp="1"/>
           </p:cNvSpPr>
@@ -2308,7 +2138,7 @@
       </p:sp>
       <p:sp>
         <p:nvSpPr>
-          <p:cNvPr id="4" name="投影片編號版面配置區 3"/>
+          <p:cNvPr id="7" name="Slide Number Placeholder 6"/>
           <p:cNvSpPr>
             <a:spLocks noGrp="1"/>
           </p:cNvSpPr>
@@ -2357,176 +2187,98 @@
       </p:grpSpPr>
       <p:sp>
         <p:nvSpPr>
-          <p:cNvPr id="8" name="矩形 7"/>
-          <p:cNvSpPr/>
-          <p:nvPr/>
+          <p:cNvPr id="2" name="Title 1"/>
+          <p:cNvSpPr>
+            <a:spLocks noGrp="1"/>
+          </p:cNvSpPr>
+          <p:nvPr>
+            <p:ph type="title"/>
+          </p:nvPr>
         </p:nvSpPr>
         <p:spPr>
           <a:xfrm>
-            <a:off x="0" y="0"/>
-            <a:ext cx="9144000" cy="6858000"/>
+            <a:off x="4953001" y="1676400"/>
+            <a:ext cx="2819399" cy="599440"/>
           </a:xfrm>
-          <a:prstGeom prst="rect">
-            <a:avLst/>
-          </a:prstGeom>
-          <a:solidFill>
-            <a:srgbClr val="FFFFFF"/>
-          </a:solidFill>
-          <a:ln w="19050" cap="sq" cmpd="sng" algn="ctr">
-            <a:noFill/>
-            <a:prstDash val="solid"/>
-          </a:ln>
-          <a:effectLst/>
         </p:spPr>
-        <p:style>
-          <a:lnRef idx="3">
-            <a:schemeClr val="lt1"/>
-          </a:lnRef>
-          <a:fillRef idx="1">
-            <a:schemeClr val="accent1"/>
-          </a:fillRef>
-          <a:effectRef idx="1">
-            <a:schemeClr val="accent1"/>
-          </a:effectRef>
-          <a:fontRef idx="minor">
-            <a:schemeClr val="lt1"/>
-          </a:fontRef>
-        </p:style>
-        <p:txBody>
-          <a:bodyPr anchor="ctr"/>
-          <a:lstStyle/>
-          <a:p>
-            <a:pPr algn="ctr" eaLnBrk="1" latinLnBrk="0" hangingPunct="1"/>
-            <a:endParaRPr kumimoji="0" lang="en-US"/>
-          </a:p>
-        </p:txBody>
-      </p:sp>
-      <p:sp useBgFill="1">
-        <p:nvSpPr>
-          <p:cNvPr id="9" name="圓角矩形 8"/>
-          <p:cNvSpPr/>
-          <p:nvPr/>
+        <p:txBody>
+          <a:bodyPr anchor="b">
+            <a:noAutofit/>
+          </a:bodyPr>
+          <a:lstStyle>
+            <a:lvl1pPr algn="ctr">
+              <a:defRPr sz="1700" b="1" cap="all" spc="0" baseline="0"/>
+            </a:lvl1pPr>
+          </a:lstStyle>
+          <a:p>
+            <a:r>
+              <a:rPr lang="zh-TW" altLang="en-US" smtClean="0"/>
+              <a:t>按一下以編輯母片標題樣式</a:t>
+            </a:r>
+            <a:endParaRPr lang="en-US" dirty="0"/>
+          </a:p>
+        </p:txBody>
+      </p:sp>
+      <p:sp>
+        <p:nvSpPr>
+          <p:cNvPr id="4" name="Text Placeholder 3"/>
+          <p:cNvSpPr>
+            <a:spLocks noGrp="1"/>
+          </p:cNvSpPr>
+          <p:nvPr>
+            <p:ph type="body" sz="half" idx="2"/>
+          </p:nvPr>
         </p:nvSpPr>
         <p:spPr>
           <a:xfrm>
-            <a:off x="64008" y="69755"/>
-            <a:ext cx="9013372" cy="6693408"/>
-          </a:xfrm>
-          <a:prstGeom prst="roundRect">
-            <a:avLst>
-              <a:gd name="adj" fmla="val 4929"/>
-            </a:avLst>
-          </a:prstGeom>
-          <a:ln w="6350" cap="sq" cmpd="sng" algn="ctr">
-            <a:solidFill>
-              <a:schemeClr val="tx1">
-                <a:alpha val="100000"/>
-              </a:schemeClr>
-            </a:solidFill>
-            <a:prstDash val="solid"/>
-          </a:ln>
-          <a:effectLst/>
-        </p:spPr>
-        <p:style>
-          <a:lnRef idx="3">
-            <a:schemeClr val="lt1"/>
-          </a:lnRef>
-          <a:fillRef idx="1001">
-            <a:schemeClr val="lt1"/>
-          </a:fillRef>
-          <a:effectRef idx="1">
-            <a:schemeClr val="accent1"/>
-          </a:effectRef>
-          <a:fontRef idx="minor">
-            <a:schemeClr val="lt1"/>
-          </a:fontRef>
-        </p:style>
-        <p:txBody>
-          <a:bodyPr anchor="ctr"/>
-          <a:lstStyle/>
-          <a:p>
-            <a:pPr algn="ctr" eaLnBrk="1" latinLnBrk="0" hangingPunct="1"/>
-            <a:endParaRPr kumimoji="0" lang="en-US"/>
-          </a:p>
-        </p:txBody>
-      </p:sp>
-      <p:sp>
-        <p:nvSpPr>
-          <p:cNvPr id="2" name="標題 1"/>
-          <p:cNvSpPr>
-            <a:spLocks noGrp="1"/>
-          </p:cNvSpPr>
-          <p:nvPr>
-            <p:ph type="title"/>
-          </p:nvPr>
-        </p:nvSpPr>
-        <p:spPr>
-          <a:xfrm>
-            <a:off x="914400" y="273050"/>
-            <a:ext cx="7772400" cy="1143000"/>
+            <a:off x="4953001" y="2275840"/>
+            <a:ext cx="2819399" cy="2905760"/>
           </a:xfrm>
         </p:spPr>
         <p:txBody>
-          <a:bodyPr anchor="b" anchorCtr="0"/>
+          <a:bodyPr/>
           <a:lstStyle>
-            <a:lvl1pPr algn="l">
-              <a:buNone/>
-              <a:defRPr sz="4000" b="0"/>
+            <a:lvl1pPr marL="0" indent="0" algn="ctr">
+              <a:buNone/>
+              <a:defRPr sz="1400"/>
             </a:lvl1pPr>
-          </a:lstStyle>
-          <a:p>
-            <a:r>
-              <a:rPr kumimoji="0" lang="zh-TW" altLang="en-US" smtClean="0"/>
-              <a:t>按一下以編輯母片標題樣式</a:t>
-            </a:r>
-            <a:endParaRPr kumimoji="0" lang="en-US"/>
-          </a:p>
-        </p:txBody>
-      </p:sp>
-      <p:sp>
-        <p:nvSpPr>
-          <p:cNvPr id="3" name="文字版面配置區 2"/>
-          <p:cNvSpPr>
-            <a:spLocks noGrp="1"/>
-          </p:cNvSpPr>
-          <p:nvPr>
-            <p:ph type="body" idx="2"/>
-          </p:nvPr>
-        </p:nvSpPr>
-        <p:spPr>
-          <a:xfrm>
-            <a:off x="914400" y="1600200"/>
-            <a:ext cx="1905000" cy="4495800"/>
-          </a:xfrm>
-        </p:spPr>
-        <p:txBody>
-          <a:bodyPr/>
-          <a:lstStyle>
-            <a:lvl1pPr marL="0" indent="0">
-              <a:buNone/>
-              <a:defRPr sz="1800"/>
-            </a:lvl1pPr>
-            <a:lvl2pPr>
+            <a:lvl2pPr marL="457200" indent="0">
               <a:buNone/>
               <a:defRPr sz="1200"/>
             </a:lvl2pPr>
-            <a:lvl3pPr>
+            <a:lvl3pPr marL="914400" indent="0">
               <a:buNone/>
               <a:defRPr sz="1000"/>
             </a:lvl3pPr>
-            <a:lvl4pPr>
+            <a:lvl4pPr marL="1371600" indent="0">
               <a:buNone/>
               <a:defRPr sz="900"/>
             </a:lvl4pPr>
-            <a:lvl5pPr>
+            <a:lvl5pPr marL="1828800" indent="0">
               <a:buNone/>
               <a:defRPr sz="900"/>
             </a:lvl5pPr>
+            <a:lvl6pPr marL="2286000" indent="0">
+              <a:buNone/>
+              <a:defRPr sz="900"/>
+            </a:lvl6pPr>
+            <a:lvl7pPr marL="2743200" indent="0">
+              <a:buNone/>
+              <a:defRPr sz="900"/>
+            </a:lvl7pPr>
+            <a:lvl8pPr marL="3200400" indent="0">
+              <a:buNone/>
+              <a:defRPr sz="900"/>
+            </a:lvl8pPr>
+            <a:lvl9pPr marL="3657600" indent="0">
+              <a:buNone/>
+              <a:defRPr sz="900"/>
+            </a:lvl9pPr>
           </a:lstStyle>
           <a:p>
-            <a:pPr lvl="0" eaLnBrk="1" latinLnBrk="0" hangingPunct="1"/>
-            <a:r>
-              <a:rPr kumimoji="0" lang="zh-TW" altLang="en-US" smtClean="0"/>
+            <a:pPr lvl="0"/>
+            <a:r>
+              <a:rPr lang="zh-TW" altLang="en-US" smtClean="0"/>
               <a:t>按一下以編輯母片文字樣式</a:t>
             </a:r>
           </a:p>
@@ -2534,7 +2286,7 @@
       </p:sp>
       <p:sp>
         <p:nvSpPr>
-          <p:cNvPr id="5" name="日期版面配置區 4"/>
+          <p:cNvPr id="5" name="Date Placeholder 4"/>
           <p:cNvSpPr>
             <a:spLocks noGrp="1"/>
           </p:cNvSpPr>
@@ -2558,7 +2310,7 @@
       </p:sp>
       <p:sp>
         <p:nvSpPr>
-          <p:cNvPr id="6" name="頁尾版面配置區 5"/>
+          <p:cNvPr id="6" name="Footer Placeholder 5"/>
           <p:cNvSpPr>
             <a:spLocks noGrp="1"/>
           </p:cNvSpPr>
@@ -2577,7 +2329,7 @@
       </p:sp>
       <p:sp>
         <p:nvSpPr>
-          <p:cNvPr id="7" name="投影片編號版面配置區 6"/>
+          <p:cNvPr id="7" name="Slide Number Placeholder 6"/>
           <p:cNvSpPr>
             <a:spLocks noGrp="1"/>
           </p:cNvSpPr>
@@ -2601,58 +2353,58 @@
       </p:sp>
       <p:sp>
         <p:nvSpPr>
-          <p:cNvPr id="11" name="內容版面配置區 10"/>
-          <p:cNvSpPr>
-            <a:spLocks noGrp="1"/>
-          </p:cNvSpPr>
-          <p:nvPr>
-            <p:ph sz="quarter" idx="1"/>
+          <p:cNvPr id="9" name="Content Placeholder 8"/>
+          <p:cNvSpPr>
+            <a:spLocks noGrp="1"/>
+          </p:cNvSpPr>
+          <p:nvPr>
+            <p:ph sz="quarter" idx="13"/>
           </p:nvPr>
         </p:nvSpPr>
         <p:spPr>
           <a:xfrm>
-            <a:off x="2971800" y="1600200"/>
-            <a:ext cx="5715000" cy="4495800"/>
+            <a:off x="1371600" y="1676400"/>
+            <a:ext cx="3276600" cy="3505200"/>
           </a:xfrm>
         </p:spPr>
         <p:txBody>
-          <a:bodyPr vert="horz"/>
-          <a:lstStyle/>
-          <a:p>
-            <a:pPr lvl="0" eaLnBrk="1" latinLnBrk="0" hangingPunct="1"/>
+          <a:bodyPr/>
+          <a:lstStyle/>
+          <a:p>
+            <a:pPr lvl="0"/>
             <a:r>
               <a:rPr lang="zh-TW" altLang="en-US" smtClean="0"/>
               <a:t>按一下以編輯母片文字樣式</a:t>
             </a:r>
           </a:p>
           <a:p>
-            <a:pPr lvl="1" eaLnBrk="1" latinLnBrk="0" hangingPunct="1"/>
+            <a:pPr lvl="1"/>
             <a:r>
               <a:rPr lang="zh-TW" altLang="en-US" smtClean="0"/>
               <a:t>第二層</a:t>
             </a:r>
           </a:p>
           <a:p>
-            <a:pPr lvl="2" eaLnBrk="1" latinLnBrk="0" hangingPunct="1"/>
+            <a:pPr lvl="2"/>
             <a:r>
               <a:rPr lang="zh-TW" altLang="en-US" smtClean="0"/>
               <a:t>第三層</a:t>
             </a:r>
           </a:p>
           <a:p>
-            <a:pPr lvl="3" eaLnBrk="1" latinLnBrk="0" hangingPunct="1"/>
+            <a:pPr lvl="3"/>
             <a:r>
               <a:rPr lang="zh-TW" altLang="en-US" smtClean="0"/>
               <a:t>第四層</a:t>
             </a:r>
           </a:p>
           <a:p>
-            <a:pPr lvl="4" eaLnBrk="1" latinLnBrk="0" hangingPunct="1"/>
+            <a:pPr lvl="4"/>
             <a:r>
               <a:rPr lang="zh-TW" altLang="en-US" smtClean="0"/>
               <a:t>第五層</a:t>
             </a:r>
-            <a:endParaRPr kumimoji="0" lang="en-US"/>
+            <a:endParaRPr lang="en-US" dirty="0"/>
           </a:p>
         </p:txBody>
       </p:sp>
@@ -2683,195 +2435,40 @@
       </p:grpSpPr>
       <p:sp>
         <p:nvSpPr>
-          <p:cNvPr id="2" name="標題 1"/>
-          <p:cNvSpPr>
-            <a:spLocks noGrp="1"/>
-          </p:cNvSpPr>
-          <p:nvPr>
-            <p:ph type="title"/>
-          </p:nvPr>
+          <p:cNvPr id="10" name="Plaque 9"/>
+          <p:cNvSpPr/>
+          <p:nvPr/>
         </p:nvSpPr>
         <p:spPr>
           <a:xfrm>
-            <a:off x="914400" y="4900550"/>
-            <a:ext cx="7315200" cy="522288"/>
+            <a:off x="1463040" y="1847088"/>
+            <a:ext cx="3090672" cy="3090672"/>
           </a:xfrm>
-        </p:spPr>
-        <p:txBody>
-          <a:bodyPr anchor="ctr">
-            <a:noAutofit/>
-          </a:bodyPr>
-          <a:lstStyle>
-            <a:lvl1pPr algn="l">
-              <a:buNone/>
-              <a:defRPr sz="2800" b="0"/>
-            </a:lvl1pPr>
-          </a:lstStyle>
-          <a:p>
-            <a:r>
-              <a:rPr kumimoji="0" lang="zh-TW" altLang="en-US" smtClean="0"/>
-              <a:t>按一下以編輯母片標題樣式</a:t>
-            </a:r>
-            <a:endParaRPr kumimoji="0" lang="en-US"/>
-          </a:p>
-        </p:txBody>
-      </p:sp>
-      <p:sp>
-        <p:nvSpPr>
-          <p:cNvPr id="4" name="文字版面配置區 3"/>
-          <p:cNvSpPr>
-            <a:spLocks noGrp="1"/>
-          </p:cNvSpPr>
-          <p:nvPr>
-            <p:ph type="body" sz="half" idx="2"/>
-          </p:nvPr>
-        </p:nvSpPr>
-        <p:spPr>
-          <a:xfrm>
-            <a:off x="914400" y="5445825"/>
-            <a:ext cx="7315200" cy="685800"/>
-          </a:xfrm>
-        </p:spPr>
-        <p:txBody>
-          <a:bodyPr/>
-          <a:lstStyle>
-            <a:lvl1pPr marL="0" indent="0">
-              <a:buFontTx/>
-              <a:buNone/>
-              <a:defRPr sz="1600"/>
-            </a:lvl1pPr>
-            <a:lvl2pPr>
-              <a:defRPr sz="1200"/>
-            </a:lvl2pPr>
-            <a:lvl3pPr>
-              <a:defRPr sz="1000"/>
-            </a:lvl3pPr>
-            <a:lvl4pPr>
-              <a:defRPr sz="900"/>
-            </a:lvl4pPr>
-            <a:lvl5pPr>
-              <a:defRPr sz="900"/>
-            </a:lvl5pPr>
-          </a:lstStyle>
-          <a:p>
-            <a:pPr lvl="0" eaLnBrk="1" latinLnBrk="0" hangingPunct="1"/>
-            <a:r>
-              <a:rPr kumimoji="0" lang="zh-TW" altLang="en-US" smtClean="0"/>
-              <a:t>按一下以編輯母片文字樣式</a:t>
-            </a:r>
-          </a:p>
-        </p:txBody>
-      </p:sp>
-      <p:sp>
-        <p:nvSpPr>
-          <p:cNvPr id="5" name="日期版面配置區 4"/>
-          <p:cNvSpPr>
-            <a:spLocks noGrp="1"/>
-          </p:cNvSpPr>
-          <p:nvPr>
-            <p:ph type="dt" sz="half" idx="10"/>
-          </p:nvPr>
-        </p:nvSpPr>
-        <p:spPr/>
-        <p:txBody>
-          <a:bodyPr/>
-          <a:lstStyle/>
-          <a:p>
-            <a:fld id="{5BBEAD13-0566-4C6C-97E7-55F17F24B09F}" type="datetimeFigureOut">
-              <a:rPr lang="zh-TW" altLang="en-US" smtClean="0"/>
-              <a:pPr/>
-              <a:t>2013/11/23</a:t>
-            </a:fld>
-            <a:endParaRPr lang="zh-TW" altLang="en-US"/>
-          </a:p>
-        </p:txBody>
-      </p:sp>
-      <p:sp>
-        <p:nvSpPr>
-          <p:cNvPr id="6" name="頁尾版面配置區 5"/>
-          <p:cNvSpPr>
-            <a:spLocks noGrp="1"/>
-          </p:cNvSpPr>
-          <p:nvPr>
-            <p:ph type="ftr" sz="quarter" idx="11"/>
-          </p:nvPr>
-        </p:nvSpPr>
-        <p:spPr>
-          <a:xfrm>
-            <a:off x="914400" y="6172200"/>
-            <a:ext cx="3886200" cy="457200"/>
-          </a:xfrm>
-        </p:spPr>
-        <p:txBody>
-          <a:bodyPr/>
-          <a:lstStyle/>
-          <a:p>
-            <a:endParaRPr lang="zh-TW" altLang="en-US"/>
-          </a:p>
-        </p:txBody>
-      </p:sp>
-      <p:sp>
-        <p:nvSpPr>
-          <p:cNvPr id="7" name="投影片編號版面配置區 6"/>
-          <p:cNvSpPr>
-            <a:spLocks noGrp="1"/>
-          </p:cNvSpPr>
-          <p:nvPr>
-            <p:ph type="sldNum" sz="quarter" idx="12"/>
-          </p:nvPr>
-        </p:nvSpPr>
-        <p:spPr>
-          <a:xfrm>
-            <a:off x="146304" y="6208776"/>
-            <a:ext cx="457200" cy="457200"/>
-          </a:xfrm>
-        </p:spPr>
-        <p:txBody>
-          <a:bodyPr/>
-          <a:lstStyle/>
-          <a:p>
-            <a:fld id="{73DA0BB7-265A-403C-9275-D587AB510EDC}" type="slidenum">
-              <a:rPr lang="zh-TW" altLang="en-US" smtClean="0"/>
-              <a:pPr/>
-              <a:t>‹#›</a:t>
-            </a:fld>
-            <a:endParaRPr lang="zh-TW" altLang="en-US"/>
-          </a:p>
-        </p:txBody>
-      </p:sp>
-      <p:sp>
-        <p:nvSpPr>
-          <p:cNvPr id="11" name="矩形 10"/>
-          <p:cNvSpPr/>
-          <p:nvPr/>
-        </p:nvSpPr>
-        <p:spPr>
-          <a:xfrm flipV="1">
-            <a:off x="68307" y="4683555"/>
-            <a:ext cx="9006840" cy="91440"/>
-          </a:xfrm>
-          <a:prstGeom prst="rect">
-            <a:avLst/>
+          <a:prstGeom prst="plaque">
+            <a:avLst>
+              <a:gd name="adj" fmla="val 8438"/>
+            </a:avLst>
           </a:prstGeom>
-          <a:solidFill>
-            <a:schemeClr val="accent1">
-              <a:alpha val="100000"/>
-            </a:schemeClr>
-          </a:solidFill>
-          <a:ln w="19050" cap="sq" cmpd="sng" algn="ctr">
-            <a:noFill/>
-            <a:prstDash val="solid"/>
+          <a:noFill/>
+          <a:ln w="9525">
+            <a:solidFill>
+              <a:schemeClr val="tx2">
+                <a:alpha val="17000"/>
+              </a:schemeClr>
+            </a:solidFill>
+            <a:miter lim="800000"/>
           </a:ln>
-          <a:effectLst/>
         </p:spPr>
         <p:style>
-          <a:lnRef idx="3">
-            <a:schemeClr val="lt1"/>
+          <a:lnRef idx="2">
+            <a:schemeClr val="accent1">
+              <a:shade val="50000"/>
+            </a:schemeClr>
           </a:lnRef>
           <a:fillRef idx="1">
             <a:schemeClr val="accent1"/>
           </a:fillRef>
-          <a:effectRef idx="1">
+          <a:effectRef idx="0">
             <a:schemeClr val="accent1"/>
           </a:effectRef>
           <a:fontRef idx="minor">
@@ -2879,152 +2476,263 @@
           </a:fontRef>
         </p:style>
         <p:txBody>
-          <a:bodyPr anchor="ctr"/>
-          <a:lstStyle/>
-          <a:p>
-            <a:pPr algn="ctr" eaLnBrk="1" latinLnBrk="0" hangingPunct="1"/>
-            <a:endParaRPr kumimoji="0" lang="en-US"/>
-          </a:p>
-        </p:txBody>
-      </p:sp>
-      <p:sp>
-        <p:nvSpPr>
-          <p:cNvPr id="12" name="矩形 11"/>
-          <p:cNvSpPr/>
-          <p:nvPr/>
+          <a:bodyPr rtlCol="0" anchor="ctr"/>
+          <a:lstStyle/>
+          <a:p>
+            <a:pPr algn="ctr"/>
+            <a:endParaRPr lang="en-US"/>
+          </a:p>
+        </p:txBody>
+      </p:sp>
+      <p:sp>
+        <p:nvSpPr>
+          <p:cNvPr id="2" name="Title 1"/>
+          <p:cNvSpPr>
+            <a:spLocks noGrp="1"/>
+          </p:cNvSpPr>
+          <p:nvPr>
+            <p:ph type="title"/>
+          </p:nvPr>
         </p:nvSpPr>
         <p:spPr>
           <a:xfrm>
-            <a:off x="68508" y="4650474"/>
-            <a:ext cx="9006639" cy="45719"/>
+            <a:off x="4953000" y="1676400"/>
+            <a:ext cx="2819400" cy="599440"/>
           </a:xfrm>
-          <a:prstGeom prst="rect">
-            <a:avLst/>
-          </a:prstGeom>
-          <a:solidFill>
-            <a:schemeClr val="accent1">
-              <a:tint val="60000"/>
-            </a:schemeClr>
-          </a:solidFill>
-          <a:ln w="19050" cap="sq" cmpd="sng" algn="ctr">
-            <a:noFill/>
-            <a:prstDash val="solid"/>
-          </a:ln>
-          <a:effectLst/>
         </p:spPr>
-        <p:style>
-          <a:lnRef idx="3">
-            <a:schemeClr val="lt1"/>
-          </a:lnRef>
-          <a:fillRef idx="1">
-            <a:schemeClr val="accent1"/>
-          </a:fillRef>
-          <a:effectRef idx="1">
-            <a:schemeClr val="accent1"/>
-          </a:effectRef>
-          <a:fontRef idx="minor">
-            <a:schemeClr val="lt1"/>
-          </a:fontRef>
-        </p:style>
-        <p:txBody>
-          <a:bodyPr anchor="ctr"/>
-          <a:lstStyle/>
-          <a:p>
-            <a:pPr algn="ctr" eaLnBrk="1" latinLnBrk="0" hangingPunct="1"/>
-            <a:endParaRPr kumimoji="0" lang="en-US"/>
-          </a:p>
-        </p:txBody>
-      </p:sp>
-      <p:sp>
-        <p:nvSpPr>
-          <p:cNvPr id="13" name="矩形 12"/>
-          <p:cNvSpPr/>
-          <p:nvPr/>
+        <p:txBody>
+          <a:bodyPr anchor="b">
+            <a:noAutofit/>
+          </a:bodyPr>
+          <a:lstStyle>
+            <a:lvl1pPr algn="ctr">
+              <a:defRPr sz="1700" b="1" cap="all" spc="0" baseline="0"/>
+            </a:lvl1pPr>
+          </a:lstStyle>
+          <a:p>
+            <a:r>
+              <a:rPr lang="zh-TW" altLang="en-US" smtClean="0"/>
+              <a:t>按一下以編輯母片標題樣式</a:t>
+            </a:r>
+            <a:endParaRPr lang="en-US" dirty="0"/>
+          </a:p>
+        </p:txBody>
+      </p:sp>
+      <p:sp>
+        <p:nvSpPr>
+          <p:cNvPr id="3" name="Picture Placeholder 2"/>
+          <p:cNvSpPr>
+            <a:spLocks noGrp="1"/>
+          </p:cNvSpPr>
+          <p:nvPr>
+            <p:ph type="pic" idx="1"/>
+          </p:nvPr>
         </p:nvSpPr>
         <p:spPr>
           <a:xfrm>
-            <a:off x="68510" y="4773224"/>
-            <a:ext cx="9006637" cy="48807"/>
+            <a:off x="1524000" y="1905000"/>
+            <a:ext cx="2971800" cy="2971800"/>
           </a:xfrm>
-          <a:prstGeom prst="rect">
-            <a:avLst/>
-          </a:prstGeom>
-          <a:solidFill>
-            <a:schemeClr val="accent5"/>
-          </a:solidFill>
-          <a:ln w="19050" cap="sq" cmpd="sng" algn="ctr">
-            <a:noFill/>
-            <a:prstDash val="solid"/>
-          </a:ln>
-          <a:effectLst/>
-        </p:spPr>
-        <p:style>
-          <a:lnRef idx="3">
-            <a:schemeClr val="lt1"/>
-          </a:lnRef>
-          <a:fillRef idx="1">
-            <a:schemeClr val="accent1"/>
-          </a:fillRef>
-          <a:effectRef idx="1">
-            <a:schemeClr val="accent1"/>
-          </a:effectRef>
-          <a:fontRef idx="minor">
-            <a:schemeClr val="lt1"/>
-          </a:fontRef>
-        </p:style>
-        <p:txBody>
-          <a:bodyPr anchor="ctr"/>
-          <a:lstStyle/>
-          <a:p>
-            <a:pPr algn="ctr" eaLnBrk="1" latinLnBrk="0" hangingPunct="1"/>
-            <a:endParaRPr kumimoji="0" lang="en-US"/>
-          </a:p>
-        </p:txBody>
-      </p:sp>
-      <p:sp>
-        <p:nvSpPr>
-          <p:cNvPr id="3" name="圖片版面配置區 2"/>
-          <p:cNvSpPr>
-            <a:spLocks noGrp="1"/>
-          </p:cNvSpPr>
-          <p:nvPr>
-            <p:ph type="pic" idx="1"/>
-          </p:nvPr>
-        </p:nvSpPr>
-        <p:spPr>
-          <a:xfrm>
-            <a:off x="68308" y="66675"/>
-            <a:ext cx="9001873" cy="4581525"/>
-          </a:xfrm>
-          <a:prstGeom prst="round2SameRect">
+          <a:prstGeom prst="plaque">
             <a:avLst>
-              <a:gd name="adj1" fmla="val 7101"/>
-              <a:gd name="adj2" fmla="val 0"/>
+              <a:gd name="adj" fmla="val 8341"/>
             </a:avLst>
           </a:prstGeom>
           <a:solidFill>
-            <a:schemeClr val="bg2"/>
+            <a:schemeClr val="bg1">
+              <a:lumMod val="95000"/>
+              <a:alpha val="35000"/>
+            </a:schemeClr>
           </a:solidFill>
-          <a:ln w="6350">
-            <a:solidFill>
-              <a:schemeClr val="tx1"/>
-            </a:solidFill>
+          <a:ln w="98425" cmpd="thinThick">
+            <a:noFill/>
+            <a:bevel/>
           </a:ln>
         </p:spPr>
         <p:txBody>
-          <a:bodyPr/>
+          <a:bodyPr>
+            <a:normAutofit/>
+          </a:bodyPr>
           <a:lstStyle>
-            <a:lvl1pPr marL="0" indent="0">
-              <a:buNone/>
-              <a:defRPr sz="3200"/>
+            <a:lvl1pPr marL="0" indent="0" algn="ctr">
+              <a:buNone/>
+              <a:defRPr sz="1800" baseline="0">
+                <a:solidFill>
+                  <a:schemeClr val="tx2"/>
+                </a:solidFill>
+              </a:defRPr>
             </a:lvl1pPr>
+            <a:lvl2pPr marL="457200" indent="0">
+              <a:buNone/>
+              <a:defRPr sz="2800"/>
+            </a:lvl2pPr>
+            <a:lvl3pPr marL="914400" indent="0">
+              <a:buNone/>
+              <a:defRPr sz="2400"/>
+            </a:lvl3pPr>
+            <a:lvl4pPr marL="1371600" indent="0">
+              <a:buNone/>
+              <a:defRPr sz="2000"/>
+            </a:lvl4pPr>
+            <a:lvl5pPr marL="1828800" indent="0">
+              <a:buNone/>
+              <a:defRPr sz="2000"/>
+            </a:lvl5pPr>
+            <a:lvl6pPr marL="2286000" indent="0">
+              <a:buNone/>
+              <a:defRPr sz="2000"/>
+            </a:lvl6pPr>
+            <a:lvl7pPr marL="2743200" indent="0">
+              <a:buNone/>
+              <a:defRPr sz="2000"/>
+            </a:lvl7pPr>
+            <a:lvl8pPr marL="3200400" indent="0">
+              <a:buNone/>
+              <a:defRPr sz="2000"/>
+            </a:lvl8pPr>
+            <a:lvl9pPr marL="3657600" indent="0">
+              <a:buNone/>
+              <a:defRPr sz="2000"/>
+            </a:lvl9pPr>
           </a:lstStyle>
           <a:p>
             <a:r>
-              <a:rPr kumimoji="0" lang="zh-TW" altLang="en-US" smtClean="0"/>
+              <a:rPr lang="zh-TW" altLang="en-US" smtClean="0"/>
               <a:t>按一下圖示以新增圖片</a:t>
             </a:r>
-            <a:endParaRPr kumimoji="0" lang="en-US" dirty="0"/>
+            <a:endParaRPr lang="en-US" dirty="0"/>
+          </a:p>
+        </p:txBody>
+      </p:sp>
+      <p:sp>
+        <p:nvSpPr>
+          <p:cNvPr id="4" name="Text Placeholder 3"/>
+          <p:cNvSpPr>
+            <a:spLocks noGrp="1"/>
+          </p:cNvSpPr>
+          <p:nvPr>
+            <p:ph type="body" sz="half" idx="2"/>
+          </p:nvPr>
+        </p:nvSpPr>
+        <p:spPr>
+          <a:xfrm>
+            <a:off x="4953000" y="2276856"/>
+            <a:ext cx="2819400" cy="2875280"/>
+          </a:xfrm>
+        </p:spPr>
+        <p:txBody>
+          <a:bodyPr/>
+          <a:lstStyle>
+            <a:lvl1pPr marL="0" indent="0" algn="ctr">
+              <a:buNone/>
+              <a:defRPr sz="1400"/>
+            </a:lvl1pPr>
+            <a:lvl2pPr marL="457200" indent="0">
+              <a:buNone/>
+              <a:defRPr sz="1200"/>
+            </a:lvl2pPr>
+            <a:lvl3pPr marL="914400" indent="0">
+              <a:buNone/>
+              <a:defRPr sz="1000"/>
+            </a:lvl3pPr>
+            <a:lvl4pPr marL="1371600" indent="0">
+              <a:buNone/>
+              <a:defRPr sz="900"/>
+            </a:lvl4pPr>
+            <a:lvl5pPr marL="1828800" indent="0">
+              <a:buNone/>
+              <a:defRPr sz="900"/>
+            </a:lvl5pPr>
+            <a:lvl6pPr marL="2286000" indent="0">
+              <a:buNone/>
+              <a:defRPr sz="900"/>
+            </a:lvl6pPr>
+            <a:lvl7pPr marL="2743200" indent="0">
+              <a:buNone/>
+              <a:defRPr sz="900"/>
+            </a:lvl7pPr>
+            <a:lvl8pPr marL="3200400" indent="0">
+              <a:buNone/>
+              <a:defRPr sz="900"/>
+            </a:lvl8pPr>
+            <a:lvl9pPr marL="3657600" indent="0">
+              <a:buNone/>
+              <a:defRPr sz="900"/>
+            </a:lvl9pPr>
+          </a:lstStyle>
+          <a:p>
+            <a:pPr lvl="0"/>
+            <a:r>
+              <a:rPr lang="zh-TW" altLang="en-US" smtClean="0"/>
+              <a:t>按一下以編輯母片文字樣式</a:t>
+            </a:r>
+          </a:p>
+        </p:txBody>
+      </p:sp>
+      <p:sp>
+        <p:nvSpPr>
+          <p:cNvPr id="5" name="Date Placeholder 4"/>
+          <p:cNvSpPr>
+            <a:spLocks noGrp="1"/>
+          </p:cNvSpPr>
+          <p:nvPr>
+            <p:ph type="dt" sz="half" idx="10"/>
+          </p:nvPr>
+        </p:nvSpPr>
+        <p:spPr/>
+        <p:txBody>
+          <a:bodyPr/>
+          <a:lstStyle/>
+          <a:p>
+            <a:fld id="{5BBEAD13-0566-4C6C-97E7-55F17F24B09F}" type="datetimeFigureOut">
+              <a:rPr lang="zh-TW" altLang="en-US" smtClean="0"/>
+              <a:pPr/>
+              <a:t>2013/11/23</a:t>
+            </a:fld>
+            <a:endParaRPr lang="zh-TW" altLang="en-US"/>
+          </a:p>
+        </p:txBody>
+      </p:sp>
+      <p:sp>
+        <p:nvSpPr>
+          <p:cNvPr id="6" name="Footer Placeholder 5"/>
+          <p:cNvSpPr>
+            <a:spLocks noGrp="1"/>
+          </p:cNvSpPr>
+          <p:nvPr>
+            <p:ph type="ftr" sz="quarter" idx="11"/>
+          </p:nvPr>
+        </p:nvSpPr>
+        <p:spPr/>
+        <p:txBody>
+          <a:bodyPr/>
+          <a:lstStyle/>
+          <a:p>
+            <a:endParaRPr lang="zh-TW" altLang="en-US"/>
+          </a:p>
+        </p:txBody>
+      </p:sp>
+      <p:sp>
+        <p:nvSpPr>
+          <p:cNvPr id="7" name="Slide Number Placeholder 6"/>
+          <p:cNvSpPr>
+            <a:spLocks noGrp="1"/>
+          </p:cNvSpPr>
+          <p:nvPr>
+            <p:ph type="sldNum" sz="quarter" idx="12"/>
+          </p:nvPr>
+        </p:nvSpPr>
+        <p:spPr/>
+        <p:txBody>
+          <a:bodyPr/>
+          <a:lstStyle/>
+          <a:p>
+            <a:fld id="{73DA0BB7-265A-403C-9275-D587AB510EDC}" type="slidenum">
+              <a:rPr lang="zh-TW" altLang="en-US" smtClean="0"/>
+              <a:pPr/>
+              <a:t>‹#›</a:t>
+            </a:fld>
+            <a:endParaRPr lang="zh-TW" altLang="en-US"/>
           </a:p>
         </p:txBody>
       </p:sp>
@@ -3058,12 +2766,20 @@
           <a:chExt cx="0" cy="0"/>
         </a:xfrm>
       </p:grpSpPr>
-      <p:sp>
-        <p:nvSpPr>
-          <p:cNvPr id="9" name="矩形 8"/>
-          <p:cNvSpPr/>
+      <p:pic>
+        <p:nvPicPr>
+          <p:cNvPr id="8" name="Picture 7" descr="window3.png"/>
+          <p:cNvPicPr>
+            <a:picLocks noChangeAspect="1"/>
+          </p:cNvPicPr>
           <p:nvPr/>
-        </p:nvSpPr>
+        </p:nvPicPr>
+        <p:blipFill>
+          <a:blip r:embed="rId13"/>
+          <a:stretch>
+            <a:fillRect/>
+          </a:stretch>
+        </p:blipFill>
         <p:spPr>
           <a:xfrm>
             <a:off x="0" y="0"/>
@@ -3072,122 +2788,44 @@
           <a:prstGeom prst="rect">
             <a:avLst/>
           </a:prstGeom>
-          <a:solidFill>
-            <a:srgbClr val="FFFFFF"/>
-          </a:solidFill>
-          <a:ln w="12700" cap="flat" cmpd="sng" algn="ctr">
-            <a:noFill/>
-            <a:prstDash val="solid"/>
-          </a:ln>
         </p:spPr>
-        <p:style>
-          <a:lnRef idx="2">
-            <a:schemeClr val="accent1"/>
-          </a:lnRef>
-          <a:fillRef idx="1">
-            <a:schemeClr val="accent1"/>
-          </a:fillRef>
-          <a:effectRef idx="0">
-            <a:schemeClr val="accent1"/>
-          </a:effectRef>
-          <a:fontRef idx="minor">
-            <a:schemeClr val="lt1"/>
-          </a:fontRef>
-        </p:style>
-        <p:txBody>
-          <a:bodyPr rtlCol="0" anchor="ctr"/>
-          <a:lstStyle/>
-          <a:p>
-            <a:pPr algn="ctr" eaLnBrk="1" latinLnBrk="0" hangingPunct="1"/>
-            <a:endParaRPr kumimoji="0" lang="en-US"/>
-          </a:p>
-        </p:txBody>
-      </p:sp>
-      <p:sp useBgFill="1">
-        <p:nvSpPr>
-          <p:cNvPr id="8" name="圓角矩形 7"/>
-          <p:cNvSpPr/>
-          <p:nvPr/>
+      </p:pic>
+      <p:sp>
+        <p:nvSpPr>
+          <p:cNvPr id="2" name="Title Placeholder 1"/>
+          <p:cNvSpPr>
+            <a:spLocks noGrp="1"/>
+          </p:cNvSpPr>
+          <p:nvPr>
+            <p:ph type="title"/>
+          </p:nvPr>
         </p:nvSpPr>
         <p:spPr>
           <a:xfrm>
-            <a:off x="64008" y="69755"/>
-            <a:ext cx="9013372" cy="6693408"/>
-          </a:xfrm>
-          <a:prstGeom prst="roundRect">
-            <a:avLst>
-              <a:gd name="adj" fmla="val 4929"/>
-            </a:avLst>
-          </a:prstGeom>
-          <a:ln w="6350" cap="sq" cmpd="sng" algn="ctr">
-            <a:solidFill>
-              <a:schemeClr val="tx1">
-                <a:alpha val="100000"/>
-              </a:schemeClr>
-            </a:solidFill>
-            <a:prstDash val="solid"/>
-          </a:ln>
-          <a:effectLst/>
-        </p:spPr>
-        <p:style>
-          <a:lnRef idx="3">
-            <a:schemeClr val="lt1"/>
-          </a:lnRef>
-          <a:fillRef idx="1001">
-            <a:schemeClr val="lt1"/>
-          </a:fillRef>
-          <a:effectRef idx="1">
-            <a:schemeClr val="accent1"/>
-          </a:effectRef>
-          <a:fontRef idx="minor">
-            <a:schemeClr val="lt1"/>
-          </a:fontRef>
-        </p:style>
-        <p:txBody>
-          <a:bodyPr anchor="ctr"/>
-          <a:lstStyle/>
-          <a:p>
-            <a:pPr algn="ctr" eaLnBrk="1" latinLnBrk="0" hangingPunct="1"/>
-            <a:endParaRPr kumimoji="0" lang="en-US"/>
-          </a:p>
-        </p:txBody>
-      </p:sp>
-      <p:sp>
-        <p:nvSpPr>
-          <p:cNvPr id="22" name="標題版面配置區 21"/>
-          <p:cNvSpPr>
-            <a:spLocks noGrp="1"/>
-          </p:cNvSpPr>
-          <p:nvPr>
-            <p:ph type="title"/>
-          </p:nvPr>
-        </p:nvSpPr>
-        <p:spPr>
-          <a:xfrm>
-            <a:off x="914400" y="274638"/>
-            <a:ext cx="7772400" cy="1143000"/>
+            <a:off x="1371600" y="1295400"/>
+            <a:ext cx="6400800" cy="685800"/>
           </a:xfrm>
           <a:prstGeom prst="rect">
             <a:avLst/>
           </a:prstGeom>
         </p:spPr>
         <p:txBody>
-          <a:bodyPr bIns="91440" anchor="b" anchorCtr="0">
+          <a:bodyPr vert="horz" lIns="91440" tIns="45720" rIns="91440" bIns="45720" rtlCol="0" anchor="b" anchorCtr="0">
             <a:normAutofit/>
           </a:bodyPr>
           <a:lstStyle/>
           <a:p>
             <a:r>
-              <a:rPr kumimoji="0" lang="zh-TW" altLang="en-US" smtClean="0"/>
+              <a:rPr lang="zh-TW" altLang="en-US" smtClean="0"/>
               <a:t>按一下以編輯母片標題樣式</a:t>
             </a:r>
-            <a:endParaRPr kumimoji="0" lang="en-US"/>
-          </a:p>
-        </p:txBody>
-      </p:sp>
-      <p:sp>
-        <p:nvSpPr>
-          <p:cNvPr id="13" name="文字版面配置區 12"/>
+            <a:endParaRPr lang="en-US" dirty="0"/>
+          </a:p>
+        </p:txBody>
+      </p:sp>
+      <p:sp>
+        <p:nvSpPr>
+          <p:cNvPr id="3" name="Text Placeholder 2"/>
           <p:cNvSpPr>
             <a:spLocks noGrp="1"/>
           </p:cNvSpPr>
@@ -3197,59 +2835,59 @@
         </p:nvSpPr>
         <p:spPr>
           <a:xfrm>
-            <a:off x="914400" y="1447800"/>
-            <a:ext cx="7772400" cy="4572000"/>
+            <a:off x="1371600" y="2057400"/>
+            <a:ext cx="6400800" cy="3429001"/>
           </a:xfrm>
           <a:prstGeom prst="rect">
             <a:avLst/>
           </a:prstGeom>
         </p:spPr>
         <p:txBody>
-          <a:bodyPr>
+          <a:bodyPr vert="horz" lIns="91440" tIns="45720" rIns="91440" bIns="45720" rtlCol="0">
             <a:normAutofit/>
           </a:bodyPr>
           <a:lstStyle/>
           <a:p>
-            <a:pPr lvl="0" eaLnBrk="1" latinLnBrk="0" hangingPunct="1"/>
-            <a:r>
-              <a:rPr kumimoji="0" lang="zh-TW" altLang="en-US" smtClean="0"/>
+            <a:pPr lvl="0"/>
+            <a:r>
+              <a:rPr lang="zh-TW" altLang="en-US" smtClean="0"/>
               <a:t>按一下以編輯母片文字樣式</a:t>
             </a:r>
           </a:p>
           <a:p>
-            <a:pPr lvl="1" eaLnBrk="1" latinLnBrk="0" hangingPunct="1"/>
-            <a:r>
-              <a:rPr kumimoji="0" lang="zh-TW" altLang="en-US" smtClean="0"/>
+            <a:pPr lvl="1"/>
+            <a:r>
+              <a:rPr lang="zh-TW" altLang="en-US" smtClean="0"/>
               <a:t>第二層</a:t>
             </a:r>
           </a:p>
           <a:p>
-            <a:pPr lvl="2" eaLnBrk="1" latinLnBrk="0" hangingPunct="1"/>
-            <a:r>
-              <a:rPr kumimoji="0" lang="zh-TW" altLang="en-US" smtClean="0"/>
+            <a:pPr lvl="2"/>
+            <a:r>
+              <a:rPr lang="zh-TW" altLang="en-US" smtClean="0"/>
               <a:t>第三層</a:t>
             </a:r>
           </a:p>
           <a:p>
-            <a:pPr lvl="3" eaLnBrk="1" latinLnBrk="0" hangingPunct="1"/>
-            <a:r>
-              <a:rPr kumimoji="0" lang="zh-TW" altLang="en-US" smtClean="0"/>
+            <a:pPr lvl="3"/>
+            <a:r>
+              <a:rPr lang="zh-TW" altLang="en-US" smtClean="0"/>
               <a:t>第四層</a:t>
             </a:r>
           </a:p>
           <a:p>
-            <a:pPr lvl="4" eaLnBrk="1" latinLnBrk="0" hangingPunct="1"/>
-            <a:r>
-              <a:rPr kumimoji="0" lang="zh-TW" altLang="en-US" smtClean="0"/>
+            <a:pPr lvl="4"/>
+            <a:r>
+              <a:rPr lang="zh-TW" altLang="en-US" smtClean="0"/>
               <a:t>第五層</a:t>
             </a:r>
-            <a:endParaRPr kumimoji="0" lang="en-US"/>
-          </a:p>
-        </p:txBody>
-      </p:sp>
-      <p:sp>
-        <p:nvSpPr>
-          <p:cNvPr id="14" name="日期版面配置區 13"/>
+            <a:endParaRPr lang="en-US" dirty="0"/>
+          </a:p>
+        </p:txBody>
+      </p:sp>
+      <p:sp>
+        <p:nvSpPr>
+          <p:cNvPr id="4" name="Date Placeholder 3"/>
           <p:cNvSpPr>
             <a:spLocks noGrp="1"/>
           </p:cNvSpPr>
@@ -3257,110 +2895,114 @@
             <p:ph type="dt" sz="half" idx="2"/>
           </p:nvPr>
         </p:nvSpPr>
-        <p:spPr>
+        <p:spPr bwMode="white">
           <a:xfrm>
-            <a:off x="6172200" y="6191250"/>
-            <a:ext cx="2476500" cy="476250"/>
+            <a:off x="304800" y="6356350"/>
+            <a:ext cx="2133600" cy="365125"/>
+          </a:xfrm>
+          <a:prstGeom prst="rect">
+            <a:avLst/>
+          </a:prstGeom>
+          <a:ln>
+            <a:noFill/>
+          </a:ln>
+        </p:spPr>
+        <p:txBody>
+          <a:bodyPr vert="horz" lIns="91440" tIns="45720" rIns="91440" bIns="45720" rtlCol="0" anchor="ctr"/>
+          <a:lstStyle>
+            <a:lvl1pPr algn="l">
+              <a:defRPr sz="1100" baseline="0">
+                <a:solidFill>
+                  <a:schemeClr val="accent1">
+                    <a:lumMod val="60000"/>
+                    <a:lumOff val="40000"/>
+                  </a:schemeClr>
+                </a:solidFill>
+              </a:defRPr>
+            </a:lvl1pPr>
+          </a:lstStyle>
+          <a:p>
+            <a:fld id="{5BBEAD13-0566-4C6C-97E7-55F17F24B09F}" type="datetimeFigureOut">
+              <a:rPr lang="zh-TW" altLang="en-US" smtClean="0"/>
+              <a:pPr/>
+              <a:t>2013/11/23</a:t>
+            </a:fld>
+            <a:endParaRPr lang="zh-TW" altLang="en-US"/>
+          </a:p>
+        </p:txBody>
+      </p:sp>
+      <p:sp>
+        <p:nvSpPr>
+          <p:cNvPr id="5" name="Footer Placeholder 4"/>
+          <p:cNvSpPr>
+            <a:spLocks noGrp="1"/>
+          </p:cNvSpPr>
+          <p:nvPr>
+            <p:ph type="ftr" sz="quarter" idx="3"/>
+          </p:nvPr>
+        </p:nvSpPr>
+        <p:spPr bwMode="white">
+          <a:xfrm>
+            <a:off x="2971800" y="6356350"/>
+            <a:ext cx="3200400" cy="365125"/>
           </a:xfrm>
           <a:prstGeom prst="rect">
             <a:avLst/>
           </a:prstGeom>
         </p:spPr>
         <p:txBody>
-          <a:bodyPr anchor="ctr" anchorCtr="0"/>
+          <a:bodyPr vert="horz" lIns="91440" tIns="45720" rIns="91440" bIns="45720" rtlCol="0" anchor="ctr"/>
           <a:lstStyle>
-            <a:lvl1pPr algn="r" eaLnBrk="1" latinLnBrk="0" hangingPunct="1">
-              <a:defRPr kumimoji="0" sz="1400">
+            <a:lvl1pPr algn="ctr">
+              <a:defRPr sz="1100" baseline="0">
                 <a:solidFill>
-                  <a:schemeClr val="tx2"/>
+                  <a:schemeClr val="accent1">
+                    <a:lumMod val="60000"/>
+                    <a:lumOff val="40000"/>
+                  </a:schemeClr>
                 </a:solidFill>
               </a:defRPr>
             </a:lvl1pPr>
           </a:lstStyle>
           <a:p>
-            <a:fld id="{5BBEAD13-0566-4C6C-97E7-55F17F24B09F}" type="datetimeFigureOut">
-              <a:rPr lang="zh-TW" altLang="en-US" smtClean="0"/>
-              <a:pPr/>
-              <a:t>2013/11/23</a:t>
-            </a:fld>
             <a:endParaRPr lang="zh-TW" altLang="en-US"/>
           </a:p>
         </p:txBody>
       </p:sp>
       <p:sp>
         <p:nvSpPr>
-          <p:cNvPr id="3" name="頁尾版面配置區 2"/>
-          <p:cNvSpPr>
-            <a:spLocks noGrp="1"/>
-          </p:cNvSpPr>
-          <p:nvPr>
-            <p:ph type="ftr" sz="quarter" idx="3"/>
-          </p:nvPr>
-        </p:nvSpPr>
-        <p:spPr>
+          <p:cNvPr id="6" name="Slide Number Placeholder 5"/>
+          <p:cNvSpPr>
+            <a:spLocks noGrp="1"/>
+          </p:cNvSpPr>
+          <p:nvPr>
+            <p:ph type="sldNum" sz="quarter" idx="4"/>
+          </p:nvPr>
+        </p:nvSpPr>
+        <p:spPr bwMode="white">
           <a:xfrm>
-            <a:off x="914400" y="6172200"/>
-            <a:ext cx="3962400" cy="457200"/>
+            <a:off x="6675120" y="6364224"/>
+            <a:ext cx="2133600" cy="365125"/>
           </a:xfrm>
           <a:prstGeom prst="rect">
             <a:avLst/>
           </a:prstGeom>
         </p:spPr>
         <p:txBody>
-          <a:bodyPr anchor="ctr" anchorCtr="0"/>
+          <a:bodyPr vert="horz" lIns="91440" tIns="45720" rIns="91440" bIns="45720" rtlCol="0" anchor="ctr"/>
           <a:lstStyle>
-            <a:lvl1pPr eaLnBrk="1" latinLnBrk="0" hangingPunct="1">
-              <a:defRPr kumimoji="0" sz="1400">
+            <a:lvl1pPr algn="r">
+              <a:defRPr sz="1200" b="1" baseline="0">
                 <a:solidFill>
-                  <a:schemeClr val="tx2"/>
+                  <a:schemeClr val="accent1">
+                    <a:lumMod val="60000"/>
+                    <a:lumOff val="40000"/>
+                  </a:schemeClr>
                 </a:solidFill>
               </a:defRPr>
             </a:lvl1pPr>
           </a:lstStyle>
           <a:p>
-            <a:endParaRPr lang="zh-TW" altLang="en-US"/>
-          </a:p>
-        </p:txBody>
-      </p:sp>
-      <p:sp>
-        <p:nvSpPr>
-          <p:cNvPr id="23" name="投影片編號版面配置區 22"/>
-          <p:cNvSpPr>
-            <a:spLocks noGrp="1"/>
-          </p:cNvSpPr>
-          <p:nvPr>
-            <p:ph type="sldNum" sz="quarter" idx="4"/>
-          </p:nvPr>
-        </p:nvSpPr>
-        <p:spPr>
-          <a:xfrm>
-            <a:off x="146304" y="6210300"/>
-            <a:ext cx="457200" cy="457200"/>
-          </a:xfrm>
-          <a:prstGeom prst="ellipse">
-            <a:avLst/>
-          </a:prstGeom>
-          <a:solidFill>
-            <a:schemeClr val="accent1"/>
-          </a:solidFill>
-        </p:spPr>
-        <p:txBody>
-          <a:bodyPr wrap="none" lIns="0" tIns="0" rIns="0" bIns="0" anchor="ctr" anchorCtr="1">
-            <a:noAutofit/>
-          </a:bodyPr>
-          <a:lstStyle>
-            <a:lvl1pPr algn="ctr" eaLnBrk="1" latinLnBrk="0" hangingPunct="1">
-              <a:defRPr kumimoji="0" sz="1400">
-                <a:solidFill>
-                  <a:srgbClr val="FFFFFF"/>
-                </a:solidFill>
-                <a:latin typeface="+mj-lt"/>
-                <a:ea typeface="+mj-ea"/>
-                <a:cs typeface="+mj-cs"/>
-              </a:defRPr>
-            </a:lvl1pPr>
-          </a:lstStyle>
-          <a:p>
             <a:fld id="{73DA0BB7-265A-403C-9275-D587AB510EDC}" type="slidenum">
               <a:rPr lang="zh-TW" altLang="en-US" smtClean="0"/>
               <a:pPr/>
@@ -3374,47 +3016,103 @@
   </p:cSld>
   <p:clrMap bg1="lt1" tx1="dk1" bg2="lt2" tx2="dk2" accent1="accent1" accent2="accent2" accent3="accent3" accent4="accent4" accent5="accent5" accent6="accent6" hlink="hlink" folHlink="folHlink"/>
   <p:sldLayoutIdLst>
-    <p:sldLayoutId id="2147483733" r:id="rId1"/>
-    <p:sldLayoutId id="2147483734" r:id="rId2"/>
-    <p:sldLayoutId id="2147483735" r:id="rId3"/>
-    <p:sldLayoutId id="2147483736" r:id="rId4"/>
-    <p:sldLayoutId id="2147483737" r:id="rId5"/>
-    <p:sldLayoutId id="2147483738" r:id="rId6"/>
-    <p:sldLayoutId id="2147483739" r:id="rId7"/>
-    <p:sldLayoutId id="2147483740" r:id="rId8"/>
-    <p:sldLayoutId id="2147483741" r:id="rId9"/>
-    <p:sldLayoutId id="2147483742" r:id="rId10"/>
-    <p:sldLayoutId id="2147483743" r:id="rId11"/>
+    <p:sldLayoutId id="2147483745" r:id="rId1"/>
+    <p:sldLayoutId id="2147483746" r:id="rId2"/>
+    <p:sldLayoutId id="2147483747" r:id="rId3"/>
+    <p:sldLayoutId id="2147483748" r:id="rId4"/>
+    <p:sldLayoutId id="2147483749" r:id="rId5"/>
+    <p:sldLayoutId id="2147483750" r:id="rId6"/>
+    <p:sldLayoutId id="2147483751" r:id="rId7"/>
+    <p:sldLayoutId id="2147483752" r:id="rId8"/>
+    <p:sldLayoutId id="2147483753" r:id="rId9"/>
+    <p:sldLayoutId id="2147483754" r:id="rId10"/>
+    <p:sldLayoutId id="2147483755" r:id="rId11"/>
   </p:sldLayoutIdLst>
   <p:txStyles>
     <p:titleStyle>
-      <a:lvl1pPr algn="l" rtl="0" eaLnBrk="1" latinLnBrk="0" hangingPunct="1">
+      <a:lvl1pPr algn="ctr" defTabSz="914400" rtl="0" eaLnBrk="1" latinLnBrk="0" hangingPunct="1">
         <a:spcBef>
           <a:spcPct val="0"/>
         </a:spcBef>
         <a:buNone/>
-        <a:defRPr kumimoji="0" sz="4000" kern="1200">
+        <a:defRPr sz="3600" kern="1200" cap="all" spc="300" baseline="0">
           <a:solidFill>
-            <a:schemeClr val="tx2"/>
+            <a:schemeClr val="tx1"/>
           </a:solidFill>
           <a:latin typeface="+mj-lt"/>
           <a:ea typeface="+mj-ea"/>
           <a:cs typeface="+mj-cs"/>
         </a:defRPr>
       </a:lvl1pPr>
+      <a:lvl2pPr eaLnBrk="1" hangingPunct="1">
+        <a:defRPr>
+          <a:solidFill>
+            <a:schemeClr val="tx2"/>
+          </a:solidFill>
+        </a:defRPr>
+      </a:lvl2pPr>
+      <a:lvl3pPr eaLnBrk="1" hangingPunct="1">
+        <a:defRPr>
+          <a:solidFill>
+            <a:schemeClr val="tx2"/>
+          </a:solidFill>
+        </a:defRPr>
+      </a:lvl3pPr>
+      <a:lvl4pPr eaLnBrk="1" hangingPunct="1">
+        <a:defRPr>
+          <a:solidFill>
+            <a:schemeClr val="tx2"/>
+          </a:solidFill>
+        </a:defRPr>
+      </a:lvl4pPr>
+      <a:lvl5pPr eaLnBrk="1" hangingPunct="1">
+        <a:defRPr>
+          <a:solidFill>
+            <a:schemeClr val="tx2"/>
+          </a:solidFill>
+        </a:defRPr>
+      </a:lvl5pPr>
+      <a:lvl6pPr eaLnBrk="1" hangingPunct="1">
+        <a:defRPr>
+          <a:solidFill>
+            <a:schemeClr val="tx2"/>
+          </a:solidFill>
+        </a:defRPr>
+      </a:lvl6pPr>
+      <a:lvl7pPr eaLnBrk="1" hangingPunct="1">
+        <a:defRPr>
+          <a:solidFill>
+            <a:schemeClr val="tx2"/>
+          </a:solidFill>
+        </a:defRPr>
+      </a:lvl7pPr>
+      <a:lvl8pPr eaLnBrk="1" hangingPunct="1">
+        <a:defRPr>
+          <a:solidFill>
+            <a:schemeClr val="tx2"/>
+          </a:solidFill>
+        </a:defRPr>
+      </a:lvl8pPr>
+      <a:lvl9pPr eaLnBrk="1" hangingPunct="1">
+        <a:defRPr>
+          <a:solidFill>
+            <a:schemeClr val="tx2"/>
+          </a:solidFill>
+        </a:defRPr>
+      </a:lvl9pPr>
     </p:titleStyle>
     <p:bodyStyle>
-      <a:lvl1pPr marL="274320" indent="-274320" algn="l" rtl="0" eaLnBrk="1" latinLnBrk="0" hangingPunct="1">
+      <a:lvl1pPr marL="0" indent="-274320" algn="l" defTabSz="914400" rtl="0" eaLnBrk="1" latinLnBrk="0" hangingPunct="1">
+        <a:lnSpc>
+          <a:spcPct val="150000"/>
+        </a:lnSpc>
         <a:spcBef>
-          <a:spcPts val="580"/>
+          <a:spcPct val="20000"/>
         </a:spcBef>
-        <a:buClr>
-          <a:schemeClr val="accent1"/>
-        </a:buClr>
-        <a:buSzPct val="85000"/>
-        <a:buFont typeface="Wingdings 2"/>
-        <a:buChar char=""/>
-        <a:defRPr kumimoji="0" sz="2600" kern="1200">
+        <a:buClrTx/>
+        <a:buFont typeface="Wingdings" pitchFamily="2" charset="2"/>
+        <a:buChar char="v"/>
+        <a:defRPr sz="1800" kern="1200" baseline="0">
           <a:solidFill>
             <a:schemeClr val="tx1"/>
           </a:solidFill>
@@ -3423,17 +3121,14 @@
           <a:cs typeface="+mn-cs"/>
         </a:defRPr>
       </a:lvl1pPr>
-      <a:lvl2pPr marL="548640" indent="-228600" algn="l" rtl="0" eaLnBrk="1" latinLnBrk="0" hangingPunct="1">
+      <a:lvl2pPr marL="742950" indent="-228600" algn="l" defTabSz="914400" rtl="0" eaLnBrk="1" latinLnBrk="0" hangingPunct="1">
         <a:spcBef>
-          <a:spcPts val="370"/>
+          <a:spcPct val="20000"/>
         </a:spcBef>
-        <a:buClr>
-          <a:schemeClr val="accent2"/>
-        </a:buClr>
-        <a:buSzPct val="85000"/>
-        <a:buFont typeface="Wingdings 2"/>
-        <a:buChar char=""/>
-        <a:defRPr kumimoji="0" sz="2400" kern="1200">
+        <a:buClrTx/>
+        <a:buFont typeface="Arial" pitchFamily="34" charset="0"/>
+        <a:buChar char="•"/>
+        <a:defRPr sz="1600" kern="1200" baseline="0">
           <a:solidFill>
             <a:schemeClr val="tx1"/>
           </a:solidFill>
@@ -3442,19 +3137,14 @@
           <a:cs typeface="+mn-cs"/>
         </a:defRPr>
       </a:lvl2pPr>
-      <a:lvl3pPr marL="822960" indent="-228600" algn="l" rtl="0" eaLnBrk="1" latinLnBrk="0" hangingPunct="1">
+      <a:lvl3pPr marL="1143000" indent="-228600" algn="l" defTabSz="914400" rtl="0" eaLnBrk="1" latinLnBrk="0" hangingPunct="1">
         <a:spcBef>
-          <a:spcPts val="370"/>
+          <a:spcPct val="20000"/>
         </a:spcBef>
-        <a:buClr>
-          <a:schemeClr val="accent1">
-            <a:tint val="60000"/>
-          </a:schemeClr>
-        </a:buClr>
-        <a:buSzPct val="85000"/>
-        <a:buFont typeface="Wingdings 2"/>
-        <a:buChar char=""/>
-        <a:defRPr kumimoji="0" sz="2000" kern="1200">
+        <a:buClrTx/>
+        <a:buFont typeface="Arial" pitchFamily="34" charset="0"/>
+        <a:buChar char="•"/>
+        <a:defRPr sz="1400" kern="1200" baseline="0">
           <a:solidFill>
             <a:schemeClr val="tx1"/>
           </a:solidFill>
@@ -3463,17 +3153,14 @@
           <a:cs typeface="+mn-cs"/>
         </a:defRPr>
       </a:lvl3pPr>
-      <a:lvl4pPr marL="1097280" indent="-228600" algn="l" rtl="0" eaLnBrk="1" latinLnBrk="0" hangingPunct="1">
+      <a:lvl4pPr marL="1600200" indent="-228600" algn="l" defTabSz="914400" rtl="0" eaLnBrk="1" latinLnBrk="0" hangingPunct="1">
         <a:spcBef>
-          <a:spcPts val="370"/>
+          <a:spcPct val="20000"/>
         </a:spcBef>
-        <a:buClr>
-          <a:schemeClr val="accent3"/>
-        </a:buClr>
-        <a:buSzPct val="80000"/>
-        <a:buFont typeface="Wingdings 2"/>
-        <a:buChar char=""/>
-        <a:defRPr kumimoji="0" sz="2000" kern="1200">
+        <a:buClrTx/>
+        <a:buFont typeface="Arial" pitchFamily="34" charset="0"/>
+        <a:buChar char="•"/>
+        <a:defRPr sz="1400" kern="1200" baseline="0">
           <a:solidFill>
             <a:schemeClr val="tx1"/>
           </a:solidFill>
@@ -3482,16 +3169,14 @@
           <a:cs typeface="+mn-cs"/>
         </a:defRPr>
       </a:lvl4pPr>
-      <a:lvl5pPr marL="1371600" indent="-228600" algn="l" rtl="0" eaLnBrk="1" latinLnBrk="0" hangingPunct="1">
+      <a:lvl5pPr marL="2057400" indent="-228600" algn="l" defTabSz="914400" rtl="0" eaLnBrk="1" latinLnBrk="0" hangingPunct="1">
         <a:spcBef>
-          <a:spcPts val="370"/>
+          <a:spcPct val="20000"/>
         </a:spcBef>
-        <a:buClr>
-          <a:schemeClr val="accent3"/>
-        </a:buClr>
-        <a:buFontTx/>
-        <a:buChar char="o"/>
-        <a:defRPr kumimoji="0" sz="2000" kern="1200">
+        <a:buClrTx/>
+        <a:buFont typeface="Arial" pitchFamily="34" charset="0"/>
+        <a:buChar char="•"/>
+        <a:defRPr sz="1400" kern="1200" baseline="0">
           <a:solidFill>
             <a:schemeClr val="tx1"/>
           </a:solidFill>
@@ -3500,15 +3185,14 @@
           <a:cs typeface="+mn-cs"/>
         </a:defRPr>
       </a:lvl5pPr>
-      <a:lvl6pPr marL="1645920" indent="-228600" algn="l" rtl="0" eaLnBrk="1" latinLnBrk="0" hangingPunct="1">
+      <a:lvl6pPr marL="2514600" indent="-228600" algn="l" defTabSz="914400" rtl="0" eaLnBrk="1" latinLnBrk="0" hangingPunct="1">
         <a:spcBef>
-          <a:spcPts val="370"/>
+          <a:spcPct val="20000"/>
         </a:spcBef>
-        <a:buClr>
-          <a:schemeClr val="accent3"/>
-        </a:buClr>
+        <a:buClrTx/>
+        <a:buFont typeface="Arial" pitchFamily="34" charset="0"/>
         <a:buChar char="•"/>
-        <a:defRPr kumimoji="0" sz="1800" kern="1200" baseline="0">
+        <a:defRPr sz="1400" kern="1200">
           <a:solidFill>
             <a:schemeClr val="tx1"/>
           </a:solidFill>
@@ -3517,15 +3201,14 @@
           <a:cs typeface="+mn-cs"/>
         </a:defRPr>
       </a:lvl6pPr>
-      <a:lvl7pPr marL="1920240" indent="-228600" algn="l" rtl="0" eaLnBrk="1" latinLnBrk="0" hangingPunct="1">
+      <a:lvl7pPr marL="2971800" indent="-228600" algn="l" defTabSz="914400" rtl="0" eaLnBrk="1" latinLnBrk="0" hangingPunct="1">
         <a:spcBef>
-          <a:spcPts val="370"/>
+          <a:spcPct val="20000"/>
         </a:spcBef>
-        <a:buClr>
-          <a:schemeClr val="accent2"/>
-        </a:buClr>
+        <a:buClrTx/>
+        <a:buFont typeface="Arial" pitchFamily="34" charset="0"/>
         <a:buChar char="•"/>
-        <a:defRPr kumimoji="0" sz="1800" kern="1200">
+        <a:defRPr sz="1200" kern="1200">
           <a:solidFill>
             <a:schemeClr val="tx1"/>
           </a:solidFill>
@@ -3534,17 +3217,14 @@
           <a:cs typeface="+mn-cs"/>
         </a:defRPr>
       </a:lvl7pPr>
-      <a:lvl8pPr marL="2194560" indent="-228600" algn="l" rtl="0" eaLnBrk="1" latinLnBrk="0" hangingPunct="1">
+      <a:lvl8pPr marL="3429000" indent="-228600" algn="l" defTabSz="914400" rtl="0" eaLnBrk="1" latinLnBrk="0" hangingPunct="1">
         <a:spcBef>
-          <a:spcPts val="370"/>
+          <a:spcPct val="20000"/>
         </a:spcBef>
-        <a:buClr>
-          <a:schemeClr val="accent1">
-            <a:tint val="60000"/>
-          </a:schemeClr>
-        </a:buClr>
+        <a:buClrTx/>
+        <a:buFont typeface="Arial" pitchFamily="34" charset="0"/>
         <a:buChar char="•"/>
-        <a:defRPr kumimoji="0" sz="1800" kern="1200">
+        <a:defRPr sz="1200" kern="1200" baseline="0">
           <a:solidFill>
             <a:schemeClr val="tx1"/>
           </a:solidFill>
@@ -3553,17 +3233,14 @@
           <a:cs typeface="+mn-cs"/>
         </a:defRPr>
       </a:lvl8pPr>
-      <a:lvl9pPr marL="2468880" indent="-228600" algn="l" rtl="0" eaLnBrk="1" latinLnBrk="0" hangingPunct="1">
+      <a:lvl9pPr marL="3886200" indent="-228600" algn="l" defTabSz="914400" rtl="0" eaLnBrk="1" latinLnBrk="0" hangingPunct="1">
         <a:spcBef>
-          <a:spcPts val="370"/>
+          <a:spcPct val="20000"/>
         </a:spcBef>
-        <a:buClr>
-          <a:schemeClr val="accent2">
-            <a:tint val="60000"/>
-          </a:schemeClr>
-        </a:buClr>
+        <a:buClrTx/>
+        <a:buFont typeface="Arial" pitchFamily="34" charset="0"/>
         <a:buChar char="•"/>
-        <a:defRPr kumimoji="0" sz="1800" kern="1200">
+        <a:defRPr sz="1200" kern="1200">
           <a:solidFill>
             <a:schemeClr val="tx1"/>
           </a:solidFill>
@@ -3574,8 +3251,11 @@
       </a:lvl9pPr>
     </p:bodyStyle>
     <p:otherStyle>
-      <a:lvl1pPr marL="0" algn="l" rtl="0" eaLnBrk="1" latinLnBrk="0" hangingPunct="1">
-        <a:defRPr kumimoji="0" kern="1200">
+      <a:defPPr>
+        <a:defRPr lang="en-US"/>
+      </a:defPPr>
+      <a:lvl1pPr marL="0" algn="l" defTabSz="914400" rtl="0" eaLnBrk="1" latinLnBrk="0" hangingPunct="1">
+        <a:defRPr sz="1800" kern="1200">
           <a:solidFill>
             <a:schemeClr val="tx1"/>
           </a:solidFill>
@@ -3584,8 +3264,8 @@
           <a:cs typeface="+mn-cs"/>
         </a:defRPr>
       </a:lvl1pPr>
-      <a:lvl2pPr marL="457200" algn="l" rtl="0" eaLnBrk="1" latinLnBrk="0" hangingPunct="1">
-        <a:defRPr kumimoji="0" kern="1200">
+      <a:lvl2pPr marL="457200" algn="l" defTabSz="914400" rtl="0" eaLnBrk="1" latinLnBrk="0" hangingPunct="1">
+        <a:defRPr sz="1800" kern="1200">
           <a:solidFill>
             <a:schemeClr val="tx1"/>
           </a:solidFill>
@@ -3594,8 +3274,8 @@
           <a:cs typeface="+mn-cs"/>
         </a:defRPr>
       </a:lvl2pPr>
-      <a:lvl3pPr marL="914400" algn="l" rtl="0" eaLnBrk="1" latinLnBrk="0" hangingPunct="1">
-        <a:defRPr kumimoji="0" kern="1200">
+      <a:lvl3pPr marL="914400" algn="l" defTabSz="914400" rtl="0" eaLnBrk="1" latinLnBrk="0" hangingPunct="1">
+        <a:defRPr sz="1800" kern="1200">
           <a:solidFill>
             <a:schemeClr val="tx1"/>
           </a:solidFill>
@@ -3604,8 +3284,8 @@
           <a:cs typeface="+mn-cs"/>
         </a:defRPr>
       </a:lvl3pPr>
-      <a:lvl4pPr marL="1371600" algn="l" rtl="0" eaLnBrk="1" latinLnBrk="0" hangingPunct="1">
-        <a:defRPr kumimoji="0" kern="1200">
+      <a:lvl4pPr marL="1371600" algn="l" defTabSz="914400" rtl="0" eaLnBrk="1" latinLnBrk="0" hangingPunct="1">
+        <a:defRPr sz="1800" kern="1200">
           <a:solidFill>
             <a:schemeClr val="tx1"/>
           </a:solidFill>
@@ -3614,8 +3294,8 @@
           <a:cs typeface="+mn-cs"/>
         </a:defRPr>
       </a:lvl4pPr>
-      <a:lvl5pPr marL="1828800" algn="l" rtl="0" eaLnBrk="1" latinLnBrk="0" hangingPunct="1">
-        <a:defRPr kumimoji="0" kern="1200">
+      <a:lvl5pPr marL="1828800" algn="l" defTabSz="914400" rtl="0" eaLnBrk="1" latinLnBrk="0" hangingPunct="1">
+        <a:defRPr sz="1800" kern="1200">
           <a:solidFill>
             <a:schemeClr val="tx1"/>
           </a:solidFill>
@@ -3624,8 +3304,8 @@
           <a:cs typeface="+mn-cs"/>
         </a:defRPr>
       </a:lvl5pPr>
-      <a:lvl6pPr marL="2286000" algn="l" rtl="0" eaLnBrk="1" latinLnBrk="0" hangingPunct="1">
-        <a:defRPr kumimoji="0" kern="1200">
+      <a:lvl6pPr marL="2286000" algn="l" defTabSz="914400" rtl="0" eaLnBrk="1" latinLnBrk="0" hangingPunct="1">
+        <a:defRPr sz="1800" kern="1200">
           <a:solidFill>
             <a:schemeClr val="tx1"/>
           </a:solidFill>
@@ -3634,8 +3314,8 @@
           <a:cs typeface="+mn-cs"/>
         </a:defRPr>
       </a:lvl6pPr>
-      <a:lvl7pPr marL="2743200" algn="l" rtl="0" eaLnBrk="1" latinLnBrk="0" hangingPunct="1">
-        <a:defRPr kumimoji="0" kern="1200">
+      <a:lvl7pPr marL="2743200" algn="l" defTabSz="914400" rtl="0" eaLnBrk="1" latinLnBrk="0" hangingPunct="1">
+        <a:defRPr sz="1800" kern="1200">
           <a:solidFill>
             <a:schemeClr val="tx1"/>
           </a:solidFill>
@@ -3644,8 +3324,8 @@
           <a:cs typeface="+mn-cs"/>
         </a:defRPr>
       </a:lvl7pPr>
-      <a:lvl8pPr marL="3200400" algn="l" rtl="0" eaLnBrk="1" latinLnBrk="0" hangingPunct="1">
-        <a:defRPr kumimoji="0" kern="1200">
+      <a:lvl8pPr marL="3200400" algn="l" defTabSz="914400" rtl="0" eaLnBrk="1" latinLnBrk="0" hangingPunct="1">
+        <a:defRPr sz="1800" kern="1200">
           <a:solidFill>
             <a:schemeClr val="tx1"/>
           </a:solidFill>
@@ -3654,8 +3334,8 @@
           <a:cs typeface="+mn-cs"/>
         </a:defRPr>
       </a:lvl8pPr>
-      <a:lvl9pPr marL="3657600" algn="l" rtl="0" eaLnBrk="1" latinLnBrk="0" hangingPunct="1">
-        <a:defRPr kumimoji="0" kern="1200">
+      <a:lvl9pPr marL="3657600" algn="l" defTabSz="914400" rtl="0" eaLnBrk="1" latinLnBrk="0" hangingPunct="1">
+        <a:defRPr sz="1800" kern="1200">
           <a:solidFill>
             <a:schemeClr val="tx1"/>
           </a:solidFill>
@@ -3688,6 +3368,29 @@
       </p:grpSpPr>
       <p:sp>
         <p:nvSpPr>
+          <p:cNvPr id="2" name="標題 1"/>
+          <p:cNvSpPr>
+            <a:spLocks noGrp="1"/>
+          </p:cNvSpPr>
+          <p:nvPr>
+            <p:ph type="ctrTitle"/>
+          </p:nvPr>
+        </p:nvSpPr>
+        <p:spPr/>
+        <p:txBody>
+          <a:bodyPr/>
+          <a:lstStyle/>
+          <a:p>
+            <a:r>
+              <a:rPr lang="en-US" altLang="zh-TW" dirty="0" err="1" smtClean="0"/>
+              <a:t>WowoPost</a:t>
+            </a:r>
+            <a:endParaRPr lang="zh-TW" altLang="en-US" dirty="0"/>
+          </a:p>
+        </p:txBody>
+      </p:sp>
+      <p:sp>
+        <p:nvSpPr>
           <p:cNvPr id="3" name="副標題 2"/>
           <p:cNvSpPr>
             <a:spLocks noGrp="1"/>
@@ -3696,46 +3399,45 @@
             <p:ph type="subTitle" idx="1"/>
           </p:nvPr>
         </p:nvSpPr>
-        <p:spPr/>
-        <p:txBody>
-          <a:bodyPr/>
-          <a:lstStyle/>
-          <a:p>
-            <a:r>
-              <a:rPr lang="zh-TW" altLang="en-US" smtClean="0"/>
+        <p:spPr>
+          <a:xfrm>
+            <a:off x="1371600" y="3429000"/>
+            <a:ext cx="6400800" cy="1512168"/>
+          </a:xfrm>
+        </p:spPr>
+        <p:txBody>
+          <a:bodyPr>
+            <a:normAutofit lnSpcReduction="10000"/>
+          </a:bodyPr>
+          <a:lstStyle/>
+          <a:p>
+            <a:r>
+              <a:rPr lang="zh-TW" altLang="en-US" dirty="0" smtClean="0"/>
               <a:t>北科四電資四</a:t>
             </a:r>
-            <a:endParaRPr lang="en-US" altLang="zh-TW" smtClean="0"/>
-          </a:p>
-          <a:p>
-            <a:r>
-              <a:rPr lang="zh-TW" altLang="en-US" smtClean="0"/>
-              <a:t>陳科銘、謝宗廷</a:t>
-            </a:r>
-            <a:endParaRPr lang="zh-TW" altLang="en-US"/>
-          </a:p>
-        </p:txBody>
-      </p:sp>
-      <p:sp>
-        <p:nvSpPr>
-          <p:cNvPr id="2" name="標題 1"/>
-          <p:cNvSpPr>
-            <a:spLocks noGrp="1"/>
-          </p:cNvSpPr>
-          <p:nvPr>
-            <p:ph type="ctrTitle"/>
-          </p:nvPr>
-        </p:nvSpPr>
-        <p:spPr/>
-        <p:txBody>
-          <a:bodyPr/>
-          <a:lstStyle/>
-          <a:p>
-            <a:r>
-              <a:rPr lang="en-US" altLang="zh-TW" smtClean="0"/>
-              <a:t>WowoPost</a:t>
-            </a:r>
-            <a:endParaRPr lang="zh-TW" altLang="en-US"/>
+            <a:endParaRPr lang="en-US" altLang="zh-TW" dirty="0" smtClean="0"/>
+          </a:p>
+          <a:p>
+            <a:r>
+              <a:rPr lang="en-US" altLang="zh-TW" dirty="0" smtClean="0"/>
+              <a:t>99820318</a:t>
+            </a:r>
+            <a:r>
+              <a:rPr lang="zh-TW" altLang="en-US" dirty="0" smtClean="0"/>
+              <a:t>陳科銘</a:t>
+            </a:r>
+            <a:endParaRPr lang="en-US" altLang="zh-TW" dirty="0" smtClean="0"/>
+          </a:p>
+          <a:p>
+            <a:r>
+              <a:rPr lang="en-US" altLang="zh-TW" dirty="0" smtClean="0"/>
+              <a:t>99820323</a:t>
+            </a:r>
+            <a:r>
+              <a:rPr lang="zh-TW" altLang="en-US" dirty="0" smtClean="0"/>
+              <a:t>謝宗廷</a:t>
+            </a:r>
+            <a:endParaRPr lang="zh-TW" altLang="en-US" dirty="0"/>
           </a:p>
         </p:txBody>
       </p:sp>
@@ -3744,6 +3446,13 @@
   <p:clrMapOvr>
     <a:masterClrMapping/>
   </p:clrMapOvr>
+  <p:timing>
+    <p:tnLst>
+      <p:par>
+        <p:cTn id="1" dur="indefinite" restart="never" nodeType="tmRoot"/>
+      </p:par>
+    </p:tnLst>
+  </p:timing>
 </p:sld>
 </file>
 
@@ -3798,7 +3507,7 @@
             <a:spLocks noGrp="1"/>
           </p:cNvSpPr>
           <p:nvPr>
-            <p:ph sz="quarter" idx="1"/>
+            <p:ph idx="1"/>
           </p:nvPr>
         </p:nvSpPr>
         <p:spPr/>
@@ -3851,6 +3560,13 @@
   <p:clrMapOvr>
     <a:masterClrMapping/>
   </p:clrMapOvr>
+  <p:timing>
+    <p:tnLst>
+      <p:par>
+        <p:cTn id="1" dur="indefinite" restart="never" nodeType="tmRoot"/>
+      </p:par>
+    </p:tnLst>
+  </p:timing>
 </p:sld>
 </file>
 
@@ -3901,7 +3617,7 @@
             <a:spLocks noGrp="1"/>
           </p:cNvSpPr>
           <p:nvPr>
-            <p:ph sz="quarter" idx="1"/>
+            <p:ph idx="1"/>
           </p:nvPr>
         </p:nvSpPr>
         <p:spPr/>
@@ -3910,18 +3626,18 @@
           <a:lstStyle/>
           <a:p>
             <a:r>
-              <a:rPr lang="zh-TW" altLang="en-US" smtClean="0"/>
+              <a:rPr lang="zh-TW" altLang="en-US" dirty="0" smtClean="0"/>
               <a:t>讓你可以使用</a:t>
             </a:r>
             <a:r>
-              <a:rPr lang="en-US" altLang="zh-TW" smtClean="0"/>
+              <a:rPr lang="en-US" altLang="zh-TW" dirty="0" smtClean="0"/>
               <a:t>FB</a:t>
             </a:r>
             <a:r>
-              <a:rPr lang="zh-TW" altLang="en-US" smtClean="0"/>
+              <a:rPr lang="zh-TW" altLang="en-US" dirty="0" smtClean="0"/>
               <a:t>預先留言給朋友</a:t>
             </a:r>
-            <a:endParaRPr lang="zh-TW" altLang="en-US"/>
+            <a:endParaRPr lang="zh-TW" altLang="en-US" dirty="0"/>
           </a:p>
         </p:txBody>
       </p:sp>
@@ -3930,6 +3646,13 @@
   <p:clrMapOvr>
     <a:masterClrMapping/>
   </p:clrMapOvr>
+  <p:timing>
+    <p:tnLst>
+      <p:par>
+        <p:cTn id="1" dur="indefinite" restart="never" nodeType="tmRoot"/>
+      </p:par>
+    </p:tnLst>
+  </p:timing>
 </p:sld>
 </file>
 
@@ -3967,6 +3690,91 @@
           <a:p>
             <a:r>
               <a:rPr lang="en-US" altLang="zh-TW" dirty="0" smtClean="0"/>
+              <a:t>Demo</a:t>
+            </a:r>
+            <a:endParaRPr lang="zh-TW" altLang="en-US" dirty="0"/>
+          </a:p>
+        </p:txBody>
+      </p:sp>
+      <p:sp>
+        <p:nvSpPr>
+          <p:cNvPr id="3" name="內容版面配置區 2"/>
+          <p:cNvSpPr>
+            <a:spLocks noGrp="1"/>
+          </p:cNvSpPr>
+          <p:nvPr>
+            <p:ph idx="1"/>
+          </p:nvPr>
+        </p:nvSpPr>
+        <p:spPr/>
+        <p:txBody>
+          <a:bodyPr/>
+          <a:lstStyle/>
+          <a:p>
+            <a:r>
+              <a:rPr lang="en-US" altLang="zh-TW" dirty="0">
+                <a:hlinkClick r:id="rId2"/>
+              </a:rPr>
+              <a:t>http://wowopost.appspot.com/</a:t>
+            </a:r>
+            <a:endParaRPr lang="zh-TW" altLang="en-US" dirty="0"/>
+          </a:p>
+        </p:txBody>
+      </p:sp>
+    </p:spTree>
+    <p:extLst>
+      <p:ext uri="{BB962C8B-B14F-4D97-AF65-F5344CB8AC3E}">
+        <p14:creationId xmlns:p14="http://schemas.microsoft.com/office/powerpoint/2010/main" val="3178288322"/>
+      </p:ext>
+    </p:extLst>
+  </p:cSld>
+  <p:clrMapOvr>
+    <a:masterClrMapping/>
+  </p:clrMapOvr>
+  <p:timing>
+    <p:tnLst>
+      <p:par>
+        <p:cTn id="1" dur="indefinite" restart="never" nodeType="tmRoot"/>
+      </p:par>
+    </p:tnLst>
+  </p:timing>
+</p:sld>
+</file>
+
+<file path=ppt/slides/slide5.xml><?xml version="1.0" encoding="utf-8"?>
+<p:sld xmlns:a="http://schemas.openxmlformats.org/drawingml/2006/main" xmlns:r="http://schemas.openxmlformats.org/officeDocument/2006/relationships" xmlns:p="http://schemas.openxmlformats.org/presentationml/2006/main">
+  <p:cSld>
+    <p:spTree>
+      <p:nvGrpSpPr>
+        <p:cNvPr id="1" name=""/>
+        <p:cNvGrpSpPr/>
+        <p:nvPr/>
+      </p:nvGrpSpPr>
+      <p:grpSpPr>
+        <a:xfrm>
+          <a:off x="0" y="0"/>
+          <a:ext cx="0" cy="0"/>
+          <a:chOff x="0" y="0"/>
+          <a:chExt cx="0" cy="0"/>
+        </a:xfrm>
+      </p:grpSpPr>
+      <p:sp>
+        <p:nvSpPr>
+          <p:cNvPr id="2" name="標題 1"/>
+          <p:cNvSpPr>
+            <a:spLocks noGrp="1"/>
+          </p:cNvSpPr>
+          <p:nvPr>
+            <p:ph type="title"/>
+          </p:nvPr>
+        </p:nvSpPr>
+        <p:spPr/>
+        <p:txBody>
+          <a:bodyPr/>
+          <a:lstStyle/>
+          <a:p>
+            <a:r>
+              <a:rPr lang="en-US" altLang="zh-TW" dirty="0" smtClean="0"/>
               <a:t>How it work?</a:t>
             </a:r>
             <a:endParaRPr lang="zh-TW" altLang="en-US" dirty="0"/>
@@ -3980,7 +3788,7 @@
             <a:spLocks noGrp="1"/>
           </p:cNvSpPr>
           <p:nvPr>
-            <p:ph sz="quarter" idx="1"/>
+            <p:ph idx="1"/>
           </p:nvPr>
         </p:nvSpPr>
         <p:spPr/>
@@ -4369,8 +4177,8 @@
         </p:nvSpPr>
         <p:spPr>
           <a:xfrm flipH="1">
-            <a:off x="4619972" y="3760528"/>
-            <a:ext cx="2040260" cy="720080"/>
+            <a:off x="2771800" y="3760528"/>
+            <a:ext cx="3888432" cy="720080"/>
           </a:xfrm>
           <a:prstGeom prst="rightArrow">
             <a:avLst/>
@@ -4409,7 +4217,7 @@
             </a:r>
             <a:r>
               <a:rPr lang="en-US" altLang="zh-TW" dirty="0" smtClean="0"/>
-              <a:t>Short Token</a:t>
+              <a:t>Short  Token</a:t>
             </a:r>
             <a:endParaRPr lang="zh-TW" altLang="en-US" dirty="0"/>
           </a:p>
@@ -4523,15 +4331,76 @@
           </a:p>
         </p:txBody>
       </p:sp>
+      <p:sp>
+        <p:nvSpPr>
+          <p:cNvPr id="14" name="向右箭號 13"/>
+          <p:cNvSpPr/>
+          <p:nvPr/>
+        </p:nvSpPr>
+        <p:spPr>
+          <a:xfrm>
+            <a:off x="2771799" y="4355614"/>
+            <a:ext cx="2394493" cy="720080"/>
+          </a:xfrm>
+          <a:prstGeom prst="rightArrow">
+            <a:avLst/>
+          </a:prstGeom>
+          <a:solidFill>
+            <a:schemeClr val="accent2">
+              <a:lumMod val="40000"/>
+              <a:lumOff val="60000"/>
+            </a:schemeClr>
+          </a:solidFill>
+        </p:spPr>
+        <p:style>
+          <a:lnRef idx="2">
+            <a:schemeClr val="accent1">
+              <a:shade val="50000"/>
+            </a:schemeClr>
+          </a:lnRef>
+          <a:fillRef idx="1">
+            <a:schemeClr val="accent1"/>
+          </a:fillRef>
+          <a:effectRef idx="0">
+            <a:schemeClr val="accent1"/>
+          </a:effectRef>
+          <a:fontRef idx="minor">
+            <a:schemeClr val="lt1"/>
+          </a:fontRef>
+        </p:style>
+        <p:txBody>
+          <a:bodyPr rtlCol="0" anchor="ctr"/>
+          <a:lstStyle/>
+          <a:p>
+            <a:pPr algn="ctr"/>
+            <a:r>
+              <a:rPr lang="zh-TW" altLang="en-US" dirty="0" smtClean="0"/>
+              <a:t>傳遞</a:t>
+            </a:r>
+            <a:r>
+              <a:rPr lang="en-US" altLang="zh-TW" dirty="0" smtClean="0"/>
+              <a:t>Short Token</a:t>
+            </a:r>
+            <a:endParaRPr lang="zh-TW" altLang="en-US" dirty="0"/>
+          </a:p>
+        </p:txBody>
+      </p:sp>
     </p:spTree>
   </p:cSld>
   <p:clrMapOvr>
     <a:masterClrMapping/>
   </p:clrMapOvr>
+  <p:timing>
+    <p:tnLst>
+      <p:par>
+        <p:cTn id="1" dur="indefinite" restart="never" nodeType="tmRoot"/>
+      </p:par>
+    </p:tnLst>
+  </p:timing>
 </p:sld>
 </file>
 
-<file path=ppt/slides/slide5.xml><?xml version="1.0" encoding="utf-8"?>
+<file path=ppt/slides/slide6.xml><?xml version="1.0" encoding="utf-8"?>
 <p:sld xmlns:a="http://schemas.openxmlformats.org/drawingml/2006/main" xmlns:r="http://schemas.openxmlformats.org/officeDocument/2006/relationships" xmlns:p="http://schemas.openxmlformats.org/presentationml/2006/main">
   <p:cSld>
     <p:spTree>
@@ -4578,7 +4447,7 @@
             <a:spLocks noGrp="1"/>
           </p:cNvSpPr>
           <p:nvPr>
-            <p:ph sz="quarter" idx="1"/>
+            <p:ph idx="1"/>
           </p:nvPr>
         </p:nvSpPr>
         <p:spPr/>
@@ -4915,7 +4784,7 @@
         <p:spPr>
           <a:xfrm>
             <a:off x="5436096" y="4123937"/>
-            <a:ext cx="2520280" cy="720080"/>
+            <a:ext cx="2592288" cy="720080"/>
           </a:xfrm>
           <a:prstGeom prst="rightArrow">
             <a:avLst/>
@@ -5022,8 +4891,8 @@
         </p:nvSpPr>
         <p:spPr>
           <a:xfrm>
-            <a:off x="3998793" y="3821549"/>
-            <a:ext cx="1440161" cy="416023"/>
+            <a:off x="3995935" y="3821549"/>
+            <a:ext cx="1443019" cy="416023"/>
           </a:xfrm>
           <a:prstGeom prst="rect">
             <a:avLst/>
@@ -5124,13 +4993,172 @@
   <p:clrMapOvr>
     <a:masterClrMapping/>
   </p:clrMapOvr>
+  <p:timing>
+    <p:tnLst>
+      <p:par>
+        <p:cTn id="1" dur="indefinite" restart="never" nodeType="tmRoot"/>
+      </p:par>
+    </p:tnLst>
+  </p:timing>
+</p:sld>
+</file>
+
+<file path=ppt/slides/slide7.xml><?xml version="1.0" encoding="utf-8"?>
+<p:sld xmlns:a="http://schemas.openxmlformats.org/drawingml/2006/main" xmlns:r="http://schemas.openxmlformats.org/officeDocument/2006/relationships" xmlns:p="http://schemas.openxmlformats.org/presentationml/2006/main">
+  <p:cSld>
+    <p:spTree>
+      <p:nvGrpSpPr>
+        <p:cNvPr id="1" name=""/>
+        <p:cNvGrpSpPr/>
+        <p:nvPr/>
+      </p:nvGrpSpPr>
+      <p:grpSpPr>
+        <a:xfrm>
+          <a:off x="0" y="0"/>
+          <a:ext cx="0" cy="0"/>
+          <a:chOff x="0" y="0"/>
+          <a:chExt cx="0" cy="0"/>
+        </a:xfrm>
+      </p:grpSpPr>
+      <p:sp>
+        <p:nvSpPr>
+          <p:cNvPr id="2" name="標題 1"/>
+          <p:cNvSpPr>
+            <a:spLocks noGrp="1"/>
+          </p:cNvSpPr>
+          <p:nvPr>
+            <p:ph type="title"/>
+          </p:nvPr>
+        </p:nvSpPr>
+        <p:spPr/>
+        <p:txBody>
+          <a:bodyPr>
+            <a:normAutofit/>
+          </a:bodyPr>
+          <a:lstStyle/>
+          <a:p>
+            <a:r>
+              <a:rPr lang="en-US" altLang="zh-TW" dirty="0"/>
+              <a:t> </a:t>
+            </a:r>
+            <a:r>
+              <a:rPr lang="en-US" altLang="zh-TW" dirty="0" err="1" smtClean="0"/>
+              <a:t>Cron</a:t>
+            </a:r>
+            <a:r>
+              <a:rPr lang="en-US" altLang="zh-TW" dirty="0"/>
+              <a:t> </a:t>
+            </a:r>
+            <a:r>
+              <a:rPr lang="en-US" altLang="zh-TW" dirty="0" err="1" smtClean="0"/>
+              <a:t>Sercive</a:t>
+            </a:r>
+            <a:endParaRPr lang="zh-TW" altLang="en-US" dirty="0"/>
+          </a:p>
+        </p:txBody>
+      </p:sp>
+      <p:sp>
+        <p:nvSpPr>
+          <p:cNvPr id="3" name="內容版面配置區 2"/>
+          <p:cNvSpPr>
+            <a:spLocks noGrp="1"/>
+          </p:cNvSpPr>
+          <p:nvPr>
+            <p:ph idx="1"/>
+          </p:nvPr>
+        </p:nvSpPr>
+        <p:spPr/>
+        <p:txBody>
+          <a:bodyPr/>
+          <a:lstStyle/>
+          <a:p>
+            <a:r>
+              <a:rPr lang="en-US" altLang="zh-TW" dirty="0" err="1"/>
+              <a:t>cron</a:t>
+            </a:r>
+            <a:r>
+              <a:rPr lang="en-US" altLang="zh-TW" dirty="0"/>
+              <a:t>:</a:t>
+            </a:r>
+          </a:p>
+          <a:p>
+            <a:pPr indent="0">
+              <a:buNone/>
+            </a:pPr>
+            <a:r>
+              <a:rPr lang="en-US" altLang="zh-TW" dirty="0" smtClean="0"/>
+              <a:t>	- </a:t>
+            </a:r>
+            <a:r>
+              <a:rPr lang="en-US" altLang="zh-TW" dirty="0"/>
+              <a:t>description: </a:t>
+            </a:r>
+            <a:r>
+              <a:rPr lang="en-US" altLang="zh-TW" dirty="0" err="1"/>
+              <a:t>comsume</a:t>
+            </a:r>
+            <a:r>
+              <a:rPr lang="en-US" altLang="zh-TW" dirty="0"/>
+              <a:t> post</a:t>
+            </a:r>
+          </a:p>
+          <a:p>
+            <a:pPr indent="0">
+              <a:buNone/>
+            </a:pPr>
+            <a:r>
+              <a:rPr lang="en-US" altLang="zh-TW" dirty="0"/>
+              <a:t> </a:t>
+            </a:r>
+            <a:r>
+              <a:rPr lang="en-US" altLang="zh-TW" dirty="0" smtClean="0"/>
+              <a:t>	url</a:t>
+            </a:r>
+            <a:r>
+              <a:rPr lang="en-US" altLang="zh-TW" dirty="0"/>
+              <a:t>: /</a:t>
+            </a:r>
+            <a:r>
+              <a:rPr lang="en-US" altLang="zh-TW" dirty="0" err="1"/>
+              <a:t>ConsumePost</a:t>
+            </a:r>
+            <a:endParaRPr lang="en-US" altLang="zh-TW" dirty="0"/>
+          </a:p>
+          <a:p>
+            <a:pPr indent="0">
+              <a:buNone/>
+            </a:pPr>
+            <a:r>
+              <a:rPr lang="en-US" altLang="zh-TW" dirty="0" smtClean="0"/>
+              <a:t>  	schedule</a:t>
+            </a:r>
+            <a:r>
+              <a:rPr lang="en-US" altLang="zh-TW" dirty="0"/>
+              <a:t>: every 1 minutes from 00:00 to 23:59</a:t>
+            </a:r>
+          </a:p>
+          <a:p>
+            <a:endParaRPr lang="zh-TW" altLang="en-US" dirty="0"/>
+          </a:p>
+        </p:txBody>
+      </p:sp>
+    </p:spTree>
+    <p:extLst>
+      <p:ext uri="{BB962C8B-B14F-4D97-AF65-F5344CB8AC3E}">
+        <p14:creationId xmlns:p14="http://schemas.microsoft.com/office/powerpoint/2010/main" val="3101073442"/>
+      </p:ext>
+    </p:extLst>
+  </p:cSld>
+  <p:clrMapOvr>
+    <a:masterClrMapping/>
+  </p:clrMapOvr>
 </p:sld>
 </file>
 
 <file path=ppt/theme/theme1.xml><?xml version="1.0" encoding="utf-8"?>
-<a:theme xmlns:a="http://schemas.openxmlformats.org/drawingml/2006/main" name="公正">
+<a:theme xmlns:a="http://schemas.openxmlformats.org/drawingml/2006/main" name="時裝">
   <a:themeElements>
-    <a:clrScheme name="公正">
+    <a:clrScheme name="時裝">
       <a:dk1>
         <a:sysClr val="windowText" lastClr="000000"/>
       </a:dk1>
@@ -5138,50 +5166,50 @@
         <a:sysClr val="window" lastClr="FFFFFF"/>
       </a:lt1>
       <a:dk2>
-        <a:srgbClr val="696464"/>
+        <a:srgbClr val="37302A"/>
       </a:dk2>
       <a:lt2>
-        <a:srgbClr val="E9E5DC"/>
+        <a:srgbClr val="D0CCB9"/>
       </a:lt2>
       <a:accent1>
-        <a:srgbClr val="D34817"/>
+        <a:srgbClr val="9E8E5C"/>
       </a:accent1>
       <a:accent2>
-        <a:srgbClr val="9B2D1F"/>
+        <a:srgbClr val="A09781"/>
       </a:accent2>
       <a:accent3>
-        <a:srgbClr val="A28E6A"/>
+        <a:srgbClr val="85776D"/>
       </a:accent3>
       <a:accent4>
-        <a:srgbClr val="956251"/>
+        <a:srgbClr val="AEAFA9"/>
       </a:accent4>
       <a:accent5>
-        <a:srgbClr val="918485"/>
+        <a:srgbClr val="8D878B"/>
       </a:accent5>
       <a:accent6>
-        <a:srgbClr val="855D5D"/>
+        <a:srgbClr val="6B6149"/>
       </a:accent6>
       <a:hlink>
-        <a:srgbClr val="CC9900"/>
+        <a:srgbClr val="B6A272"/>
       </a:hlink>
       <a:folHlink>
-        <a:srgbClr val="96A9A9"/>
+        <a:srgbClr val="8A784F"/>
       </a:folHlink>
     </a:clrScheme>
-    <a:fontScheme name="公正">
+    <a:fontScheme name="黑領帶">
       <a:majorFont>
-        <a:latin typeface="Franklin Gothic Book"/>
+        <a:latin typeface="Garamond"/>
         <a:ea typeface=""/>
         <a:cs typeface=""/>
-        <a:font script="Grek" typeface="Calibri"/>
-        <a:font script="Cyrl" typeface="Calibri"/>
-        <a:font script="Jpan" typeface="HGｺﾞｼｯｸM"/>
-        <a:font script="Hang" typeface="바탕"/>
-        <a:font script="Hans" typeface="幼圆"/>
-        <a:font script="Hant" typeface="微軟正黑體"/>
-        <a:font script="Arab" typeface="Tahoma"/>
-        <a:font script="Hebr" typeface="Aharoni"/>
-        <a:font script="Thai" typeface="LilyUPC"/>
+        <a:font script="Grek" typeface="Constantia"/>
+        <a:font script="Cyrl" typeface="Constantia"/>
+        <a:font script="Jpan" typeface="ＭＳ Ｐ明朝"/>
+        <a:font script="Hang" typeface="궁서"/>
+        <a:font script="Hans" typeface="仿宋"/>
+        <a:font script="Hant" typeface="標楷體"/>
+        <a:font script="Arab" typeface="Times New Roman"/>
+        <a:font script="Hebr" typeface="Times New Roman"/>
+        <a:font script="Thai" typeface="Angsana New"/>
         <a:font script="Ethi" typeface="Nyala"/>
         <a:font script="Beng" typeface="Vrinda"/>
         <a:font script="Gujr" typeface="Shruti"/>
@@ -5202,26 +5230,27 @@
         <a:font script="Laoo" typeface="DokChampa"/>
         <a:font script="Sinh" typeface="Iskoola Pota"/>
         <a:font script="Mong" typeface="Mongolian Baiti"/>
-        <a:font script="Viet" typeface="Tahoma"/>
+        <a:font script="Viet" typeface="Times New Roman"/>
         <a:font script="Uigh" typeface="Microsoft Uighur"/>
+        <a:font script="Geor" typeface="Sylfaen"/>
       </a:majorFont>
       <a:minorFont>
-        <a:latin typeface="Perpetua"/>
+        <a:latin typeface="Garamond"/>
         <a:ea typeface=""/>
         <a:cs typeface=""/>
-        <a:font script="Grek" typeface="Cambria"/>
-        <a:font script="Cyrl" typeface="Cambria"/>
-        <a:font script="Jpan" typeface="HG創英ﾌﾟﾚｾﾞﾝｽEB"/>
-        <a:font script="Hang" typeface="맑은 고딕"/>
-        <a:font script="Hans" typeface="宋体"/>
-        <a:font script="Hant" typeface="新細明體"/>
+        <a:font script="Grek" typeface="Constantia"/>
+        <a:font script="Cyrl" typeface="Constantia"/>
+        <a:font script="Jpan" typeface="ＭＳ Ｐ明朝"/>
+        <a:font script="Hang" typeface="궁서"/>
+        <a:font script="Hans" typeface="仿宋"/>
+        <a:font script="Hant" typeface="標楷體"/>
         <a:font script="Arab" typeface="Times New Roman"/>
-        <a:font script="Hebr" typeface="Aharoni"/>
-        <a:font script="Thai" typeface="EucrosiaUPC"/>
+        <a:font script="Hebr" typeface="Times New Roman"/>
+        <a:font script="Thai" typeface="Angsana New"/>
         <a:font script="Ethi" typeface="Nyala"/>
         <a:font script="Beng" typeface="Vrinda"/>
         <a:font script="Gujr" typeface="Shruti"/>
-        <a:font script="Khmr" typeface="MoolBoran"/>
+        <a:font script="Khmr" typeface="DaunPenh"/>
         <a:font script="Knda" typeface="Tunga"/>
         <a:font script="Guru" typeface="Raavi"/>
         <a:font script="Cans" typeface="Euphemia"/>
@@ -5240,110 +5269,73 @@
         <a:font script="Mong" typeface="Mongolian Baiti"/>
         <a:font script="Viet" typeface="Times New Roman"/>
         <a:font script="Uigh" typeface="Microsoft Uighur"/>
+        <a:font script="Geor" typeface="Sylfaen"/>
       </a:minorFont>
     </a:fontScheme>
-    <a:fmtScheme name="公正">
+    <a:fmtScheme name="時裝">
       <a:fillStyleLst>
         <a:solidFill>
           <a:schemeClr val="phClr"/>
         </a:solidFill>
-        <a:blipFill>
-          <a:blip xmlns:r="http://schemas.openxmlformats.org/officeDocument/2006/relationships" r:embed="rId1">
-            <a:duotone>
-              <a:schemeClr val="phClr">
-                <a:tint val="30000"/>
-                <a:satMod val="300000"/>
-              </a:schemeClr>
-              <a:schemeClr val="phClr">
-                <a:tint val="40000"/>
-                <a:satMod val="200000"/>
-              </a:schemeClr>
-            </a:duotone>
-          </a:blip>
-          <a:tile tx="0" ty="0" sx="70000" sy="70000" flip="none" algn="ctr"/>
-        </a:blipFill>
-        <a:blipFill>
-          <a:blip xmlns:r="http://schemas.openxmlformats.org/officeDocument/2006/relationships" r:embed="rId1">
-            <a:duotone>
-              <a:schemeClr val="phClr">
-                <a:shade val="22000"/>
-                <a:satMod val="160000"/>
-              </a:schemeClr>
-              <a:schemeClr val="phClr">
-                <a:shade val="45000"/>
-                <a:satMod val="100000"/>
-              </a:schemeClr>
-            </a:duotone>
-          </a:blip>
-          <a:tile tx="0" ty="0" sx="65000" sy="65000" flip="none" algn="ctr"/>
-        </a:blipFill>
+        <a:solidFill>
+          <a:schemeClr val="phClr">
+            <a:tint val="65000"/>
+          </a:schemeClr>
+        </a:solidFill>
+        <a:solidFill>
+          <a:schemeClr val="phClr">
+            <a:shade val="80000"/>
+            <a:satMod val="180000"/>
+          </a:schemeClr>
+        </a:solidFill>
       </a:fillStyleLst>
       <a:lnStyleLst>
         <a:ln w="9525" cap="flat" cmpd="sng" algn="ctr">
-          <a:solidFill>
-            <a:schemeClr val="phClr">
-              <a:shade val="60000"/>
-              <a:satMod val="110000"/>
-            </a:schemeClr>
-          </a:solidFill>
-          <a:prstDash val="solid"/>
-        </a:ln>
-        <a:ln w="12700" cap="flat" cmpd="sng" algn="ctr">
           <a:solidFill>
             <a:schemeClr val="phClr"/>
           </a:solidFill>
           <a:prstDash val="solid"/>
         </a:ln>
-        <a:ln w="38100" cap="flat" cmpd="sng" algn="ctr">
+        <a:ln w="10795" cap="flat" cmpd="sng" algn="ctr">
           <a:solidFill>
             <a:schemeClr val="phClr"/>
+          </a:solidFill>
+          <a:prstDash val="solid"/>
+        </a:ln>
+        <a:ln w="17145" cap="flat" cmpd="sng" algn="ctr">
+          <a:solidFill>
+            <a:schemeClr val="phClr">
+              <a:shade val="95000"/>
+              <a:alpha val="50000"/>
+              <a:satMod val="150000"/>
+            </a:schemeClr>
           </a:solidFill>
           <a:prstDash val="solid"/>
         </a:ln>
       </a:lnStyleLst>
       <a:effectStyleLst>
         <a:effectStyle>
-          <a:effectLst>
-            <a:outerShdw blurRad="38100" dist="25400" dir="5400000" algn="t" rotWithShape="0">
-              <a:srgbClr val="000000">
-                <a:alpha val="50000"/>
-              </a:srgbClr>
-            </a:outerShdw>
-          </a:effectLst>
+          <a:effectLst/>
+        </a:effectStyle>
+        <a:effectStyle>
+          <a:effectLst/>
         </a:effectStyle>
         <a:effectStyle>
           <a:effectLst>
-            <a:outerShdw blurRad="38100" dist="25400" dir="5400000" algn="t" rotWithShape="0">
+            <a:outerShdw blurRad="44450" dist="13970" dir="5400000" algn="ctr" rotWithShape="0">
               <a:srgbClr val="000000">
-                <a:alpha val="50000"/>
-              </a:srgbClr>
-            </a:outerShdw>
-          </a:effectLst>
-        </a:effectStyle>
-        <a:effectStyle>
-          <a:effectLst>
-            <a:outerShdw blurRad="50800" dist="50800" dir="5400000" algn="t" rotWithShape="0">
-              <a:srgbClr val="000000">
-                <a:alpha val="60000"/>
+                <a:alpha val="45000"/>
               </a:srgbClr>
             </a:outerShdw>
           </a:effectLst>
           <a:scene3d>
-            <a:camera prst="isometricBottomUp" fov="0">
+            <a:camera prst="orthographicFront">
               <a:rot lat="0" lon="0" rev="0"/>
             </a:camera>
-            <a:lightRig rig="soft" dir="b">
-              <a:rot lat="0" lon="0" rev="9000000"/>
-            </a:lightRig>
+            <a:lightRig rig="twoPt" dir="tl"/>
           </a:scene3d>
-          <a:sp3d contourW="35000" prstMaterial="matte">
-            <a:bevelT w="45000" h="38100" prst="convex"/>
-            <a:contourClr>
-              <a:schemeClr val="phClr">
-                <a:tint val="10000"/>
-                <a:satMod val="130000"/>
-              </a:schemeClr>
-            </a:contourClr>
+          <a:sp3d prstMaterial="flat">
+            <a:bevelT w="19050" h="31750" prst="coolSlant"/>
           </a:sp3d>
         </a:effectStyle>
       </a:effectStyleLst>
@@ -5355,39 +5347,32 @@
           <a:gsLst>
             <a:gs pos="0">
               <a:schemeClr val="phClr">
-                <a:shade val="40000"/>
-                <a:satMod val="165000"/>
-              </a:schemeClr>
-            </a:gs>
-            <a:gs pos="50000">
-              <a:schemeClr val="phClr">
-                <a:shade val="80000"/>
-                <a:satMod val="155000"/>
+                <a:tint val="70000"/>
               </a:schemeClr>
             </a:gs>
             <a:gs pos="100000">
               <a:schemeClr val="phClr">
-                <a:tint val="95000"/>
-                <a:satMod val="200000"/>
+                <a:shade val="80000"/>
               </a:schemeClr>
             </a:gs>
           </a:gsLst>
-          <a:lin ang="16200000" scaled="1"/>
+          <a:path path="circle">
+            <a:fillToRect l="50000" t="100000" r="100000" b="100000"/>
+          </a:path>
         </a:gradFill>
-        <a:blipFill>
+        <a:blipFill rotWithShape="1">
           <a:blip xmlns:r="http://schemas.openxmlformats.org/officeDocument/2006/relationships" r:embed="rId1">
             <a:duotone>
               <a:schemeClr val="phClr">
-                <a:tint val="95000"/>
+                <a:shade val="30000"/>
                 <a:satMod val="200000"/>
               </a:schemeClr>
               <a:schemeClr val="phClr">
-                <a:shade val="80000"/>
-                <a:satMod val="100000"/>
+                <a:tint val="20000"/>
               </a:schemeClr>
             </a:duotone>
           </a:blip>
-          <a:tile tx="0" ty="0" sx="55000" sy="55000" flip="none" algn="tl"/>
+          <a:stretch/>
         </a:blipFill>
       </a:bgFillStyleLst>
     </a:fmtScheme>
